--- a/ppts/555-ch02.pptx
+++ b/ppts/555-ch02.pptx
@@ -664,35 +664,35 @@
           <a:p>
             <a:pPr lvl="0"/>
             <a:r>
-              <a:rPr lang="en-US" noProof="0" smtClean="0"/>
+              <a:rPr lang="en-US" noProof="0"/>
               <a:t>Click to edit Master text styles</a:t>
             </a:r>
           </a:p>
           <a:p>
             <a:pPr lvl="1"/>
             <a:r>
-              <a:rPr lang="en-US" noProof="0" smtClean="0"/>
+              <a:rPr lang="en-US" noProof="0"/>
               <a:t>Second level</a:t>
             </a:r>
           </a:p>
           <a:p>
             <a:pPr lvl="2"/>
             <a:r>
-              <a:rPr lang="en-US" noProof="0" smtClean="0"/>
+              <a:rPr lang="en-US" noProof="0"/>
               <a:t>Third level</a:t>
             </a:r>
           </a:p>
           <a:p>
             <a:pPr lvl="3"/>
             <a:r>
-              <a:rPr lang="en-US" noProof="0" smtClean="0"/>
+              <a:rPr lang="en-US" noProof="0"/>
               <a:t>Fourth level</a:t>
             </a:r>
           </a:p>
           <a:p>
             <a:pPr lvl="4"/>
             <a:r>
-              <a:rPr lang="en-US" noProof="0" smtClean="0"/>
+              <a:rPr lang="en-US" noProof="0"/>
               <a:t>Fifth level</a:t>
             </a:r>
           </a:p>
@@ -1166,7 +1166,7 @@
           <a:p>
             <a:pPr eaLnBrk="1" hangingPunct="1"/>
             <a:r>
-              <a:rPr lang="en-US" altLang="en-US" smtClean="0"/>
+              <a:rPr lang="en-US" altLang="en-US"/>
               <a:t>Attacks Using Malware</a:t>
             </a:r>
           </a:p>
@@ -1175,7 +1175,7 @@
               <a:buFontTx/>
               <a:buChar char="•"/>
             </a:pPr>
-            <a:endParaRPr lang="en-US" altLang="en-US" smtClean="0"/>
+            <a:endParaRPr lang="en-US" altLang="en-US"/>
           </a:p>
           <a:p>
             <a:pPr>
@@ -1183,7 +1183,7 @@
               <a:buChar char="•"/>
             </a:pPr>
             <a:r>
-              <a:rPr lang="en-US" altLang="en-US" smtClean="0"/>
+              <a:rPr lang="en-US" altLang="en-US"/>
               <a:t>Malicious software (malware)</a:t>
             </a:r>
           </a:p>
@@ -1193,7 +1193,7 @@
               <a:buChar char="•"/>
             </a:pPr>
             <a:r>
-              <a:rPr lang="en-US" altLang="en-US" smtClean="0"/>
+              <a:rPr lang="en-US" altLang="en-US"/>
               <a:t>Enters a computer system:</a:t>
             </a:r>
           </a:p>
@@ -1203,7 +1203,7 @@
               <a:buChar char="•"/>
             </a:pPr>
             <a:r>
-              <a:rPr lang="en-US" altLang="en-US" smtClean="0"/>
+              <a:rPr lang="en-US" altLang="en-US"/>
               <a:t>Without the owner’s knowledge or consent</a:t>
             </a:r>
           </a:p>
@@ -1213,7 +1213,7 @@
               <a:buChar char="•"/>
             </a:pPr>
             <a:r>
-              <a:rPr lang="en-US" altLang="en-US" smtClean="0"/>
+              <a:rPr lang="en-US" altLang="en-US"/>
               <a:t>Uses a threat vector to deliver a malicious “payload” that performs a harmful function once it is invoked</a:t>
             </a:r>
           </a:p>
@@ -1223,13 +1223,13 @@
               <a:buChar char="•"/>
             </a:pPr>
             <a:r>
-              <a:rPr lang="en-US" altLang="en-US" smtClean="0"/>
+              <a:rPr lang="en-US" altLang="en-US"/>
               <a:t>Malware is a general term that refers to a wide variety of damaging or annoying software</a:t>
             </a:r>
           </a:p>
           <a:p>
             <a:pPr eaLnBrk="1" hangingPunct="1"/>
-            <a:endParaRPr lang="en-US" altLang="en-US" smtClean="0"/>
+            <a:endParaRPr lang="en-US" altLang="en-US"/>
           </a:p>
         </p:txBody>
       </p:sp>
@@ -1459,7 +1459,7 @@
               <a:defRPr/>
             </a:pPr>
             <a:r>
-              <a:rPr lang="en-US" altLang="en-US" dirty="0" smtClean="0">
+              <a:rPr lang="en-US" altLang="en-US" dirty="0">
                 <a:ea typeface="+mn-ea"/>
                 <a:cs typeface="+mn-cs"/>
               </a:rPr>
@@ -1472,7 +1472,7 @@
               <a:buChar char="•"/>
               <a:defRPr/>
             </a:pPr>
-            <a:endParaRPr lang="en-US" altLang="en-US" dirty="0" smtClean="0">
+            <a:endParaRPr lang="en-US" altLang="en-US" dirty="0">
               <a:ea typeface="+mn-ea"/>
               <a:cs typeface="+mn-cs"/>
             </a:endParaRPr>
@@ -1484,14 +1484,14 @@
               <a:defRPr/>
             </a:pPr>
             <a:r>
-              <a:rPr lang="en-US" altLang="en-US" b="1" dirty="0" smtClean="0">
+              <a:rPr lang="en-US" altLang="en-US" b="1" dirty="0">
                 <a:ea typeface="+mn-ea"/>
                 <a:cs typeface="+mn-cs"/>
               </a:rPr>
               <a:t>Worm</a:t>
             </a:r>
             <a:r>
-              <a:rPr lang="en-US" altLang="en-US" dirty="0" smtClean="0">
+              <a:rPr lang="en-US" altLang="en-US" dirty="0">
                 <a:ea typeface="+mn-ea"/>
                 <a:cs typeface="+mn-cs"/>
               </a:rPr>
@@ -1505,7 +1505,7 @@
               <a:defRPr/>
             </a:pPr>
             <a:r>
-              <a:rPr lang="en-US" altLang="en-US" dirty="0" smtClean="0">
+              <a:rPr lang="en-US" altLang="en-US" dirty="0">
                 <a:ea typeface="+mn-ea"/>
                 <a:cs typeface="+mn-cs"/>
               </a:rPr>
@@ -1519,7 +1519,7 @@
               <a:defRPr/>
             </a:pPr>
             <a:r>
-              <a:rPr lang="en-US" altLang="en-US" dirty="0" smtClean="0">
+              <a:rPr lang="en-US" altLang="en-US" dirty="0">
                 <a:ea typeface="+mn-ea"/>
                 <a:cs typeface="+mn-cs"/>
               </a:rPr>
@@ -1533,14 +1533,14 @@
               <a:defRPr/>
             </a:pPr>
             <a:r>
-              <a:rPr lang="en-US" altLang="en-US" dirty="0" smtClean="0">
+              <a:rPr lang="en-US" altLang="en-US" dirty="0">
                 <a:ea typeface="+mn-ea"/>
                 <a:cs typeface="+mn-cs"/>
               </a:rPr>
               <a:t>Consume resources </a:t>
             </a:r>
             <a:r>
-              <a:rPr lang="en-US" altLang="en-US" i="1" dirty="0" smtClean="0">
+              <a:rPr lang="en-US" altLang="en-US" i="1" dirty="0">
                 <a:ea typeface="+mn-ea"/>
                 <a:cs typeface="+mn-cs"/>
               </a:rPr>
@@ -1554,7 +1554,7 @@
               <a:defRPr/>
             </a:pPr>
             <a:r>
-              <a:rPr lang="en-US" altLang="en-US" dirty="0" smtClean="0">
+              <a:rPr lang="en-US" altLang="en-US" dirty="0">
                 <a:ea typeface="+mn-ea"/>
                 <a:cs typeface="+mn-cs"/>
               </a:rPr>
@@ -1568,7 +1568,7 @@
               <a:defRPr/>
             </a:pPr>
             <a:r>
-              <a:rPr lang="en-US" altLang="en-US" dirty="0" smtClean="0">
+              <a:rPr lang="en-US" altLang="en-US" dirty="0">
                 <a:ea typeface="+mn-ea"/>
                 <a:cs typeface="+mn-cs"/>
               </a:rPr>
@@ -1582,7 +1582,7 @@
               <a:defRPr/>
             </a:pPr>
             <a:r>
-              <a:rPr lang="en-US" altLang="en-US" dirty="0" smtClean="0">
+              <a:rPr lang="en-US" altLang="en-US" dirty="0">
                 <a:ea typeface="+mn-ea"/>
                 <a:cs typeface="+mn-cs"/>
               </a:rPr>
@@ -1596,7 +1596,7 @@
               <a:defRPr/>
             </a:pPr>
             <a:r>
-              <a:rPr lang="en-US" altLang="en-US" dirty="0" smtClean="0">
+              <a:rPr lang="en-US" altLang="en-US" dirty="0">
                 <a:ea typeface="+mn-ea"/>
                 <a:cs typeface="+mn-cs"/>
               </a:rPr>
@@ -1607,7 +1607,7 @@
             <a:pPr eaLnBrk="1" hangingPunct="1">
               <a:defRPr/>
             </a:pPr>
-            <a:endParaRPr lang="en-CA" altLang="en-US" dirty="0" smtClean="0">
+            <a:endParaRPr lang="en-CA" altLang="en-US" dirty="0">
               <a:ea typeface="+mn-ea"/>
               <a:cs typeface="+mn-cs"/>
             </a:endParaRPr>
@@ -1857,7 +1857,7 @@
           <a:p>
             <a:pPr eaLnBrk="1" hangingPunct="1"/>
             <a:r>
-              <a:rPr lang="en-US" altLang="en-US" smtClean="0"/>
+              <a:rPr lang="en-US" altLang="en-US"/>
               <a:t>Trojans</a:t>
             </a:r>
           </a:p>
@@ -1866,7 +1866,7 @@
               <a:buFontTx/>
               <a:buChar char="•"/>
             </a:pPr>
-            <a:endParaRPr lang="en-US" altLang="en-US" smtClean="0"/>
+            <a:endParaRPr lang="en-US" altLang="en-US"/>
           </a:p>
           <a:p>
             <a:pPr>
@@ -1874,11 +1874,11 @@
               <a:buChar char="•"/>
             </a:pPr>
             <a:r>
-              <a:rPr lang="en-US" altLang="en-US" b="1" smtClean="0"/>
+              <a:rPr lang="en-US" altLang="en-US" b="1"/>
               <a:t>Trojan horse (Trojan) </a:t>
             </a:r>
             <a:r>
-              <a:rPr lang="en-US" altLang="en-US" smtClean="0"/>
+              <a:rPr lang="en-US" altLang="en-US"/>
               <a:t>- an executable program that does something other than advertised</a:t>
             </a:r>
           </a:p>
@@ -1888,7 +1888,7 @@
               <a:buChar char="•"/>
             </a:pPr>
             <a:r>
-              <a:rPr lang="en-US" altLang="en-US" smtClean="0"/>
+              <a:rPr lang="en-US" altLang="en-US"/>
               <a:t>Contain hidden code that launches an attack</a:t>
             </a:r>
           </a:p>
@@ -1898,7 +1898,7 @@
               <a:buChar char="•"/>
             </a:pPr>
             <a:r>
-              <a:rPr lang="en-US" altLang="en-US" smtClean="0"/>
+              <a:rPr lang="en-US" altLang="en-US"/>
               <a:t>Sometimes made to appear as data file</a:t>
             </a:r>
           </a:p>
@@ -1908,7 +1908,7 @@
               <a:buChar char="•"/>
             </a:pPr>
             <a:r>
-              <a:rPr lang="en-US" altLang="en-US" smtClean="0"/>
+              <a:rPr lang="en-US" altLang="en-US"/>
               <a:t>Example</a:t>
             </a:r>
           </a:p>
@@ -1918,7 +1918,7 @@
               <a:buChar char="•"/>
             </a:pPr>
             <a:r>
-              <a:rPr lang="en-US" altLang="en-US" smtClean="0"/>
+              <a:rPr lang="en-US" altLang="en-US"/>
               <a:t>User downloads “free calendar program”</a:t>
             </a:r>
           </a:p>
@@ -1928,7 +1928,7 @@
               <a:buChar char="•"/>
             </a:pPr>
             <a:r>
-              <a:rPr lang="en-US" altLang="en-US" smtClean="0"/>
+              <a:rPr lang="en-US" altLang="en-US"/>
               <a:t>Program scans system for credit card numbers and passwords</a:t>
             </a:r>
           </a:p>
@@ -1938,13 +1938,13 @@
               <a:buChar char="•"/>
             </a:pPr>
             <a:r>
-              <a:rPr lang="en-US" altLang="en-US" smtClean="0"/>
+              <a:rPr lang="en-US" altLang="en-US"/>
               <a:t>Transmits information to attacker through network</a:t>
             </a:r>
           </a:p>
           <a:p>
             <a:pPr eaLnBrk="1" hangingPunct="1"/>
-            <a:endParaRPr lang="en-CA" altLang="en-US" smtClean="0"/>
+            <a:endParaRPr lang="en-CA" altLang="en-US"/>
           </a:p>
         </p:txBody>
       </p:sp>
@@ -2191,21 +2191,21 @@
           <a:p>
             <a:pPr eaLnBrk="1" hangingPunct="1"/>
             <a:r>
-              <a:rPr lang="en-US" altLang="en-US" smtClean="0"/>
+              <a:rPr lang="en-US" altLang="en-US"/>
               <a:t>Trojans</a:t>
             </a:r>
           </a:p>
           <a:p>
             <a:pPr eaLnBrk="1" hangingPunct="1"/>
-            <a:endParaRPr lang="en-US" altLang="en-US" smtClean="0"/>
+            <a:endParaRPr lang="en-US" altLang="en-US"/>
           </a:p>
           <a:p>
             <a:pPr eaLnBrk="1" hangingPunct="1"/>
             <a:r>
-              <a:rPr lang="en-US" altLang="en-US" smtClean="0"/>
+              <a:rPr lang="en-US" altLang="en-US"/>
               <a:t>Table 2-2  Difference between viruses, worms, and Trojans</a:t>
             </a:r>
-            <a:endParaRPr lang="en-CA" altLang="en-US" smtClean="0"/>
+            <a:endParaRPr lang="en-CA" altLang="en-US"/>
           </a:p>
         </p:txBody>
       </p:sp>
@@ -2435,7 +2435,7 @@
               <a:defRPr/>
             </a:pPr>
             <a:r>
-              <a:rPr lang="en-US" altLang="en-US" dirty="0" smtClean="0">
+              <a:rPr lang="en-US" altLang="en-US" dirty="0">
                 <a:ea typeface="+mn-ea"/>
                 <a:cs typeface="+mn-cs"/>
               </a:rPr>
@@ -2448,7 +2448,7 @@
               <a:buChar char="•"/>
               <a:defRPr/>
             </a:pPr>
-            <a:endParaRPr lang="en-US" altLang="en-US" dirty="0" smtClean="0">
+            <a:endParaRPr lang="en-US" altLang="en-US" dirty="0">
               <a:ea typeface="+mn-ea"/>
               <a:cs typeface="+mn-cs"/>
             </a:endParaRPr>
@@ -2460,14 +2460,14 @@
               <a:defRPr/>
             </a:pPr>
             <a:r>
-              <a:rPr lang="en-US" altLang="en-US" b="1" dirty="0" smtClean="0">
+              <a:rPr lang="en-US" altLang="en-US" b="1" dirty="0">
                 <a:ea typeface="+mn-ea"/>
                 <a:cs typeface="+mn-cs"/>
               </a:rPr>
               <a:t>Rootkits</a:t>
             </a:r>
             <a:r>
-              <a:rPr lang="en-US" altLang="en-US" dirty="0" smtClean="0">
+              <a:rPr lang="en-US" altLang="en-US" dirty="0">
                 <a:ea typeface="+mn-ea"/>
                 <a:cs typeface="+mn-cs"/>
               </a:rPr>
@@ -2481,7 +2481,7 @@
               <a:defRPr/>
             </a:pPr>
             <a:r>
-              <a:rPr lang="en-US" altLang="en-US" dirty="0" smtClean="0">
+              <a:rPr lang="en-US" altLang="en-US" dirty="0">
                 <a:ea typeface="+mn-ea"/>
                 <a:cs typeface="+mn-cs"/>
               </a:rPr>
@@ -2495,7 +2495,7 @@
               <a:defRPr/>
             </a:pPr>
             <a:r>
-              <a:rPr lang="en-US" altLang="en-US" dirty="0" smtClean="0">
+              <a:rPr lang="en-US" altLang="en-US" dirty="0">
                 <a:ea typeface="+mn-ea"/>
                 <a:cs typeface="+mn-cs"/>
               </a:rPr>
@@ -2509,7 +2509,7 @@
               <a:defRPr/>
             </a:pPr>
             <a:r>
-              <a:rPr lang="en-US" altLang="en-US" dirty="0" smtClean="0">
+              <a:rPr lang="en-US" altLang="en-US" dirty="0">
                 <a:ea typeface="+mn-ea"/>
                 <a:cs typeface="+mn-cs"/>
               </a:rPr>
@@ -2523,7 +2523,7 @@
               <a:defRPr/>
             </a:pPr>
             <a:r>
-              <a:rPr lang="en-US" altLang="en-US" dirty="0" smtClean="0">
+              <a:rPr lang="en-US" altLang="en-US" dirty="0">
                 <a:ea typeface="+mn-ea"/>
                 <a:cs typeface="+mn-cs"/>
               </a:rPr>
@@ -2536,7 +2536,7 @@
               <a:buChar char="•"/>
               <a:defRPr/>
             </a:pPr>
-            <a:endParaRPr lang="en-US" altLang="en-US" dirty="0" smtClean="0">
+            <a:endParaRPr lang="en-US" altLang="en-US" dirty="0">
               <a:ea typeface="+mn-ea"/>
               <a:cs typeface="+mn-cs"/>
             </a:endParaRPr>
@@ -2545,7 +2545,7 @@
             <a:pPr eaLnBrk="1" hangingPunct="1">
               <a:defRPr/>
             </a:pPr>
-            <a:endParaRPr lang="en-CA" altLang="en-US" dirty="0" smtClean="0">
+            <a:endParaRPr lang="en-CA" altLang="en-US" dirty="0">
               <a:ea typeface="+mn-ea"/>
               <a:cs typeface="+mn-cs"/>
             </a:endParaRPr>
@@ -2615,7 +2615,7 @@
               <a:defRPr/>
             </a:pPr>
             <a:r>
-              <a:rPr lang="en-US" altLang="en-US" dirty="0" smtClean="0">
+              <a:rPr lang="en-US" altLang="en-US" dirty="0">
                 <a:ea typeface="+mn-ea"/>
                 <a:cs typeface="+mn-cs"/>
               </a:rPr>
@@ -2628,7 +2628,7 @@
               <a:buChar char="•"/>
               <a:defRPr/>
             </a:pPr>
-            <a:endParaRPr lang="en-US" dirty="0" smtClean="0">
+            <a:endParaRPr lang="en-US" dirty="0">
               <a:ea typeface="+mn-ea"/>
               <a:cs typeface="+mn-cs"/>
             </a:endParaRPr>
@@ -2640,7 +2640,7 @@
               <a:defRPr/>
             </a:pPr>
             <a:r>
-              <a:rPr lang="en-US" altLang="en-US" dirty="0" smtClean="0">
+              <a:rPr lang="en-US" altLang="en-US" dirty="0">
                 <a:ea typeface="+mn-ea"/>
                 <a:cs typeface="+mn-cs"/>
               </a:rPr>
@@ -2654,7 +2654,7 @@
               <a:defRPr/>
             </a:pPr>
             <a:r>
-              <a:rPr lang="en-US" altLang="en-US" dirty="0" smtClean="0">
+              <a:rPr lang="en-US" altLang="en-US" dirty="0">
                 <a:ea typeface="+mn-ea"/>
                 <a:cs typeface="+mn-cs"/>
               </a:rPr>
@@ -2668,7 +2668,7 @@
               <a:defRPr/>
             </a:pPr>
             <a:r>
-              <a:rPr lang="en-US" altLang="en-US" dirty="0" smtClean="0">
+              <a:rPr lang="en-US" altLang="en-US" dirty="0">
                 <a:ea typeface="+mn-ea"/>
                 <a:cs typeface="+mn-cs"/>
               </a:rPr>
@@ -2682,7 +2682,7 @@
               <a:defRPr/>
             </a:pPr>
             <a:r>
-              <a:rPr lang="en-US" altLang="en-US" dirty="0" smtClean="0">
+              <a:rPr lang="en-US" altLang="en-US" dirty="0">
                 <a:ea typeface="+mn-ea"/>
                 <a:cs typeface="+mn-cs"/>
               </a:rPr>
@@ -2696,7 +2696,7 @@
               <a:defRPr/>
             </a:pPr>
             <a:r>
-              <a:rPr lang="en-US" altLang="en-US" dirty="0" smtClean="0">
+              <a:rPr lang="en-US" altLang="en-US" dirty="0">
                 <a:ea typeface="+mn-ea"/>
                 <a:cs typeface="+mn-cs"/>
               </a:rPr>
@@ -2710,7 +2710,7 @@
               <a:defRPr/>
             </a:pPr>
             <a:r>
-              <a:rPr lang="en-US" altLang="en-US" dirty="0" smtClean="0">
+              <a:rPr lang="en-US" altLang="en-US" dirty="0">
                 <a:ea typeface="+mn-ea"/>
                 <a:cs typeface="+mn-cs"/>
               </a:rPr>
@@ -2970,12 +2970,12 @@
           <a:lstStyle/>
           <a:p>
             <a:r>
-              <a:rPr lang="en-US" altLang="en-US" smtClean="0"/>
+              <a:rPr lang="en-US" altLang="en-US"/>
               <a:t>Collect Data</a:t>
             </a:r>
           </a:p>
           <a:p>
-            <a:endParaRPr lang="en-US" altLang="en-US" smtClean="0"/>
+            <a:endParaRPr lang="en-US" altLang="en-US"/>
           </a:p>
           <a:p>
             <a:pPr>
@@ -2983,7 +2983,7 @@
               <a:buChar char="•"/>
             </a:pPr>
             <a:r>
-              <a:rPr lang="en-US" altLang="en-US" smtClean="0"/>
+              <a:rPr lang="en-US" altLang="en-US"/>
               <a:t>Different types of malware are designed to collect important data from the user’s computer and make it available at the attacker</a:t>
             </a:r>
           </a:p>
@@ -2993,7 +2993,7 @@
               <a:buChar char="•"/>
             </a:pPr>
             <a:r>
-              <a:rPr lang="en-US" altLang="en-US" smtClean="0"/>
+              <a:rPr lang="en-US" altLang="en-US"/>
               <a:t>This type of malware includes:</a:t>
             </a:r>
           </a:p>
@@ -3003,7 +3003,7 @@
               <a:buChar char="•"/>
             </a:pPr>
             <a:r>
-              <a:rPr lang="en-US" altLang="en-US" smtClean="0"/>
+              <a:rPr lang="en-US" altLang="en-US"/>
               <a:t>Spyware</a:t>
             </a:r>
           </a:p>
@@ -3013,7 +3013,7 @@
               <a:buChar char="•"/>
             </a:pPr>
             <a:r>
-              <a:rPr lang="en-US" altLang="en-US" smtClean="0"/>
+              <a:rPr lang="en-US" altLang="en-US"/>
               <a:t>Adware</a:t>
             </a:r>
           </a:p>
@@ -3023,12 +3023,12 @@
               <a:buChar char="•"/>
             </a:pPr>
             <a:r>
-              <a:rPr lang="en-US" altLang="en-US" smtClean="0"/>
+              <a:rPr lang="en-US" altLang="en-US"/>
               <a:t>Ransomware</a:t>
             </a:r>
           </a:p>
           <a:p>
-            <a:endParaRPr lang="en-US" altLang="en-US" smtClean="0"/>
+            <a:endParaRPr lang="en-US" altLang="en-US"/>
           </a:p>
         </p:txBody>
       </p:sp>
@@ -3438,7 +3438,7 @@
               <a:buChar char="•"/>
             </a:pPr>
             <a:r>
-              <a:rPr lang="en-US" altLang="en-US" smtClean="0"/>
+              <a:rPr lang="en-US" altLang="en-US"/>
               <a:t>Stopped 10 AM 9/7</a:t>
             </a:r>
           </a:p>
@@ -3447,14 +3447,14 @@
               <a:buFontTx/>
               <a:buChar char="•"/>
             </a:pPr>
-            <a:endParaRPr lang="en-US" altLang="en-US" smtClean="0"/>
+            <a:endParaRPr lang="en-US" altLang="en-US"/>
           </a:p>
           <a:p>
             <a:pPr eaLnBrk="1" hangingPunct="1">
               <a:buFontTx/>
               <a:buChar char="•"/>
             </a:pPr>
-            <a:endParaRPr lang="en-US" altLang="en-US" smtClean="0"/>
+            <a:endParaRPr lang="en-US" altLang="en-US"/>
           </a:p>
           <a:p>
             <a:pPr>
@@ -3462,11 +3462,11 @@
               <a:buChar char="•"/>
             </a:pPr>
             <a:r>
-              <a:rPr lang="en-US" altLang="en-US" b="1" smtClean="0"/>
+              <a:rPr lang="en-US" altLang="en-US" b="1"/>
               <a:t>Spyware</a:t>
             </a:r>
             <a:r>
-              <a:rPr lang="en-US" altLang="en-US" smtClean="0"/>
+              <a:rPr lang="en-US" altLang="en-US"/>
               <a:t> - software that gathers information without user consent</a:t>
             </a:r>
           </a:p>
@@ -3476,7 +3476,7 @@
               <a:buChar char="•"/>
             </a:pPr>
             <a:r>
-              <a:rPr lang="en-US" altLang="en-US" smtClean="0"/>
+              <a:rPr lang="en-US" altLang="en-US"/>
               <a:t>Uses the computer’s resources for the purposes of collecting and distributing personal or sensitive information</a:t>
             </a:r>
           </a:p>
@@ -3486,11 +3486,11 @@
               <a:buChar char="•"/>
             </a:pPr>
             <a:r>
-              <a:rPr lang="en-US" altLang="en-US" b="1" smtClean="0"/>
+              <a:rPr lang="en-US" altLang="en-US" b="1"/>
               <a:t>Keylogger </a:t>
             </a:r>
             <a:r>
-              <a:rPr lang="en-US" altLang="en-US" smtClean="0"/>
+              <a:rPr lang="en-US" altLang="en-US"/>
               <a:t>- captures and stores each keystroke that a user types on the computer’s keyboard</a:t>
             </a:r>
           </a:p>
@@ -3500,13 +3500,13 @@
               <a:buChar char="•"/>
             </a:pPr>
             <a:r>
-              <a:rPr lang="en-US" altLang="en-US" smtClean="0"/>
+              <a:rPr lang="en-US" altLang="en-US"/>
               <a:t>Attacker searches the captured text for any useful information such as passwords, credit card numbers, or personal information</a:t>
             </a:r>
           </a:p>
           <a:p>
             <a:pPr eaLnBrk="1" hangingPunct="1"/>
-            <a:endParaRPr lang="en-CA" altLang="en-US" smtClean="0"/>
+            <a:endParaRPr lang="en-CA" altLang="en-US"/>
           </a:p>
         </p:txBody>
       </p:sp>
@@ -3753,7 +3753,7 @@
           <a:p>
             <a:pPr eaLnBrk="1" hangingPunct="1"/>
             <a:r>
-              <a:rPr lang="en-US" altLang="en-US" smtClean="0"/>
+              <a:rPr lang="en-US" altLang="en-US"/>
               <a:t>Collect Data</a:t>
             </a:r>
           </a:p>
@@ -3762,7 +3762,7 @@
               <a:buFontTx/>
               <a:buChar char="•"/>
             </a:pPr>
-            <a:endParaRPr lang="en-US" altLang="en-US" smtClean="0"/>
+            <a:endParaRPr lang="en-US" altLang="en-US"/>
           </a:p>
           <a:p>
             <a:pPr>
@@ -3770,7 +3770,7 @@
               <a:buChar char="•"/>
             </a:pPr>
             <a:r>
-              <a:rPr lang="en-US" altLang="en-US" smtClean="0"/>
+              <a:rPr lang="en-US" altLang="en-US"/>
               <a:t>A keylogger can be a small hardware device or a software program</a:t>
             </a:r>
           </a:p>
@@ -3780,7 +3780,7 @@
               <a:buChar char="•"/>
             </a:pPr>
             <a:r>
-              <a:rPr lang="en-US" altLang="en-US" smtClean="0"/>
+              <a:rPr lang="en-US" altLang="en-US"/>
               <a:t>As a hardware device, it is inserted between the computer keyboard connection and USB port</a:t>
             </a:r>
           </a:p>
@@ -3790,7 +3790,7 @@
               <a:buChar char="•"/>
             </a:pPr>
             <a:r>
-              <a:rPr lang="en-US" altLang="en-US" smtClean="0"/>
+              <a:rPr lang="en-US" altLang="en-US"/>
               <a:t>Software keyloggers are programs installed on the computer that silently capture information</a:t>
             </a:r>
           </a:p>
@@ -3800,7 +3800,7 @@
               <a:buChar char="•"/>
             </a:pPr>
             <a:r>
-              <a:rPr lang="en-US" altLang="en-US" smtClean="0"/>
+              <a:rPr lang="en-US" altLang="en-US"/>
               <a:t>An advantage of software keyloggers is that they do not require physical access to the user’s computer</a:t>
             </a:r>
           </a:p>
@@ -3810,13 +3810,13 @@
               <a:buChar char="•"/>
             </a:pPr>
             <a:r>
-              <a:rPr lang="en-US" altLang="en-US" smtClean="0"/>
+              <a:rPr lang="en-US" altLang="en-US"/>
               <a:t>Often installed as a Trojan or virus, can send captured information back to the attacker via Internet</a:t>
             </a:r>
           </a:p>
           <a:p>
             <a:pPr eaLnBrk="1" hangingPunct="1"/>
-            <a:endParaRPr lang="en-CA" altLang="en-US" smtClean="0"/>
+            <a:endParaRPr lang="en-CA" altLang="en-US"/>
           </a:p>
         </p:txBody>
       </p:sp>
@@ -4063,21 +4063,21 @@
           <a:p>
             <a:pPr eaLnBrk="1" hangingPunct="1"/>
             <a:r>
-              <a:rPr lang="en-US" altLang="en-US" smtClean="0"/>
+              <a:rPr lang="en-US" altLang="en-US"/>
               <a:t>Collect Data</a:t>
             </a:r>
           </a:p>
           <a:p>
             <a:pPr eaLnBrk="1" hangingPunct="1"/>
-            <a:endParaRPr lang="en-US" altLang="en-US" smtClean="0"/>
+            <a:endParaRPr lang="en-US" altLang="en-US"/>
           </a:p>
           <a:p>
             <a:pPr eaLnBrk="1" hangingPunct="1"/>
             <a:r>
-              <a:rPr lang="en-US" altLang="en-US" smtClean="0"/>
+              <a:rPr lang="en-US" altLang="en-US"/>
               <a:t>Table 2-3  Technologies used by spyware</a:t>
             </a:r>
-            <a:endParaRPr lang="en-CA" altLang="en-US" smtClean="0"/>
+            <a:endParaRPr lang="en-CA" altLang="en-US"/>
           </a:p>
         </p:txBody>
       </p:sp>
@@ -4307,7 +4307,7 @@
               <a:defRPr/>
             </a:pPr>
             <a:r>
-              <a:rPr lang="en-US" altLang="en-US" dirty="0" smtClean="0">
+              <a:rPr lang="en-US" altLang="en-US" dirty="0">
                 <a:ea typeface="+mn-ea"/>
                 <a:cs typeface="+mn-cs"/>
               </a:rPr>
@@ -4320,7 +4320,7 @@
               <a:buChar char="•"/>
               <a:defRPr/>
             </a:pPr>
-            <a:endParaRPr lang="en-US" altLang="en-US" dirty="0" smtClean="0">
+            <a:endParaRPr lang="en-US" altLang="en-US" dirty="0">
               <a:ea typeface="+mn-ea"/>
               <a:cs typeface="+mn-cs"/>
             </a:endParaRPr>
@@ -4332,14 +4332,14 @@
               <a:defRPr/>
             </a:pPr>
             <a:r>
-              <a:rPr lang="en-US" altLang="en-US" b="1" dirty="0" smtClean="0">
+              <a:rPr lang="en-US" altLang="en-US" b="1" dirty="0">
                 <a:ea typeface="+mn-ea"/>
                 <a:cs typeface="+mn-cs"/>
               </a:rPr>
               <a:t>Adware </a:t>
             </a:r>
             <a:r>
-              <a:rPr lang="en-US" altLang="en-US" dirty="0" smtClean="0">
+              <a:rPr lang="en-US" altLang="en-US" dirty="0">
                 <a:ea typeface="+mn-ea"/>
                 <a:cs typeface="+mn-cs"/>
               </a:rPr>
@@ -4353,7 +4353,7 @@
               <a:defRPr/>
             </a:pPr>
             <a:r>
-              <a:rPr lang="en-US" altLang="en-US" dirty="0" smtClean="0">
+              <a:rPr lang="en-US" altLang="en-US" dirty="0">
                 <a:ea typeface="+mn-ea"/>
                 <a:cs typeface="+mn-cs"/>
               </a:rPr>
@@ -4367,7 +4367,7 @@
               <a:defRPr/>
             </a:pPr>
             <a:r>
-              <a:rPr lang="en-US" altLang="en-US" dirty="0" smtClean="0">
+              <a:rPr lang="en-US" altLang="en-US" dirty="0">
                 <a:ea typeface="+mn-ea"/>
                 <a:cs typeface="+mn-cs"/>
               </a:rPr>
@@ -4381,7 +4381,7 @@
               <a:defRPr/>
             </a:pPr>
             <a:r>
-              <a:rPr lang="en-US" altLang="en-US" dirty="0" smtClean="0">
+              <a:rPr lang="en-US" altLang="en-US" dirty="0">
                 <a:ea typeface="+mn-ea"/>
                 <a:cs typeface="+mn-cs"/>
               </a:rPr>
@@ -4395,7 +4395,7 @@
               <a:defRPr/>
             </a:pPr>
             <a:r>
-              <a:rPr lang="en-US" altLang="en-US" dirty="0" smtClean="0">
+              <a:rPr lang="en-US" altLang="en-US" dirty="0">
                 <a:ea typeface="+mn-ea"/>
                 <a:cs typeface="+mn-cs"/>
               </a:rPr>
@@ -4406,7 +4406,7 @@
             <a:pPr eaLnBrk="1" hangingPunct="1">
               <a:defRPr/>
             </a:pPr>
-            <a:endParaRPr lang="en-CA" altLang="en-US" dirty="0" smtClean="0">
+            <a:endParaRPr lang="en-CA" altLang="en-US" dirty="0">
               <a:ea typeface="+mn-ea"/>
               <a:cs typeface="+mn-cs"/>
             </a:endParaRPr>
@@ -4655,7 +4655,7 @@
           <a:lstStyle/>
           <a:p>
             <a:r>
-              <a:rPr lang="en-US" altLang="en-US" smtClean="0"/>
+              <a:rPr lang="en-US" altLang="en-US"/>
               <a:t>Attacks Using Malware</a:t>
             </a:r>
           </a:p>
@@ -4664,7 +4664,7 @@
               <a:buFontTx/>
               <a:buChar char="•"/>
             </a:pPr>
-            <a:endParaRPr lang="en-US" altLang="en-US" smtClean="0"/>
+            <a:endParaRPr lang="en-US" altLang="en-US"/>
           </a:p>
           <a:p>
             <a:pPr>
@@ -4672,7 +4672,7 @@
               <a:buChar char="•"/>
             </a:pPr>
             <a:r>
-              <a:rPr lang="en-US" altLang="en-US" smtClean="0"/>
+              <a:rPr lang="en-US" altLang="en-US"/>
               <a:t>Attackers can mask the presence of their malware by having it “mutate” or change</a:t>
             </a:r>
           </a:p>
@@ -4682,7 +4682,7 @@
               <a:buChar char="•"/>
             </a:pPr>
             <a:r>
-              <a:rPr lang="en-US" altLang="en-US" smtClean="0"/>
+              <a:rPr lang="en-US" altLang="en-US"/>
               <a:t>Three types of mutating malware:</a:t>
             </a:r>
           </a:p>
@@ -4692,11 +4692,11 @@
               <a:buChar char="•"/>
             </a:pPr>
             <a:r>
-              <a:rPr lang="en-US" altLang="en-US" i="1" smtClean="0"/>
+              <a:rPr lang="en-US" altLang="en-US" i="1"/>
               <a:t>Oligomorphic malware </a:t>
             </a:r>
             <a:r>
-              <a:rPr lang="en-US" altLang="en-US" smtClean="0"/>
+              <a:rPr lang="en-US" altLang="en-US"/>
               <a:t>- changes its internal code to a predefined mutation whenever executed</a:t>
             </a:r>
           </a:p>
@@ -4706,11 +4706,11 @@
               <a:buChar char="•"/>
             </a:pPr>
             <a:r>
-              <a:rPr lang="en-US" altLang="en-US" i="1" smtClean="0"/>
+              <a:rPr lang="en-US" altLang="en-US" i="1"/>
               <a:t>Polymorphic malware </a:t>
             </a:r>
             <a:r>
-              <a:rPr lang="en-US" altLang="en-US" smtClean="0"/>
+              <a:rPr lang="en-US" altLang="en-US"/>
               <a:t>- completely changes from its original form whenever it is executed</a:t>
             </a:r>
           </a:p>
@@ -4720,16 +4720,16 @@
               <a:buChar char="•"/>
             </a:pPr>
             <a:r>
-              <a:rPr lang="en-US" altLang="en-US" i="1" smtClean="0"/>
+              <a:rPr lang="en-US" altLang="en-US" i="1"/>
               <a:t>Metamorphic malware</a:t>
             </a:r>
             <a:r>
-              <a:rPr lang="en-US" altLang="en-US" smtClean="0"/>
+              <a:rPr lang="en-US" altLang="en-US"/>
               <a:t> - can rewrite its own code and thus appears different each time it is executed</a:t>
             </a:r>
           </a:p>
           <a:p>
-            <a:endParaRPr lang="en-US" altLang="en-US" smtClean="0"/>
+            <a:endParaRPr lang="en-US" altLang="en-US"/>
           </a:p>
         </p:txBody>
       </p:sp>
@@ -4976,7 +4976,7 @@
           <a:p>
             <a:pPr eaLnBrk="1" hangingPunct="1"/>
             <a:r>
-              <a:rPr lang="en-US" altLang="en-US" smtClean="0"/>
+              <a:rPr lang="en-US" altLang="en-US"/>
               <a:t>Collect Data</a:t>
             </a:r>
           </a:p>
@@ -4985,7 +4985,7 @@
               <a:buFontTx/>
               <a:buChar char="•"/>
             </a:pPr>
-            <a:endParaRPr lang="en-US" altLang="en-US" smtClean="0"/>
+            <a:endParaRPr lang="en-US" altLang="en-US"/>
           </a:p>
           <a:p>
             <a:pPr>
@@ -4993,11 +4993,11 @@
               <a:buChar char="•"/>
             </a:pPr>
             <a:r>
-              <a:rPr lang="en-US" altLang="en-US" b="1" smtClean="0"/>
+              <a:rPr lang="en-US" altLang="en-US" b="1"/>
               <a:t>Ransomware </a:t>
             </a:r>
             <a:r>
-              <a:rPr lang="en-US" altLang="en-US" smtClean="0"/>
+              <a:rPr lang="en-US" altLang="en-US"/>
               <a:t>- prevents a user’s device from properly operating until a fee is paid</a:t>
             </a:r>
           </a:p>
@@ -5007,7 +5007,7 @@
               <a:buChar char="•"/>
             </a:pPr>
             <a:r>
-              <a:rPr lang="en-US" altLang="en-US" smtClean="0"/>
+              <a:rPr lang="en-US" altLang="en-US"/>
               <a:t>Is highly profitable</a:t>
             </a:r>
           </a:p>
@@ -5017,7 +5017,7 @@
               <a:buChar char="•"/>
             </a:pPr>
             <a:r>
-              <a:rPr lang="en-US" altLang="en-US" smtClean="0"/>
+              <a:rPr lang="en-US" altLang="en-US"/>
               <a:t>Nearly 3 percent of those users who have been infected pay the ransom without questions, generating almost $5 million annually</a:t>
             </a:r>
           </a:p>
@@ -5027,13 +5027,13 @@
               <a:buChar char="•"/>
             </a:pPr>
             <a:r>
-              <a:rPr lang="en-US" altLang="en-US" smtClean="0"/>
+              <a:rPr lang="en-US" altLang="en-US"/>
               <a:t>A variation of ransomware displays a fictitious warning that there is a problem and users must purchase additional software online to fix the problem</a:t>
             </a:r>
           </a:p>
           <a:p>
             <a:pPr eaLnBrk="1" hangingPunct="1"/>
-            <a:endParaRPr lang="en-CA" altLang="en-US" smtClean="0"/>
+            <a:endParaRPr lang="en-CA" altLang="en-US"/>
           </a:p>
         </p:txBody>
       </p:sp>
@@ -5280,21 +5280,21 @@
           <a:p>
             <a:pPr eaLnBrk="1" hangingPunct="1"/>
             <a:r>
-              <a:rPr lang="en-US" altLang="en-US" smtClean="0"/>
+              <a:rPr lang="en-US" altLang="en-US"/>
               <a:t>Collect Data</a:t>
             </a:r>
           </a:p>
           <a:p>
             <a:pPr eaLnBrk="1" hangingPunct="1"/>
-            <a:endParaRPr lang="en-US" altLang="en-US" smtClean="0"/>
+            <a:endParaRPr lang="en-US" altLang="en-US"/>
           </a:p>
           <a:p>
             <a:pPr eaLnBrk="1" hangingPunct="1"/>
             <a:r>
-              <a:rPr lang="en-US" altLang="en-US" smtClean="0"/>
+              <a:rPr lang="en-US" altLang="en-US"/>
               <a:t>Figure 2-7  Ransomware computer infection</a:t>
             </a:r>
-            <a:endParaRPr lang="en-CA" altLang="en-US" smtClean="0"/>
+            <a:endParaRPr lang="en-CA" altLang="en-US"/>
           </a:p>
         </p:txBody>
       </p:sp>
@@ -5361,7 +5361,7 @@
               <a:defRPr/>
             </a:pPr>
             <a:r>
-              <a:rPr lang="en-US" altLang="en-US" dirty="0" smtClean="0">
+              <a:rPr lang="en-US" altLang="en-US" dirty="0">
                 <a:ea typeface="+mn-ea"/>
                 <a:cs typeface="+mn-cs"/>
               </a:rPr>
@@ -5374,7 +5374,7 @@
               <a:buChar char="•"/>
               <a:defRPr/>
             </a:pPr>
-            <a:endParaRPr lang="en-US" dirty="0" smtClean="0">
+            <a:endParaRPr lang="en-US" dirty="0">
               <a:ea typeface="+mn-ea"/>
               <a:cs typeface="+mn-cs"/>
             </a:endParaRPr>
@@ -5386,7 +5386,7 @@
               <a:defRPr/>
             </a:pPr>
             <a:r>
-              <a:rPr lang="en-US" altLang="en-US" dirty="0" smtClean="0">
+              <a:rPr lang="en-US" altLang="en-US" dirty="0">
                 <a:ea typeface="+mn-ea"/>
                 <a:cs typeface="+mn-cs"/>
               </a:rPr>
@@ -5400,7 +5400,7 @@
               <a:defRPr/>
             </a:pPr>
             <a:r>
-              <a:rPr lang="en-US" altLang="en-US" dirty="0" smtClean="0">
+              <a:rPr lang="en-US" altLang="en-US" dirty="0">
                 <a:ea typeface="+mn-ea"/>
                 <a:cs typeface="+mn-cs"/>
               </a:rPr>
@@ -5414,7 +5414,7 @@
               <a:defRPr/>
             </a:pPr>
             <a:r>
-              <a:rPr lang="en-US" altLang="en-US" dirty="0" smtClean="0">
+              <a:rPr lang="en-US" altLang="en-US" dirty="0">
                 <a:ea typeface="+mn-ea"/>
                 <a:cs typeface="+mn-cs"/>
               </a:rPr>
@@ -5428,7 +5428,7 @@
               <a:defRPr/>
             </a:pPr>
             <a:r>
-              <a:rPr lang="en-US" altLang="en-US" dirty="0" smtClean="0">
+              <a:rPr lang="en-US" altLang="en-US" dirty="0">
                 <a:ea typeface="+mn-ea"/>
                 <a:cs typeface="+mn-cs"/>
               </a:rPr>
@@ -5669,7 +5669,7 @@
               <a:defRPr/>
             </a:pPr>
             <a:r>
-              <a:rPr lang="en-US" altLang="en-US" dirty="0" smtClean="0">
+              <a:rPr lang="en-US" altLang="en-US" dirty="0">
                 <a:ea typeface="+mn-ea"/>
                 <a:cs typeface="+mn-cs"/>
               </a:rPr>
@@ -5680,7 +5680,7 @@
             <a:pPr>
               <a:defRPr/>
             </a:pPr>
-            <a:endParaRPr lang="en-US" dirty="0" smtClean="0">
+            <a:endParaRPr lang="en-US" dirty="0">
               <a:ea typeface="+mn-ea"/>
               <a:cs typeface="+mn-cs"/>
             </a:endParaRPr>
@@ -5692,7 +5692,7 @@
               <a:defRPr/>
             </a:pPr>
             <a:r>
-              <a:rPr lang="en-US" altLang="en-US" dirty="0" smtClean="0">
+              <a:rPr lang="en-US" altLang="en-US" dirty="0">
                 <a:ea typeface="+mn-ea"/>
                 <a:cs typeface="+mn-cs"/>
               </a:rPr>
@@ -5706,7 +5706,7 @@
               <a:defRPr/>
             </a:pPr>
             <a:r>
-              <a:rPr lang="en-US" altLang="en-US" dirty="0" smtClean="0">
+              <a:rPr lang="en-US" altLang="en-US" dirty="0">
                 <a:ea typeface="+mn-ea"/>
                 <a:cs typeface="+mn-cs"/>
               </a:rPr>
@@ -5947,7 +5947,7 @@
               <a:defRPr/>
             </a:pPr>
             <a:r>
-              <a:rPr lang="en-US" altLang="en-US" dirty="0" smtClean="0">
+              <a:rPr lang="en-US" altLang="en-US" dirty="0">
                 <a:ea typeface="+mn-ea"/>
                 <a:cs typeface="+mn-cs"/>
               </a:rPr>
@@ -5960,7 +5960,7 @@
               <a:buChar char="•"/>
               <a:defRPr/>
             </a:pPr>
-            <a:endParaRPr lang="en-US" dirty="0" smtClean="0">
+            <a:endParaRPr lang="en-US" dirty="0">
               <a:ea typeface="+mn-ea"/>
               <a:cs typeface="+mn-cs"/>
             </a:endParaRPr>
@@ -5972,14 +5972,14 @@
               <a:defRPr/>
             </a:pPr>
             <a:r>
-              <a:rPr lang="en-US" altLang="en-US" b="1" dirty="0" smtClean="0">
+              <a:rPr lang="en-US" altLang="en-US" b="1" dirty="0">
                 <a:ea typeface="+mn-ea"/>
                 <a:cs typeface="+mn-cs"/>
               </a:rPr>
               <a:t>Zombie </a:t>
             </a:r>
             <a:r>
-              <a:rPr lang="en-US" altLang="en-US" dirty="0" smtClean="0">
+              <a:rPr lang="en-US" altLang="en-US" dirty="0">
                 <a:ea typeface="+mn-ea"/>
                 <a:cs typeface="+mn-cs"/>
               </a:rPr>
@@ -5993,35 +5993,35 @@
               <a:defRPr/>
             </a:pPr>
             <a:r>
-              <a:rPr lang="en-US" altLang="en-US" dirty="0" smtClean="0">
+              <a:rPr lang="en-US" altLang="en-US" dirty="0">
                 <a:ea typeface="+mn-ea"/>
                 <a:cs typeface="+mn-cs"/>
               </a:rPr>
               <a:t>Groups of zombie computers are gathered into a logical computer network called a </a:t>
             </a:r>
             <a:r>
-              <a:rPr lang="en-US" altLang="en-US" b="1" dirty="0" smtClean="0">
+              <a:rPr lang="en-US" altLang="en-US" b="1" dirty="0">
                 <a:ea typeface="+mn-ea"/>
                 <a:cs typeface="+mn-cs"/>
               </a:rPr>
               <a:t>botnet</a:t>
             </a:r>
             <a:r>
-              <a:rPr lang="en-US" altLang="en-US" dirty="0" smtClean="0">
+              <a:rPr lang="en-US" altLang="en-US" dirty="0">
                 <a:ea typeface="+mn-ea"/>
                 <a:cs typeface="+mn-cs"/>
               </a:rPr>
               <a:t> under the control of the attacker (</a:t>
             </a:r>
             <a:r>
-              <a:rPr lang="en-US" altLang="en-US" b="1" dirty="0" smtClean="0">
+              <a:rPr lang="en-US" altLang="en-US" b="1" dirty="0">
                 <a:ea typeface="+mn-ea"/>
                 <a:cs typeface="+mn-cs"/>
               </a:rPr>
               <a:t>bot herder</a:t>
             </a:r>
             <a:r>
-              <a:rPr lang="en-US" altLang="en-US" dirty="0" smtClean="0">
+              <a:rPr lang="en-US" altLang="en-US" dirty="0">
                 <a:ea typeface="+mn-ea"/>
                 <a:cs typeface="+mn-cs"/>
               </a:rPr>
@@ -6035,21 +6035,21 @@
               <a:defRPr/>
             </a:pPr>
             <a:r>
-              <a:rPr lang="en-US" altLang="en-US" dirty="0" smtClean="0">
+              <a:rPr lang="en-US" altLang="en-US" dirty="0">
                 <a:ea typeface="+mn-ea"/>
                 <a:cs typeface="+mn-cs"/>
               </a:rPr>
               <a:t>Infected zombie computers wait for instructions through a </a:t>
             </a:r>
             <a:r>
-              <a:rPr lang="en-US" altLang="en-US" b="1" dirty="0" smtClean="0">
+              <a:rPr lang="en-US" altLang="en-US" b="1" dirty="0">
                 <a:ea typeface="+mn-ea"/>
                 <a:cs typeface="+mn-cs"/>
               </a:rPr>
               <a:t>command and control (C&amp;C) </a:t>
             </a:r>
             <a:r>
-              <a:rPr lang="en-US" altLang="en-US" dirty="0" smtClean="0">
+              <a:rPr lang="en-US" altLang="en-US" dirty="0">
                 <a:ea typeface="+mn-ea"/>
                 <a:cs typeface="+mn-cs"/>
               </a:rPr>
@@ -6063,7 +6063,7 @@
               <a:defRPr/>
             </a:pPr>
             <a:r>
-              <a:rPr lang="en-US" altLang="en-US" dirty="0" smtClean="0">
+              <a:rPr lang="en-US" altLang="en-US" dirty="0">
                 <a:ea typeface="+mn-ea"/>
                 <a:cs typeface="+mn-cs"/>
               </a:rPr>
@@ -6323,16 +6323,16 @@
           <a:lstStyle/>
           <a:p>
             <a:r>
-              <a:rPr lang="en-US" altLang="en-US" smtClean="0"/>
+              <a:rPr lang="en-US" altLang="en-US"/>
               <a:t>Launch Attacks</a:t>
             </a:r>
           </a:p>
           <a:p>
-            <a:endParaRPr lang="en-US" altLang="en-US" smtClean="0"/>
-          </a:p>
-          <a:p>
-            <a:r>
-              <a:rPr lang="en-US" altLang="en-US" smtClean="0"/>
+            <a:endParaRPr lang="en-US" altLang="en-US"/>
+          </a:p>
+          <a:p>
+            <a:r>
+              <a:rPr lang="en-US" altLang="en-US"/>
               <a:t>Table 2-5  Uses of botnets</a:t>
             </a:r>
           </a:p>
@@ -6561,7 +6561,7 @@
               <a:defRPr/>
             </a:pPr>
             <a:r>
-              <a:rPr lang="en-US" altLang="en-US" dirty="0" smtClean="0">
+              <a:rPr lang="en-US" altLang="en-US" dirty="0">
                 <a:ea typeface="+mn-ea"/>
                 <a:cs typeface="+mn-cs"/>
               </a:rPr>
@@ -6572,7 +6572,7 @@
             <a:pPr>
               <a:defRPr/>
             </a:pPr>
-            <a:endParaRPr lang="en-US" dirty="0" smtClean="0">
+            <a:endParaRPr lang="en-US" dirty="0">
               <a:ea typeface="+mn-ea"/>
               <a:cs typeface="+mn-cs"/>
             </a:endParaRPr>
@@ -6584,14 +6584,14 @@
               <a:defRPr/>
             </a:pPr>
             <a:r>
-              <a:rPr lang="en-US" altLang="en-US" b="1" dirty="0" smtClean="0">
+              <a:rPr lang="en-US" altLang="en-US" b="1" dirty="0">
                 <a:ea typeface="+mn-ea"/>
                 <a:cs typeface="+mn-cs"/>
               </a:rPr>
               <a:t>Social engineering </a:t>
             </a:r>
             <a:r>
-              <a:rPr lang="en-US" altLang="en-US" dirty="0" smtClean="0">
+              <a:rPr lang="en-US" altLang="en-US" dirty="0">
                 <a:ea typeface="+mn-ea"/>
                 <a:cs typeface="+mn-cs"/>
               </a:rPr>
@@ -6605,7 +6605,7 @@
               <a:defRPr/>
             </a:pPr>
             <a:r>
-              <a:rPr lang="en-US" altLang="en-US" dirty="0" smtClean="0">
+              <a:rPr lang="en-US" altLang="en-US" dirty="0">
                 <a:ea typeface="+mn-ea"/>
                 <a:cs typeface="+mn-cs"/>
               </a:rPr>
@@ -6616,7 +6616,7 @@
             <a:pPr>
               <a:defRPr/>
             </a:pPr>
-            <a:endParaRPr lang="en-US" dirty="0" smtClean="0">
+            <a:endParaRPr lang="en-US" dirty="0">
               <a:ea typeface="+mn-ea"/>
               <a:cs typeface="+mn-cs"/>
             </a:endParaRPr>
@@ -6865,7 +6865,7 @@
           <a:lstStyle/>
           <a:p>
             <a:r>
-              <a:rPr lang="en-US" altLang="en-US" smtClean="0"/>
+              <a:rPr lang="en-US" altLang="en-US"/>
               <a:t>Psychological Approaches</a:t>
             </a:r>
           </a:p>
@@ -6874,7 +6874,7 @@
               <a:buFontTx/>
               <a:buChar char="•"/>
             </a:pPr>
-            <a:endParaRPr lang="en-US" altLang="en-US" smtClean="0"/>
+            <a:endParaRPr lang="en-US" altLang="en-US"/>
           </a:p>
           <a:p>
             <a:pPr>
@@ -6882,7 +6882,7 @@
               <a:buChar char="•"/>
             </a:pPr>
             <a:r>
-              <a:rPr lang="en-US" altLang="en-US" smtClean="0"/>
+              <a:rPr lang="en-US" altLang="en-US"/>
               <a:t>Psychological approaches goal: to persuade the victim to provide information or take action</a:t>
             </a:r>
           </a:p>
@@ -6892,7 +6892,7 @@
               <a:buChar char="•"/>
             </a:pPr>
             <a:r>
-              <a:rPr lang="en-US" altLang="en-US" smtClean="0"/>
+              <a:rPr lang="en-US" altLang="en-US"/>
               <a:t>Attackers use a variety of techniques to gain trust without moving quickly:</a:t>
             </a:r>
           </a:p>
@@ -6902,7 +6902,7 @@
               <a:buChar char="•"/>
             </a:pPr>
             <a:r>
-              <a:rPr lang="en-US" altLang="en-US" smtClean="0"/>
+              <a:rPr lang="en-US" altLang="en-US"/>
               <a:t>Attacker will ask for only small amounts of information</a:t>
             </a:r>
           </a:p>
@@ -6912,7 +6912,7 @@
               <a:buChar char="•"/>
             </a:pPr>
             <a:r>
-              <a:rPr lang="en-US" altLang="en-US" smtClean="0"/>
+              <a:rPr lang="en-US" altLang="en-US"/>
               <a:t>The request needs to be believable</a:t>
             </a:r>
           </a:p>
@@ -6922,7 +6922,7 @@
               <a:buChar char="•"/>
             </a:pPr>
             <a:r>
-              <a:rPr lang="en-US" altLang="en-US" smtClean="0"/>
+              <a:rPr lang="en-US" altLang="en-US"/>
               <a:t>Will use slight flattery or flirtation to “soften up” victim</a:t>
             </a:r>
           </a:p>
@@ -6932,7 +6932,7 @@
               <a:buChar char="•"/>
             </a:pPr>
             <a:r>
-              <a:rPr lang="en-US" altLang="en-US" smtClean="0"/>
+              <a:rPr lang="en-US" altLang="en-US"/>
               <a:t>Attacker “pushes the envelope” to get information</a:t>
             </a:r>
           </a:p>
@@ -6942,7 +6942,7 @@
               <a:buChar char="•"/>
             </a:pPr>
             <a:r>
-              <a:rPr lang="en-US" altLang="en-US" smtClean="0"/>
+              <a:rPr lang="en-US" altLang="en-US"/>
               <a:t>Attacker may smile and ask for help</a:t>
             </a:r>
           </a:p>
@@ -6951,17 +6951,17 @@
               <a:buFontTx/>
               <a:buChar char="•"/>
             </a:pPr>
-            <a:endParaRPr lang="en-US" altLang="en-US" smtClean="0"/>
+            <a:endParaRPr lang="en-US" altLang="en-US"/>
           </a:p>
           <a:p>
             <a:pPr marL="628650" lvl="1" indent="-171450">
               <a:buFontTx/>
               <a:buChar char="•"/>
             </a:pPr>
-            <a:endParaRPr lang="en-US" altLang="en-US" smtClean="0"/>
-          </a:p>
-          <a:p>
-            <a:endParaRPr lang="en-US" altLang="en-US" smtClean="0"/>
+            <a:endParaRPr lang="en-US" altLang="en-US"/>
+          </a:p>
+          <a:p>
+            <a:endParaRPr lang="en-US" altLang="en-US"/>
           </a:p>
         </p:txBody>
       </p:sp>
@@ -7207,12 +7207,12 @@
           <a:lstStyle/>
           <a:p>
             <a:r>
-              <a:rPr lang="en-US" altLang="en-US" smtClean="0"/>
+              <a:rPr lang="en-US" altLang="en-US"/>
               <a:t>Impersonation</a:t>
             </a:r>
           </a:p>
           <a:p>
-            <a:endParaRPr lang="en-US" altLang="en-US" smtClean="0"/>
+            <a:endParaRPr lang="en-US" altLang="en-US"/>
           </a:p>
           <a:p>
             <a:pPr>
@@ -7220,11 +7220,11 @@
               <a:buChar char="•"/>
             </a:pPr>
             <a:r>
-              <a:rPr lang="en-US" altLang="en-US" b="1" smtClean="0"/>
+              <a:rPr lang="en-US" altLang="en-US" b="1"/>
               <a:t>Impersonation </a:t>
             </a:r>
             <a:r>
-              <a:rPr lang="en-US" altLang="en-US" smtClean="0"/>
+              <a:rPr lang="en-US" altLang="en-US"/>
               <a:t>- attacker pretends to be someone else:</a:t>
             </a:r>
           </a:p>
@@ -7234,7 +7234,7 @@
               <a:buChar char="•"/>
             </a:pPr>
             <a:r>
-              <a:rPr lang="en-US" altLang="en-US" smtClean="0"/>
+              <a:rPr lang="en-US" altLang="en-US"/>
               <a:t>Help desk support technician</a:t>
             </a:r>
           </a:p>
@@ -7244,7 +7244,7 @@
               <a:buChar char="•"/>
             </a:pPr>
             <a:r>
-              <a:rPr lang="en-US" altLang="en-US" smtClean="0"/>
+              <a:rPr lang="en-US" altLang="en-US"/>
               <a:t>Repairperson</a:t>
             </a:r>
           </a:p>
@@ -7254,7 +7254,7 @@
               <a:buChar char="•"/>
             </a:pPr>
             <a:r>
-              <a:rPr lang="en-US" altLang="en-US" smtClean="0"/>
+              <a:rPr lang="en-US" altLang="en-US"/>
               <a:t>Manager</a:t>
             </a:r>
           </a:p>
@@ -7264,7 +7264,7 @@
               <a:buChar char="•"/>
             </a:pPr>
             <a:r>
-              <a:rPr lang="en-US" altLang="en-US" smtClean="0"/>
+              <a:rPr lang="en-US" altLang="en-US"/>
               <a:t>Trusted third party</a:t>
             </a:r>
           </a:p>
@@ -7274,7 +7274,7 @@
               <a:buChar char="•"/>
             </a:pPr>
             <a:r>
-              <a:rPr lang="en-US" altLang="en-US" smtClean="0"/>
+              <a:rPr lang="en-US" altLang="en-US"/>
               <a:t>Fellow employee</a:t>
             </a:r>
           </a:p>
@@ -7284,12 +7284,12 @@
               <a:buChar char="•"/>
             </a:pPr>
             <a:r>
-              <a:rPr lang="en-US" altLang="en-US" smtClean="0"/>
+              <a:rPr lang="en-US" altLang="en-US"/>
               <a:t>Attacker will often impersonate a person with authority because victims generally resist saying “no” to anyone in power</a:t>
             </a:r>
           </a:p>
           <a:p>
-            <a:endParaRPr lang="en-US" altLang="en-US" smtClean="0"/>
+            <a:endParaRPr lang="en-US" altLang="en-US"/>
           </a:p>
         </p:txBody>
       </p:sp>
@@ -7519,7 +7519,7 @@
               <a:defRPr/>
             </a:pPr>
             <a:r>
-              <a:rPr lang="en-US" altLang="en-US" dirty="0" smtClean="0">
+              <a:rPr lang="en-US" altLang="en-US" dirty="0">
                 <a:ea typeface="+mn-ea"/>
                 <a:cs typeface="+mn-cs"/>
               </a:rPr>
@@ -7532,7 +7532,7 @@
               <a:buChar char="•"/>
               <a:defRPr/>
             </a:pPr>
-            <a:endParaRPr lang="en-US" altLang="en-US" dirty="0" smtClean="0">
+            <a:endParaRPr lang="en-US" altLang="en-US" dirty="0">
               <a:ea typeface="+mn-ea"/>
               <a:cs typeface="+mn-cs"/>
             </a:endParaRPr>
@@ -7544,14 +7544,14 @@
               <a:defRPr/>
             </a:pPr>
             <a:r>
-              <a:rPr lang="en-US" altLang="en-US" b="1" dirty="0" smtClean="0">
+              <a:rPr lang="en-US" altLang="en-US" b="1" dirty="0">
                 <a:ea typeface="+mn-ea"/>
                 <a:cs typeface="+mn-cs"/>
               </a:rPr>
               <a:t>Phishing</a:t>
             </a:r>
             <a:r>
-              <a:rPr lang="en-US" altLang="en-US" dirty="0" smtClean="0">
+              <a:rPr lang="en-US" altLang="en-US" dirty="0">
                 <a:ea typeface="+mn-ea"/>
                 <a:cs typeface="+mn-cs"/>
               </a:rPr>
@@ -7565,7 +7565,7 @@
               <a:defRPr/>
             </a:pPr>
             <a:r>
-              <a:rPr lang="en-US" altLang="en-US" dirty="0" smtClean="0">
+              <a:rPr lang="en-US" altLang="en-US" dirty="0">
                 <a:ea typeface="+mn-ea"/>
                 <a:cs typeface="+mn-cs"/>
               </a:rPr>
@@ -7579,7 +7579,7 @@
               <a:defRPr/>
             </a:pPr>
             <a:r>
-              <a:rPr lang="en-US" altLang="en-US" dirty="0" smtClean="0">
+              <a:rPr lang="en-US" altLang="en-US" dirty="0">
                 <a:ea typeface="+mn-ea"/>
                 <a:cs typeface="+mn-cs"/>
               </a:rPr>
@@ -7593,7 +7593,7 @@
               <a:defRPr/>
             </a:pPr>
             <a:r>
-              <a:rPr lang="en-US" altLang="en-US" i="1" dirty="0" smtClean="0">
+              <a:rPr lang="en-US" altLang="en-US" i="1" dirty="0">
                 <a:ea typeface="+mn-ea"/>
                 <a:cs typeface="+mn-cs"/>
               </a:rPr>
@@ -7607,7 +7607,7 @@
               <a:defRPr/>
             </a:pPr>
             <a:r>
-              <a:rPr lang="en-US" altLang="en-US" i="1" dirty="0" smtClean="0">
+              <a:rPr lang="en-US" altLang="en-US" i="1" dirty="0">
                 <a:ea typeface="+mn-ea"/>
                 <a:cs typeface="+mn-cs"/>
               </a:rPr>
@@ -7621,7 +7621,7 @@
               <a:defRPr/>
             </a:pPr>
             <a:r>
-              <a:rPr lang="en-US" altLang="en-US" i="1" dirty="0" smtClean="0">
+              <a:rPr lang="en-US" altLang="en-US" i="1" dirty="0">
                 <a:ea typeface="+mn-ea"/>
                 <a:cs typeface="+mn-cs"/>
               </a:rPr>
@@ -7635,7 +7635,7 @@
               <a:defRPr/>
             </a:pPr>
             <a:r>
-              <a:rPr lang="en-US" altLang="en-US" dirty="0" smtClean="0">
+              <a:rPr lang="en-US" altLang="en-US" dirty="0">
                 <a:ea typeface="+mn-ea"/>
                 <a:cs typeface="+mn-cs"/>
               </a:rPr>
@@ -7649,21 +7649,21 @@
               <a:defRPr/>
             </a:pPr>
             <a:r>
-              <a:rPr lang="en-US" altLang="en-US" b="1" i="1" dirty="0" smtClean="0">
+              <a:rPr lang="en-US" altLang="en-US" b="1" i="1" dirty="0">
                 <a:ea typeface="+mn-ea"/>
                 <a:cs typeface="+mn-cs"/>
               </a:rPr>
               <a:t>Pharming</a:t>
             </a:r>
             <a:r>
-              <a:rPr lang="en-US" altLang="en-US" b="1" dirty="0" smtClean="0">
+              <a:rPr lang="en-US" altLang="en-US" b="1" dirty="0">
                 <a:ea typeface="+mn-ea"/>
                 <a:cs typeface="+mn-cs"/>
               </a:rPr>
               <a:t> </a:t>
             </a:r>
             <a:r>
-              <a:rPr lang="en-US" altLang="en-US" dirty="0" smtClean="0">
+              <a:rPr lang="en-US" altLang="en-US" dirty="0">
                 <a:ea typeface="+mn-ea"/>
                 <a:cs typeface="+mn-cs"/>
               </a:rPr>
@@ -7674,7 +7674,7 @@
             <a:pPr>
               <a:defRPr/>
             </a:pPr>
-            <a:endParaRPr lang="en-US" altLang="en-US" dirty="0" smtClean="0">
+            <a:endParaRPr lang="en-US" altLang="en-US" dirty="0">
               <a:ea typeface="+mn-ea"/>
               <a:cs typeface="+mn-cs"/>
             </a:endParaRPr>
@@ -8067,7 +8067,7 @@
               <a:defRPr/>
             </a:pPr>
             <a:r>
-              <a:rPr lang="en-US" altLang="en-US" dirty="0" smtClean="0">
+              <a:rPr lang="en-US" altLang="en-US" dirty="0">
                 <a:ea typeface="+mn-ea"/>
                 <a:cs typeface="+mn-cs"/>
               </a:rPr>
@@ -8080,7 +8080,7 @@
               <a:buChar char="•"/>
               <a:defRPr/>
             </a:pPr>
-            <a:endParaRPr lang="en-US" altLang="en-US" dirty="0" smtClean="0">
+            <a:endParaRPr lang="en-US" altLang="en-US" dirty="0">
               <a:ea typeface="+mn-ea"/>
               <a:cs typeface="+mn-cs"/>
             </a:endParaRPr>
@@ -8092,7 +8092,7 @@
               <a:defRPr/>
             </a:pPr>
             <a:r>
-              <a:rPr lang="en-US" altLang="en-US" dirty="0" smtClean="0">
+              <a:rPr lang="en-US" altLang="en-US" dirty="0">
                 <a:ea typeface="+mn-ea"/>
                 <a:cs typeface="+mn-cs"/>
               </a:rPr>
@@ -8106,14 +8106,14 @@
               <a:defRPr/>
             </a:pPr>
             <a:r>
-              <a:rPr lang="en-US" altLang="en-US" i="1" dirty="0" smtClean="0">
+              <a:rPr lang="en-US" altLang="en-US" i="1" dirty="0">
                 <a:ea typeface="+mn-ea"/>
                 <a:cs typeface="+mn-cs"/>
               </a:rPr>
               <a:t>Circulation</a:t>
             </a:r>
             <a:r>
-              <a:rPr lang="en-US" altLang="en-US" dirty="0" smtClean="0">
+              <a:rPr lang="en-US" altLang="en-US" dirty="0">
                 <a:ea typeface="+mn-ea"/>
                 <a:cs typeface="+mn-cs"/>
               </a:rPr>
@@ -8127,14 +8127,14 @@
               <a:defRPr/>
             </a:pPr>
             <a:r>
-              <a:rPr lang="en-US" altLang="en-US" i="1" dirty="0" smtClean="0">
+              <a:rPr lang="en-US" altLang="en-US" i="1" dirty="0">
                 <a:ea typeface="+mn-ea"/>
                 <a:cs typeface="+mn-cs"/>
               </a:rPr>
               <a:t>Infection</a:t>
             </a:r>
             <a:r>
-              <a:rPr lang="en-US" altLang="en-US" dirty="0" smtClean="0">
+              <a:rPr lang="en-US" altLang="en-US" dirty="0">
                 <a:ea typeface="+mn-ea"/>
                 <a:cs typeface="+mn-cs"/>
               </a:rPr>
@@ -8148,14 +8148,14 @@
               <a:defRPr/>
             </a:pPr>
             <a:r>
-              <a:rPr lang="en-US" altLang="en-US" i="1" dirty="0" smtClean="0">
+              <a:rPr lang="en-US" altLang="en-US" i="1" dirty="0">
                 <a:ea typeface="+mn-ea"/>
                 <a:cs typeface="+mn-cs"/>
               </a:rPr>
               <a:t>Concealment</a:t>
             </a:r>
             <a:r>
-              <a:rPr lang="en-US" altLang="en-US" dirty="0" smtClean="0">
+              <a:rPr lang="en-US" altLang="en-US" dirty="0">
                 <a:ea typeface="+mn-ea"/>
                 <a:cs typeface="+mn-cs"/>
               </a:rPr>
@@ -8169,14 +8169,14 @@
               <a:defRPr/>
             </a:pPr>
             <a:r>
-              <a:rPr lang="en-US" altLang="en-US" i="1" dirty="0" smtClean="0">
+              <a:rPr lang="en-US" altLang="en-US" i="1" dirty="0">
                 <a:ea typeface="+mn-ea"/>
                 <a:cs typeface="+mn-cs"/>
               </a:rPr>
               <a:t>Payload capabilities </a:t>
             </a:r>
             <a:r>
-              <a:rPr lang="en-US" altLang="en-US" dirty="0" smtClean="0">
+              <a:rPr lang="en-US" altLang="en-US" dirty="0">
                 <a:ea typeface="+mn-ea"/>
                 <a:cs typeface="+mn-cs"/>
               </a:rPr>
@@ -8187,7 +8187,7 @@
             <a:pPr eaLnBrk="1" hangingPunct="1">
               <a:defRPr/>
             </a:pPr>
-            <a:endParaRPr lang="en-CA" altLang="en-US" dirty="0" smtClean="0">
+            <a:endParaRPr lang="en-CA" altLang="en-US" dirty="0">
               <a:ea typeface="+mn-ea"/>
               <a:cs typeface="+mn-cs"/>
             </a:endParaRPr>
@@ -8276,7 +8276,7 @@
           <a:lstStyle/>
           <a:p>
             <a:r>
-              <a:rPr lang="en-US" altLang="en-US" smtClean="0"/>
+              <a:rPr lang="en-US" altLang="en-US"/>
               <a:t>Phishing</a:t>
             </a:r>
           </a:p>
@@ -8285,7 +8285,7 @@
               <a:buFontTx/>
               <a:buChar char="•"/>
             </a:pPr>
-            <a:endParaRPr lang="en-US" altLang="en-US" smtClean="0"/>
+            <a:endParaRPr lang="en-US" altLang="en-US"/>
           </a:p>
           <a:p>
             <a:pPr>
@@ -8293,7 +8293,7 @@
               <a:buChar char="•"/>
             </a:pPr>
             <a:r>
-              <a:rPr lang="en-US" altLang="en-US" smtClean="0"/>
+              <a:rPr lang="en-US" altLang="en-US"/>
               <a:t>Variations of phishing (cont’d.)</a:t>
             </a:r>
           </a:p>
@@ -8303,11 +8303,11 @@
               <a:buChar char="•"/>
             </a:pPr>
             <a:r>
-              <a:rPr lang="en-US" altLang="en-US" b="1" i="1" smtClean="0"/>
+              <a:rPr lang="en-US" altLang="en-US" b="1" i="1"/>
               <a:t>Spear phishing </a:t>
             </a:r>
             <a:r>
-              <a:rPr lang="en-US" altLang="en-US" smtClean="0"/>
+              <a:rPr lang="en-US" altLang="en-US"/>
               <a:t>- email messages target specific users</a:t>
             </a:r>
           </a:p>
@@ -8317,11 +8317,11 @@
               <a:buChar char="•"/>
             </a:pPr>
             <a:r>
-              <a:rPr lang="en-US" altLang="en-US" b="1" i="1" smtClean="0"/>
+              <a:rPr lang="en-US" altLang="en-US" b="1" i="1"/>
               <a:t>Whaling</a:t>
             </a:r>
             <a:r>
-              <a:rPr lang="en-US" altLang="en-US" smtClean="0"/>
+              <a:rPr lang="en-US" altLang="en-US"/>
               <a:t> - going after the “big fish”</a:t>
             </a:r>
           </a:p>
@@ -8331,7 +8331,7 @@
               <a:buChar char="•"/>
             </a:pPr>
             <a:r>
-              <a:rPr lang="en-US" altLang="en-US" smtClean="0"/>
+              <a:rPr lang="en-US" altLang="en-US"/>
               <a:t>Targeting wealthy individuals</a:t>
             </a:r>
           </a:p>
@@ -8341,11 +8341,11 @@
               <a:buChar char="•"/>
             </a:pPr>
             <a:r>
-              <a:rPr lang="en-US" altLang="en-US" b="1" i="1" smtClean="0"/>
+              <a:rPr lang="en-US" altLang="en-US" b="1" i="1"/>
               <a:t>Vishing </a:t>
             </a:r>
             <a:r>
-              <a:rPr lang="en-US" altLang="en-US" smtClean="0"/>
+              <a:rPr lang="en-US" altLang="en-US"/>
               <a:t>(voice phishing)</a:t>
             </a:r>
           </a:p>
@@ -8355,7 +8355,7 @@
               <a:buChar char="•"/>
             </a:pPr>
             <a:r>
-              <a:rPr lang="en-US" altLang="en-US" smtClean="0"/>
+              <a:rPr lang="en-US" altLang="en-US"/>
               <a:t>Attacker calls victim with recorded “bank” message with callback number</a:t>
             </a:r>
           </a:p>
@@ -8365,12 +8365,12 @@
               <a:buChar char="•"/>
             </a:pPr>
             <a:r>
-              <a:rPr lang="en-US" altLang="en-US" smtClean="0"/>
+              <a:rPr lang="en-US" altLang="en-US"/>
               <a:t>Victim calls attacker’s number and enters private information</a:t>
             </a:r>
           </a:p>
           <a:p>
-            <a:endParaRPr lang="en-US" altLang="en-US" smtClean="0"/>
+            <a:endParaRPr lang="en-US" altLang="en-US"/>
           </a:p>
         </p:txBody>
       </p:sp>
@@ -8616,16 +8616,16 @@
           <a:lstStyle/>
           <a:p>
             <a:r>
-              <a:rPr lang="en-US" altLang="en-US" smtClean="0"/>
+              <a:rPr lang="en-US" altLang="en-US"/>
               <a:t>Phishing</a:t>
             </a:r>
           </a:p>
           <a:p>
-            <a:endParaRPr lang="en-US" altLang="en-US" smtClean="0"/>
-          </a:p>
-          <a:p>
-            <a:r>
-              <a:rPr lang="en-US" altLang="en-US" smtClean="0"/>
+            <a:endParaRPr lang="en-US" altLang="en-US"/>
+          </a:p>
+          <a:p>
+            <a:r>
+              <a:rPr lang="en-US" altLang="en-US"/>
               <a:t>Figure 2-8  Phishing email message</a:t>
             </a:r>
           </a:p>
@@ -8857,20 +8857,20 @@
               <a:defRPr/>
             </a:pPr>
             <a:r>
-              <a:rPr lang="en-US" altLang="en-US" dirty="0" smtClean="0">
+              <a:rPr lang="en-US" altLang="en-US" dirty="0">
                 <a:ea typeface="+mn-ea"/>
                 <a:cs typeface="+mn-cs"/>
               </a:rPr>
               <a:t>End 1 </a:t>
             </a:r>
             <a:r>
-              <a:rPr lang="en-US" altLang="en-US" smtClean="0">
+              <a:rPr lang="en-US" altLang="en-US">
                 <a:ea typeface="+mn-ea"/>
                 <a:cs typeface="+mn-cs"/>
               </a:rPr>
               <a:t>PM class 9/9/16</a:t>
             </a:r>
-            <a:endParaRPr lang="en-US" altLang="en-US" dirty="0" smtClean="0">
+            <a:endParaRPr lang="en-US" altLang="en-US" dirty="0">
               <a:ea typeface="+mn-ea"/>
               <a:cs typeface="+mn-cs"/>
             </a:endParaRPr>
@@ -8881,7 +8881,7 @@
               <a:buChar char="•"/>
               <a:defRPr/>
             </a:pPr>
-            <a:endParaRPr lang="en-US" altLang="en-US" dirty="0" smtClean="0">
+            <a:endParaRPr lang="en-US" altLang="en-US" dirty="0">
               <a:ea typeface="+mn-ea"/>
               <a:cs typeface="+mn-cs"/>
             </a:endParaRPr>
@@ -8893,14 +8893,14 @@
               <a:defRPr/>
             </a:pPr>
             <a:r>
-              <a:rPr lang="en-US" altLang="en-US" b="1" dirty="0" smtClean="0">
+              <a:rPr lang="en-US" altLang="en-US" b="1" dirty="0">
                 <a:ea typeface="+mn-ea"/>
                 <a:cs typeface="+mn-cs"/>
               </a:rPr>
               <a:t>Spam</a:t>
             </a:r>
             <a:r>
-              <a:rPr lang="en-US" altLang="en-US" dirty="0" smtClean="0">
+              <a:rPr lang="en-US" altLang="en-US" dirty="0">
                 <a:ea typeface="+mn-ea"/>
                 <a:cs typeface="+mn-cs"/>
               </a:rPr>
@@ -8914,7 +8914,7 @@
               <a:defRPr/>
             </a:pPr>
             <a:r>
-              <a:rPr lang="en-US" altLang="en-US" dirty="0" smtClean="0">
+              <a:rPr lang="en-US" altLang="en-US" dirty="0">
                 <a:ea typeface="+mn-ea"/>
                 <a:cs typeface="+mn-cs"/>
               </a:rPr>
@@ -8928,7 +8928,7 @@
               <a:defRPr/>
             </a:pPr>
             <a:r>
-              <a:rPr lang="en-US" altLang="en-US" dirty="0" smtClean="0">
+              <a:rPr lang="en-US" altLang="en-US" dirty="0">
                 <a:ea typeface="+mn-ea"/>
                 <a:cs typeface="+mn-cs"/>
               </a:rPr>
@@ -8942,7 +8942,7 @@
               <a:defRPr/>
             </a:pPr>
             <a:r>
-              <a:rPr lang="en-US" altLang="en-US" dirty="0" smtClean="0">
+              <a:rPr lang="en-US" altLang="en-US" dirty="0">
                 <a:ea typeface="+mn-ea"/>
                 <a:cs typeface="+mn-cs"/>
               </a:rPr>
@@ -8956,7 +8956,7 @@
               <a:defRPr/>
             </a:pPr>
             <a:r>
-              <a:rPr lang="en-US" altLang="en-US" dirty="0" smtClean="0">
+              <a:rPr lang="en-US" altLang="en-US" dirty="0">
                 <a:ea typeface="+mn-ea"/>
                 <a:cs typeface="+mn-cs"/>
               </a:rPr>
@@ -8970,14 +8970,14 @@
               <a:defRPr/>
             </a:pPr>
             <a:r>
-              <a:rPr lang="en-US" altLang="en-US" i="1" dirty="0" smtClean="0">
+              <a:rPr lang="en-US" altLang="en-US" i="1" dirty="0">
                 <a:ea typeface="+mn-ea"/>
                 <a:cs typeface="+mn-cs"/>
               </a:rPr>
               <a:t>Image spam </a:t>
             </a:r>
             <a:r>
-              <a:rPr lang="en-US" altLang="en-US" dirty="0" smtClean="0">
+              <a:rPr lang="en-US" altLang="en-US" dirty="0">
                 <a:ea typeface="+mn-ea"/>
                 <a:cs typeface="+mn-cs"/>
               </a:rPr>
@@ -8991,7 +8991,7 @@
               <a:defRPr/>
             </a:pPr>
             <a:r>
-              <a:rPr lang="en-US" altLang="en-US" dirty="0" smtClean="0">
+              <a:rPr lang="en-US" altLang="en-US" dirty="0">
                 <a:ea typeface="+mn-ea"/>
                 <a:cs typeface="+mn-cs"/>
               </a:rPr>
@@ -9002,7 +9002,7 @@
             <a:pPr>
               <a:defRPr/>
             </a:pPr>
-            <a:endParaRPr lang="en-US" altLang="en-US" dirty="0" smtClean="0">
+            <a:endParaRPr lang="en-US" altLang="en-US" dirty="0">
               <a:ea typeface="+mn-ea"/>
               <a:cs typeface="+mn-cs"/>
             </a:endParaRPr>
@@ -9251,16 +9251,16 @@
           <a:lstStyle/>
           <a:p>
             <a:r>
-              <a:rPr lang="en-US" altLang="en-US" smtClean="0"/>
+              <a:rPr lang="en-US" altLang="en-US"/>
               <a:t>Spam</a:t>
             </a:r>
           </a:p>
           <a:p>
-            <a:endParaRPr lang="en-US" altLang="en-US" smtClean="0"/>
-          </a:p>
-          <a:p>
-            <a:r>
-              <a:rPr lang="en-US" altLang="en-US" smtClean="0"/>
+            <a:endParaRPr lang="en-US" altLang="en-US"/>
+          </a:p>
+          <a:p>
+            <a:r>
+              <a:rPr lang="en-US" altLang="en-US"/>
               <a:t>Figure 2-9  Image spam</a:t>
             </a:r>
           </a:p>
@@ -9492,7 +9492,7 @@
               <a:defRPr/>
             </a:pPr>
             <a:r>
-              <a:rPr lang="en-US" altLang="en-US" dirty="0" smtClean="0">
+              <a:rPr lang="en-US" altLang="en-US" dirty="0">
                 <a:ea typeface="+mn-ea"/>
                 <a:cs typeface="+mn-cs"/>
               </a:rPr>
@@ -9505,7 +9505,7 @@
               <a:buChar char="•"/>
               <a:defRPr/>
             </a:pPr>
-            <a:endParaRPr lang="en-US" altLang="en-US" dirty="0" smtClean="0">
+            <a:endParaRPr lang="en-US" altLang="en-US" dirty="0">
               <a:ea typeface="+mn-ea"/>
               <a:cs typeface="+mn-cs"/>
             </a:endParaRPr>
@@ -9517,14 +9517,14 @@
               <a:defRPr/>
             </a:pPr>
             <a:r>
-              <a:rPr lang="en-US" altLang="en-US" b="1" dirty="0" smtClean="0">
+              <a:rPr lang="en-US" altLang="en-US" b="1" dirty="0">
                 <a:ea typeface="+mn-ea"/>
                 <a:cs typeface="+mn-cs"/>
               </a:rPr>
               <a:t>Hoaxes</a:t>
             </a:r>
             <a:r>
-              <a:rPr lang="en-US" altLang="en-US" dirty="0" smtClean="0">
+              <a:rPr lang="en-US" altLang="en-US" dirty="0">
                 <a:ea typeface="+mn-ea"/>
                 <a:cs typeface="+mn-cs"/>
               </a:rPr>
@@ -9538,7 +9538,7 @@
               <a:defRPr/>
             </a:pPr>
             <a:r>
-              <a:rPr lang="en-US" altLang="en-US" dirty="0" smtClean="0">
+              <a:rPr lang="en-US" altLang="en-US" dirty="0">
                 <a:ea typeface="+mn-ea"/>
                 <a:cs typeface="+mn-cs"/>
               </a:rPr>
@@ -9552,7 +9552,7 @@
               <a:defRPr/>
             </a:pPr>
             <a:r>
-              <a:rPr lang="en-US" altLang="en-US" dirty="0" smtClean="0">
+              <a:rPr lang="en-US" altLang="en-US" dirty="0">
                 <a:ea typeface="+mn-ea"/>
                 <a:cs typeface="+mn-cs"/>
               </a:rPr>
@@ -9565,7 +9565,7 @@
               <a:buChar char="•"/>
               <a:defRPr/>
             </a:pPr>
-            <a:endParaRPr lang="en-US" altLang="en-US" dirty="0" smtClean="0">
+            <a:endParaRPr lang="en-US" altLang="en-US" dirty="0">
               <a:ea typeface="+mn-ea"/>
               <a:cs typeface="+mn-cs"/>
             </a:endParaRPr>
@@ -9576,7 +9576,7 @@
               <a:buChar char="•"/>
               <a:defRPr/>
             </a:pPr>
-            <a:endParaRPr lang="en-US" altLang="en-US" dirty="0" smtClean="0">
+            <a:endParaRPr lang="en-US" altLang="en-US" dirty="0">
               <a:ea typeface="+mn-ea"/>
               <a:cs typeface="+mn-cs"/>
             </a:endParaRPr>
@@ -9585,7 +9585,7 @@
             <a:pPr>
               <a:defRPr/>
             </a:pPr>
-            <a:endParaRPr lang="en-US" altLang="en-US" dirty="0" smtClean="0">
+            <a:endParaRPr lang="en-US" altLang="en-US" dirty="0">
               <a:ea typeface="+mn-ea"/>
               <a:cs typeface="+mn-cs"/>
             </a:endParaRPr>
@@ -9815,7 +9815,7 @@
               <a:defRPr/>
             </a:pPr>
             <a:r>
-              <a:rPr lang="en-US" altLang="en-US" dirty="0" smtClean="0">
+              <a:rPr lang="en-US" altLang="en-US" dirty="0">
                 <a:ea typeface="+mn-ea"/>
                 <a:cs typeface="+mn-cs"/>
               </a:rPr>
@@ -9828,7 +9828,7 @@
               <a:buChar char="•"/>
               <a:defRPr/>
             </a:pPr>
-            <a:endParaRPr lang="en-US" dirty="0" smtClean="0">
+            <a:endParaRPr lang="en-US" dirty="0">
               <a:ea typeface="+mn-ea"/>
               <a:cs typeface="+mn-cs"/>
             </a:endParaRPr>
@@ -9840,14 +9840,14 @@
               <a:defRPr/>
             </a:pPr>
             <a:r>
-              <a:rPr lang="en-US" altLang="en-US" b="1" dirty="0" smtClean="0">
+              <a:rPr lang="en-US" altLang="en-US" b="1" dirty="0">
                 <a:ea typeface="+mn-ea"/>
                 <a:cs typeface="+mn-cs"/>
               </a:rPr>
               <a:t>Typo squatting </a:t>
             </a:r>
             <a:r>
-              <a:rPr lang="en-US" altLang="en-US" dirty="0" smtClean="0">
+              <a:rPr lang="en-US" altLang="en-US" dirty="0">
                 <a:ea typeface="+mn-ea"/>
                 <a:cs typeface="+mn-cs"/>
               </a:rPr>
@@ -9861,14 +9861,14 @@
               <a:defRPr/>
             </a:pPr>
             <a:r>
-              <a:rPr lang="en-US" altLang="en-US" dirty="0" smtClean="0">
+              <a:rPr lang="en-US" altLang="en-US" dirty="0">
                 <a:ea typeface="+mn-ea"/>
                 <a:cs typeface="+mn-cs"/>
               </a:rPr>
               <a:t>Also called </a:t>
             </a:r>
             <a:r>
-              <a:rPr lang="en-US" altLang="en-US" b="1" dirty="0" smtClean="0">
+              <a:rPr lang="en-US" altLang="en-US" b="1" dirty="0">
                 <a:ea typeface="+mn-ea"/>
                 <a:cs typeface="+mn-cs"/>
               </a:rPr>
@@ -9882,7 +9882,7 @@
               <a:defRPr/>
             </a:pPr>
             <a:r>
-              <a:rPr lang="en-US" altLang="en-US" dirty="0" smtClean="0">
+              <a:rPr lang="en-US" altLang="en-US" dirty="0">
                 <a:ea typeface="+mn-ea"/>
                 <a:cs typeface="+mn-cs"/>
               </a:rPr>
@@ -9896,7 +9896,7 @@
               <a:defRPr/>
             </a:pPr>
             <a:r>
-              <a:rPr lang="en-US" altLang="en-US" dirty="0" smtClean="0">
+              <a:rPr lang="en-US" altLang="en-US" dirty="0">
                 <a:ea typeface="+mn-ea"/>
                 <a:cs typeface="+mn-cs"/>
               </a:rPr>
@@ -9910,7 +9910,7 @@
               <a:defRPr/>
             </a:pPr>
             <a:r>
-              <a:rPr lang="en-US" altLang="en-US" dirty="0" smtClean="0">
+              <a:rPr lang="en-US" altLang="en-US" dirty="0">
                 <a:ea typeface="+mn-ea"/>
                 <a:cs typeface="+mn-cs"/>
               </a:rPr>
@@ -10151,7 +10151,7 @@
               <a:defRPr/>
             </a:pPr>
             <a:r>
-              <a:rPr lang="en-US" altLang="en-US" dirty="0" smtClean="0">
+              <a:rPr lang="en-US" altLang="en-US" dirty="0">
                 <a:ea typeface="+mn-ea"/>
                 <a:cs typeface="+mn-cs"/>
               </a:rPr>
@@ -10164,7 +10164,7 @@
               <a:buChar char="•"/>
               <a:defRPr/>
             </a:pPr>
-            <a:endParaRPr lang="en-US" dirty="0" smtClean="0">
+            <a:endParaRPr lang="en-US" dirty="0">
               <a:ea typeface="+mn-ea"/>
               <a:cs typeface="+mn-cs"/>
             </a:endParaRPr>
@@ -10176,14 +10176,14 @@
               <a:defRPr/>
             </a:pPr>
             <a:r>
-              <a:rPr lang="en-US" altLang="en-US" b="1" dirty="0" smtClean="0">
+              <a:rPr lang="en-US" altLang="en-US" b="1" dirty="0">
                 <a:ea typeface="+mn-ea"/>
                 <a:cs typeface="+mn-cs"/>
               </a:rPr>
               <a:t>Watering hole attack </a:t>
             </a:r>
             <a:r>
-              <a:rPr lang="en-US" altLang="en-US" dirty="0" smtClean="0">
+              <a:rPr lang="en-US" altLang="en-US" dirty="0">
                 <a:ea typeface="+mn-ea"/>
                 <a:cs typeface="+mn-cs"/>
               </a:rPr>
@@ -10197,7 +10197,7 @@
               <a:defRPr/>
             </a:pPr>
             <a:r>
-              <a:rPr lang="en-US" altLang="en-US" dirty="0" smtClean="0">
+              <a:rPr lang="en-US" altLang="en-US" dirty="0">
                 <a:ea typeface="+mn-ea"/>
                 <a:cs typeface="+mn-cs"/>
               </a:rPr>
@@ -10211,7 +10211,7 @@
               <a:defRPr/>
             </a:pPr>
             <a:r>
-              <a:rPr lang="en-US" altLang="en-US" dirty="0" smtClean="0">
+              <a:rPr lang="en-US" altLang="en-US" dirty="0">
                 <a:ea typeface="+mn-ea"/>
                 <a:cs typeface="+mn-cs"/>
               </a:rPr>
@@ -10222,7 +10222,7 @@
             <a:pPr>
               <a:defRPr/>
             </a:pPr>
-            <a:endParaRPr lang="en-US" dirty="0" smtClean="0">
+            <a:endParaRPr lang="en-US" dirty="0">
               <a:ea typeface="+mn-ea"/>
               <a:cs typeface="+mn-cs"/>
             </a:endParaRPr>
@@ -10452,7 +10452,7 @@
               <a:defRPr/>
             </a:pPr>
             <a:r>
-              <a:rPr lang="en-US" altLang="en-US" dirty="0" smtClean="0">
+              <a:rPr lang="en-US" altLang="en-US" dirty="0">
                 <a:ea typeface="+mn-ea"/>
                 <a:cs typeface="+mn-cs"/>
               </a:rPr>
@@ -10465,7 +10465,7 @@
               <a:buChar char="•"/>
               <a:defRPr/>
             </a:pPr>
-            <a:endParaRPr lang="en-US" dirty="0" smtClean="0">
+            <a:endParaRPr lang="en-US" dirty="0">
               <a:ea typeface="+mn-ea"/>
               <a:cs typeface="+mn-cs"/>
             </a:endParaRPr>
@@ -10477,7 +10477,7 @@
               <a:defRPr/>
             </a:pPr>
             <a:r>
-              <a:rPr lang="en-US" altLang="en-US" b="1" dirty="0" smtClean="0">
+              <a:rPr lang="en-US" altLang="en-US" b="1" dirty="0">
                 <a:ea typeface="+mn-ea"/>
                 <a:cs typeface="+mn-cs"/>
               </a:rPr>
@@ -10491,7 +10491,7 @@
               <a:defRPr/>
             </a:pPr>
             <a:r>
-              <a:rPr lang="en-US" altLang="en-US" dirty="0" smtClean="0">
+              <a:rPr lang="en-US" altLang="en-US" dirty="0">
                 <a:ea typeface="+mn-ea"/>
                 <a:cs typeface="+mn-cs"/>
               </a:rPr>
@@ -10505,7 +10505,7 @@
               <a:defRPr/>
             </a:pPr>
             <a:r>
-              <a:rPr lang="en-US" altLang="en-US" b="1" dirty="0" smtClean="0">
+              <a:rPr lang="en-US" altLang="en-US" b="1" dirty="0">
                 <a:ea typeface="+mn-ea"/>
                 <a:cs typeface="+mn-cs"/>
               </a:rPr>
@@ -10519,7 +10519,7 @@
               <a:defRPr/>
             </a:pPr>
             <a:r>
-              <a:rPr lang="en-US" altLang="en-US" dirty="0" smtClean="0">
+              <a:rPr lang="en-US" altLang="en-US" dirty="0">
                 <a:ea typeface="+mn-ea"/>
                 <a:cs typeface="+mn-cs"/>
               </a:rPr>
@@ -10533,7 +10533,7 @@
               <a:defRPr/>
             </a:pPr>
             <a:r>
-              <a:rPr lang="en-US" altLang="en-US" dirty="0" smtClean="0">
+              <a:rPr lang="en-US" altLang="en-US" dirty="0">
                 <a:ea typeface="+mn-ea"/>
                 <a:cs typeface="+mn-cs"/>
               </a:rPr>
@@ -10547,14 +10547,14 @@
               <a:defRPr/>
             </a:pPr>
             <a:r>
-              <a:rPr lang="en-US" altLang="en-US" dirty="0" smtClean="0">
+              <a:rPr lang="en-US" altLang="en-US" dirty="0">
                 <a:ea typeface="+mn-ea"/>
                 <a:cs typeface="+mn-cs"/>
               </a:rPr>
               <a:t>Watching an authorized user enter a security code on a keypad is known as </a:t>
             </a:r>
             <a:r>
-              <a:rPr lang="en-US" altLang="en-US" b="1" dirty="0" smtClean="0">
+              <a:rPr lang="en-US" altLang="en-US" b="1" dirty="0">
                 <a:ea typeface="+mn-ea"/>
                 <a:cs typeface="+mn-cs"/>
               </a:rPr>
@@ -10567,7 +10567,7 @@
               <a:buChar char="•"/>
               <a:defRPr/>
             </a:pPr>
-            <a:endParaRPr lang="en-US" altLang="en-US" dirty="0" smtClean="0">
+            <a:endParaRPr lang="en-US" altLang="en-US" dirty="0">
               <a:ea typeface="+mn-ea"/>
               <a:cs typeface="+mn-cs"/>
             </a:endParaRPr>
@@ -10825,16 +10825,16 @@
           <a:lstStyle/>
           <a:p>
             <a:r>
-              <a:rPr lang="en-US" altLang="en-US" smtClean="0"/>
+              <a:rPr lang="en-US" altLang="en-US"/>
               <a:t>Physical Procedures</a:t>
             </a:r>
           </a:p>
           <a:p>
-            <a:endParaRPr lang="en-US" altLang="en-US" smtClean="0"/>
-          </a:p>
-          <a:p>
-            <a:r>
-              <a:rPr lang="en-US" altLang="en-US" smtClean="0"/>
+            <a:endParaRPr lang="en-US" altLang="en-US"/>
+          </a:p>
+          <a:p>
+            <a:r>
+              <a:rPr lang="en-US" altLang="en-US"/>
               <a:t>Table 2-5  Uses of botnets</a:t>
             </a:r>
           </a:p>
@@ -11063,7 +11063,7 @@
               <a:defRPr/>
             </a:pPr>
             <a:r>
-              <a:rPr lang="en-US" altLang="en-US" dirty="0" smtClean="0">
+              <a:rPr lang="en-US" altLang="en-US" dirty="0">
                 <a:ea typeface="+mn-ea"/>
                 <a:cs typeface="+mn-cs"/>
               </a:rPr>
@@ -11076,7 +11076,7 @@
               <a:buChar char="•"/>
               <a:defRPr/>
             </a:pPr>
-            <a:endParaRPr lang="en-US" dirty="0" smtClean="0">
+            <a:endParaRPr lang="en-US" dirty="0">
               <a:ea typeface="+mn-ea"/>
               <a:cs typeface="+mn-cs"/>
             </a:endParaRPr>
@@ -11088,7 +11088,7 @@
               <a:defRPr/>
             </a:pPr>
             <a:r>
-              <a:rPr lang="en-US" altLang="en-US" dirty="0" smtClean="0">
+              <a:rPr lang="en-US" altLang="en-US" dirty="0">
                 <a:ea typeface="+mn-ea"/>
                 <a:cs typeface="+mn-cs"/>
               </a:rPr>
@@ -11102,7 +11102,7 @@
               <a:defRPr/>
             </a:pPr>
             <a:r>
-              <a:rPr lang="en-US" altLang="en-US" dirty="0" smtClean="0">
+              <a:rPr lang="en-US" altLang="en-US" dirty="0">
                 <a:ea typeface="+mn-ea"/>
                 <a:cs typeface="+mn-cs"/>
               </a:rPr>
@@ -11116,7 +11116,7 @@
               <a:defRPr/>
             </a:pPr>
             <a:r>
-              <a:rPr lang="en-US" altLang="en-US" dirty="0" smtClean="0">
+              <a:rPr lang="en-US" altLang="en-US" dirty="0">
                 <a:ea typeface="+mn-ea"/>
                 <a:cs typeface="+mn-cs"/>
               </a:rPr>
@@ -11130,7 +11130,7 @@
               <a:defRPr/>
             </a:pPr>
             <a:r>
-              <a:rPr lang="en-US" altLang="en-US" dirty="0" smtClean="0">
+              <a:rPr lang="en-US" altLang="en-US" dirty="0">
                 <a:ea typeface="+mn-ea"/>
                 <a:cs typeface="+mn-cs"/>
               </a:rPr>
@@ -11534,7 +11534,7 @@
               <a:defRPr/>
             </a:pPr>
             <a:r>
-              <a:rPr lang="en-US" altLang="en-US" dirty="0" smtClean="0">
+              <a:rPr lang="en-US" altLang="en-US" dirty="0">
                 <a:ea typeface="+mn-ea"/>
                 <a:cs typeface="+mn-cs"/>
               </a:rPr>
@@ -11547,7 +11547,7 @@
               <a:buChar char="•"/>
               <a:defRPr/>
             </a:pPr>
-            <a:endParaRPr lang="en-US" altLang="en-US" dirty="0" smtClean="0">
+            <a:endParaRPr lang="en-US" altLang="en-US" dirty="0">
               <a:ea typeface="+mn-ea"/>
               <a:cs typeface="+mn-cs"/>
             </a:endParaRPr>
@@ -11559,14 +11559,14 @@
               <a:defRPr/>
             </a:pPr>
             <a:r>
-              <a:rPr lang="en-US" altLang="en-US" b="1" dirty="0" smtClean="0">
+              <a:rPr lang="en-US" altLang="en-US" b="1" dirty="0">
                 <a:ea typeface="+mn-ea"/>
                 <a:cs typeface="+mn-cs"/>
               </a:rPr>
               <a:t>Computer virus </a:t>
             </a:r>
             <a:r>
-              <a:rPr lang="en-US" altLang="en-US" dirty="0" smtClean="0">
+              <a:rPr lang="en-US" altLang="en-US" dirty="0">
                 <a:ea typeface="+mn-ea"/>
                 <a:cs typeface="+mn-cs"/>
               </a:rPr>
@@ -11580,14 +11580,14 @@
               <a:defRPr/>
             </a:pPr>
             <a:r>
-              <a:rPr lang="en-US" altLang="en-US" b="1" dirty="0" smtClean="0">
+              <a:rPr lang="en-US" altLang="en-US" b="1" dirty="0">
                 <a:ea typeface="+mn-ea"/>
                 <a:cs typeface="+mn-cs"/>
               </a:rPr>
               <a:t>Program virus </a:t>
             </a:r>
             <a:r>
-              <a:rPr lang="en-US" altLang="en-US" dirty="0" smtClean="0">
+              <a:rPr lang="en-US" altLang="en-US" dirty="0">
                 <a:ea typeface="+mn-ea"/>
                 <a:cs typeface="+mn-cs"/>
               </a:rPr>
@@ -11601,14 +11601,14 @@
               <a:defRPr/>
             </a:pPr>
             <a:r>
-              <a:rPr lang="en-US" altLang="en-US" b="1" dirty="0" smtClean="0">
+              <a:rPr lang="en-US" altLang="en-US" b="1" dirty="0">
                 <a:ea typeface="+mn-ea"/>
                 <a:cs typeface="+mn-cs"/>
               </a:rPr>
               <a:t>Macro</a:t>
             </a:r>
             <a:r>
-              <a:rPr lang="en-US" altLang="en-US" dirty="0" smtClean="0">
+              <a:rPr lang="en-US" altLang="en-US" dirty="0">
                 <a:ea typeface="+mn-ea"/>
                 <a:cs typeface="+mn-cs"/>
               </a:rPr>
@@ -11622,21 +11622,21 @@
               <a:defRPr/>
             </a:pPr>
             <a:r>
-              <a:rPr lang="en-US" altLang="en-US" dirty="0" smtClean="0">
+              <a:rPr lang="en-US" altLang="en-US" dirty="0">
                 <a:ea typeface="+mn-ea"/>
                 <a:cs typeface="+mn-cs"/>
               </a:rPr>
               <a:t>Common data file virus is a </a:t>
             </a:r>
             <a:r>
-              <a:rPr lang="en-US" altLang="en-US" b="1" dirty="0" smtClean="0">
+              <a:rPr lang="en-US" altLang="en-US" b="1" dirty="0">
                 <a:ea typeface="+mn-ea"/>
                 <a:cs typeface="+mn-cs"/>
               </a:rPr>
               <a:t>macro virus </a:t>
             </a:r>
             <a:r>
-              <a:rPr lang="en-US" altLang="en-US" dirty="0" smtClean="0">
+              <a:rPr lang="en-US" altLang="en-US" dirty="0">
                 <a:ea typeface="+mn-ea"/>
                 <a:cs typeface="+mn-cs"/>
               </a:rPr>
@@ -11650,7 +11650,7 @@
               <a:defRPr/>
             </a:pPr>
             <a:r>
-              <a:rPr lang="en-US" altLang="en-US" dirty="0" smtClean="0">
+              <a:rPr lang="en-US" altLang="en-US" dirty="0">
                 <a:ea typeface="+mn-ea"/>
                 <a:cs typeface="+mn-cs"/>
               </a:rPr>
@@ -11664,14 +11664,14 @@
               <a:defRPr/>
             </a:pPr>
             <a:r>
-              <a:rPr lang="en-US" altLang="en-US" i="1" dirty="0" smtClean="0">
+              <a:rPr lang="en-US" altLang="en-US" i="1" dirty="0">
                 <a:ea typeface="+mn-ea"/>
                 <a:cs typeface="+mn-cs"/>
               </a:rPr>
               <a:t>Appender infection </a:t>
             </a:r>
             <a:r>
-              <a:rPr lang="en-US" altLang="en-US" dirty="0" smtClean="0">
+              <a:rPr lang="en-US" altLang="en-US" dirty="0">
                 <a:ea typeface="+mn-ea"/>
                 <a:cs typeface="+mn-cs"/>
               </a:rPr>
@@ -11685,7 +11685,7 @@
               <a:defRPr/>
             </a:pPr>
             <a:r>
-              <a:rPr lang="en-US" altLang="en-US" dirty="0" smtClean="0">
+              <a:rPr lang="en-US" altLang="en-US" dirty="0">
                 <a:ea typeface="+mn-ea"/>
                 <a:cs typeface="+mn-cs"/>
               </a:rPr>
@@ -11696,7 +11696,7 @@
             <a:pPr eaLnBrk="1" hangingPunct="1">
               <a:defRPr/>
             </a:pPr>
-            <a:endParaRPr lang="en-CA" altLang="en-US" dirty="0" smtClean="0">
+            <a:endParaRPr lang="en-CA" altLang="en-US" dirty="0">
               <a:ea typeface="+mn-ea"/>
               <a:cs typeface="+mn-cs"/>
             </a:endParaRPr>
@@ -11946,7 +11946,7 @@
           <a:p>
             <a:pPr eaLnBrk="1" hangingPunct="1"/>
             <a:r>
-              <a:rPr lang="en-US" altLang="en-US" smtClean="0"/>
+              <a:rPr lang="en-US" altLang="en-US"/>
               <a:t>Viruses</a:t>
             </a:r>
           </a:p>
@@ -11955,7 +11955,7 @@
               <a:buFontTx/>
               <a:buChar char="•"/>
             </a:pPr>
-            <a:endParaRPr lang="en-US" altLang="en-US" smtClean="0"/>
+            <a:endParaRPr lang="en-US" altLang="en-US"/>
           </a:p>
           <a:p>
             <a:pPr>
@@ -11963,7 +11963,7 @@
               <a:buChar char="•"/>
             </a:pPr>
             <a:r>
-              <a:rPr lang="en-US" altLang="en-US" smtClean="0"/>
+              <a:rPr lang="en-US" altLang="en-US"/>
               <a:t>Virus infection methods (cont’d.)</a:t>
             </a:r>
           </a:p>
@@ -11973,11 +11973,11 @@
               <a:buChar char="•"/>
             </a:pPr>
             <a:r>
-              <a:rPr lang="en-US" altLang="en-US" i="1" smtClean="0"/>
+              <a:rPr lang="en-US" altLang="en-US" i="1"/>
               <a:t>Swiss cheese infection </a:t>
             </a:r>
             <a:r>
-              <a:rPr lang="en-US" altLang="en-US" smtClean="0"/>
+              <a:rPr lang="en-US" altLang="en-US"/>
               <a:t>- viruses inject themselves into executable code</a:t>
             </a:r>
           </a:p>
@@ -11987,7 +11987,7 @@
               <a:buChar char="•"/>
             </a:pPr>
             <a:r>
-              <a:rPr lang="en-US" altLang="en-US" smtClean="0"/>
+              <a:rPr lang="en-US" altLang="en-US"/>
               <a:t>Virus code is “scrambled” to make it more difficult to detect</a:t>
             </a:r>
           </a:p>
@@ -11997,11 +11997,11 @@
               <a:buChar char="•"/>
             </a:pPr>
             <a:r>
-              <a:rPr lang="en-US" altLang="en-US" i="1" smtClean="0"/>
+              <a:rPr lang="en-US" altLang="en-US" i="1"/>
               <a:t>Split infection </a:t>
             </a:r>
             <a:r>
-              <a:rPr lang="en-US" altLang="en-US" smtClean="0"/>
+              <a:rPr lang="en-US" altLang="en-US"/>
               <a:t>- virus splits into several parts</a:t>
             </a:r>
           </a:p>
@@ -12011,7 +12011,7 @@
               <a:buChar char="•"/>
             </a:pPr>
             <a:r>
-              <a:rPr lang="en-US" altLang="en-US" smtClean="0"/>
+              <a:rPr lang="en-US" altLang="en-US"/>
               <a:t>Parts placed at random positions in host program</a:t>
             </a:r>
           </a:p>
@@ -12021,13 +12021,13 @@
               <a:buChar char="•"/>
             </a:pPr>
             <a:r>
-              <a:rPr lang="en-US" altLang="en-US" smtClean="0"/>
+              <a:rPr lang="en-US" altLang="en-US"/>
               <a:t>The parts may contain unnecessary “garbage” doe to mask their true purpose</a:t>
             </a:r>
           </a:p>
           <a:p>
             <a:pPr eaLnBrk="1" hangingPunct="1"/>
-            <a:endParaRPr lang="en-CA" altLang="en-US" smtClean="0"/>
+            <a:endParaRPr lang="en-CA" altLang="en-US"/>
           </a:p>
         </p:txBody>
       </p:sp>
@@ -12274,21 +12274,21 @@
           <a:p>
             <a:pPr eaLnBrk="1" hangingPunct="1"/>
             <a:r>
-              <a:rPr lang="en-US" altLang="en-US" smtClean="0"/>
+              <a:rPr lang="en-US" altLang="en-US"/>
               <a:t>Viruses</a:t>
             </a:r>
           </a:p>
           <a:p>
             <a:pPr eaLnBrk="1" hangingPunct="1"/>
-            <a:endParaRPr lang="en-US" altLang="en-US" smtClean="0"/>
+            <a:endParaRPr lang="en-US" altLang="en-US"/>
           </a:p>
           <a:p>
             <a:pPr eaLnBrk="1" hangingPunct="1"/>
             <a:r>
-              <a:rPr lang="en-US" altLang="en-US" smtClean="0"/>
+              <a:rPr lang="en-US" altLang="en-US"/>
               <a:t>Figure 2-3  Split infection</a:t>
             </a:r>
-            <a:endParaRPr lang="en-CA" altLang="en-US" smtClean="0"/>
+            <a:endParaRPr lang="en-CA" altLang="en-US"/>
           </a:p>
         </p:txBody>
       </p:sp>
@@ -12535,7 +12535,7 @@
           <a:p>
             <a:pPr eaLnBrk="1" hangingPunct="1"/>
             <a:r>
-              <a:rPr lang="en-US" altLang="en-US" smtClean="0"/>
+              <a:rPr lang="en-US" altLang="en-US"/>
               <a:t>Viruses</a:t>
             </a:r>
           </a:p>
@@ -12544,7 +12544,7 @@
               <a:buFontTx/>
               <a:buChar char="•"/>
             </a:pPr>
-            <a:endParaRPr lang="en-US" altLang="en-US" smtClean="0"/>
+            <a:endParaRPr lang="en-US" altLang="en-US"/>
           </a:p>
           <a:p>
             <a:pPr>
@@ -12552,7 +12552,7 @@
               <a:buChar char="•"/>
             </a:pPr>
             <a:r>
-              <a:rPr lang="en-US" altLang="en-US" smtClean="0"/>
+              <a:rPr lang="en-US" altLang="en-US"/>
               <a:t>Viruses perform two actions:</a:t>
             </a:r>
           </a:p>
@@ -12562,7 +12562,7 @@
               <a:buChar char="•"/>
             </a:pPr>
             <a:r>
-              <a:rPr lang="en-US" altLang="en-US" smtClean="0"/>
+              <a:rPr lang="en-US" altLang="en-US"/>
               <a:t>Unloads a payload to perform a malicious action</a:t>
             </a:r>
           </a:p>
@@ -12572,7 +12572,7 @@
               <a:buChar char="•"/>
             </a:pPr>
             <a:r>
-              <a:rPr lang="en-US" altLang="en-US" smtClean="0"/>
+              <a:rPr lang="en-US" altLang="en-US"/>
               <a:t>Reproduces itself by inserting its code into another file on the same computer</a:t>
             </a:r>
           </a:p>
@@ -12582,7 +12582,7 @@
               <a:buChar char="•"/>
             </a:pPr>
             <a:r>
-              <a:rPr lang="en-US" altLang="en-US" smtClean="0"/>
+              <a:rPr lang="en-US" altLang="en-US"/>
               <a:t>Examples of virus actions</a:t>
             </a:r>
           </a:p>
@@ -12592,7 +12592,7 @@
               <a:buChar char="•"/>
             </a:pPr>
             <a:r>
-              <a:rPr lang="en-US" altLang="en-US" smtClean="0"/>
+              <a:rPr lang="en-US" altLang="en-US"/>
               <a:t>Cause a computer to repeatedly crash</a:t>
             </a:r>
           </a:p>
@@ -12602,7 +12602,7 @@
               <a:buChar char="•"/>
             </a:pPr>
             <a:r>
-              <a:rPr lang="en-US" altLang="en-US" smtClean="0"/>
+              <a:rPr lang="en-US" altLang="en-US"/>
               <a:t>Erase files from or reformat hard drive</a:t>
             </a:r>
           </a:p>
@@ -12612,7 +12612,7 @@
               <a:buChar char="•"/>
             </a:pPr>
             <a:r>
-              <a:rPr lang="en-US" altLang="en-US" smtClean="0"/>
+              <a:rPr lang="en-US" altLang="en-US"/>
               <a:t>Turn off computer’s security settings</a:t>
             </a:r>
           </a:p>
@@ -12622,13 +12622,13 @@
               <a:buChar char="•"/>
             </a:pPr>
             <a:r>
-              <a:rPr lang="en-US" altLang="en-US" smtClean="0"/>
+              <a:rPr lang="en-US" altLang="en-US"/>
               <a:t>Reformat the hard disk drive</a:t>
             </a:r>
           </a:p>
           <a:p>
             <a:pPr eaLnBrk="1" hangingPunct="1"/>
-            <a:endParaRPr lang="en-CA" altLang="en-US" smtClean="0"/>
+            <a:endParaRPr lang="en-CA" altLang="en-US"/>
           </a:p>
         </p:txBody>
       </p:sp>
@@ -12858,7 +12858,7 @@
               <a:defRPr/>
             </a:pPr>
             <a:r>
-              <a:rPr lang="en-US" altLang="en-US" dirty="0" smtClean="0">
+              <a:rPr lang="en-US" altLang="en-US" dirty="0">
                 <a:ea typeface="+mn-ea"/>
                 <a:cs typeface="+mn-cs"/>
               </a:rPr>
@@ -12871,7 +12871,7 @@
               <a:buChar char="•"/>
               <a:defRPr/>
             </a:pPr>
-            <a:endParaRPr lang="en-US" altLang="en-US" dirty="0" smtClean="0">
+            <a:endParaRPr lang="en-US" altLang="en-US" dirty="0">
               <a:ea typeface="+mn-ea"/>
               <a:cs typeface="+mn-cs"/>
             </a:endParaRPr>
@@ -12883,7 +12883,7 @@
               <a:defRPr/>
             </a:pPr>
             <a:r>
-              <a:rPr lang="en-US" altLang="en-US" dirty="0" smtClean="0">
+              <a:rPr lang="en-US" altLang="en-US" dirty="0">
                 <a:ea typeface="+mn-ea"/>
                 <a:cs typeface="+mn-cs"/>
               </a:rPr>
@@ -12897,7 +12897,7 @@
               <a:defRPr/>
             </a:pPr>
             <a:r>
-              <a:rPr lang="en-US" altLang="en-US" dirty="0" smtClean="0">
+              <a:rPr lang="en-US" altLang="en-US" dirty="0">
                 <a:ea typeface="+mn-ea"/>
                 <a:cs typeface="+mn-cs"/>
               </a:rPr>
@@ -12911,7 +12911,7 @@
               <a:defRPr/>
             </a:pPr>
             <a:r>
-              <a:rPr lang="en-US" altLang="en-US" dirty="0" smtClean="0">
+              <a:rPr lang="en-US" altLang="en-US" dirty="0">
                 <a:ea typeface="+mn-ea"/>
                 <a:cs typeface="+mn-cs"/>
               </a:rPr>
@@ -12925,7 +12925,7 @@
               <a:defRPr/>
             </a:pPr>
             <a:r>
-              <a:rPr lang="en-US" altLang="en-US" dirty="0" smtClean="0">
+              <a:rPr lang="en-US" altLang="en-US" dirty="0">
                 <a:ea typeface="+mn-ea"/>
                 <a:cs typeface="+mn-cs"/>
               </a:rPr>
@@ -12936,7 +12936,7 @@
             <a:pPr eaLnBrk="1" hangingPunct="1">
               <a:defRPr/>
             </a:pPr>
-            <a:endParaRPr lang="en-CA" altLang="en-US" dirty="0" smtClean="0">
+            <a:endParaRPr lang="en-CA" altLang="en-US" dirty="0">
               <a:ea typeface="+mn-ea"/>
               <a:cs typeface="+mn-cs"/>
             </a:endParaRPr>
@@ -13216,10 +13216,9 @@
           <a:lstStyle/>
           <a:p>
             <a:r>
-              <a:rPr lang="en-US" smtClean="0"/>
+              <a:rPr lang="en-US"/>
               <a:t>Click to edit Master title style</a:t>
             </a:r>
-            <a:endParaRPr lang="en-US"/>
           </a:p>
         </p:txBody>
       </p:sp>
@@ -13240,38 +13239,37 @@
           <a:p>
             <a:pPr lvl="0"/>
             <a:r>
-              <a:rPr lang="en-US" smtClean="0"/>
+              <a:rPr lang="en-US"/>
               <a:t>Click to edit Master text styles</a:t>
             </a:r>
           </a:p>
           <a:p>
             <a:pPr lvl="1"/>
             <a:r>
-              <a:rPr lang="en-US" smtClean="0"/>
+              <a:rPr lang="en-US"/>
               <a:t>Second level</a:t>
             </a:r>
           </a:p>
           <a:p>
             <a:pPr lvl="2"/>
             <a:r>
-              <a:rPr lang="en-US" smtClean="0"/>
+              <a:rPr lang="en-US"/>
               <a:t>Third level</a:t>
             </a:r>
           </a:p>
           <a:p>
             <a:pPr lvl="3"/>
             <a:r>
-              <a:rPr lang="en-US" smtClean="0"/>
+              <a:rPr lang="en-US"/>
               <a:t>Fourth level</a:t>
             </a:r>
           </a:p>
           <a:p>
             <a:pPr lvl="4"/>
             <a:r>
-              <a:rPr lang="en-US" smtClean="0"/>
+              <a:rPr lang="en-US"/>
               <a:t>Fifth level</a:t>
             </a:r>
-            <a:endParaRPr lang="en-US"/>
           </a:p>
         </p:txBody>
       </p:sp>
@@ -13387,10 +13385,9 @@
           <a:lstStyle/>
           <a:p>
             <a:r>
-              <a:rPr lang="en-US" smtClean="0"/>
+              <a:rPr lang="en-US"/>
               <a:t>Click to edit Master title style</a:t>
             </a:r>
-            <a:endParaRPr lang="en-US"/>
           </a:p>
         </p:txBody>
       </p:sp>
@@ -13416,38 +13413,37 @@
           <a:p>
             <a:pPr lvl="0"/>
             <a:r>
-              <a:rPr lang="en-US" smtClean="0"/>
+              <a:rPr lang="en-US"/>
               <a:t>Click to edit Master text styles</a:t>
             </a:r>
           </a:p>
           <a:p>
             <a:pPr lvl="1"/>
             <a:r>
-              <a:rPr lang="en-US" smtClean="0"/>
+              <a:rPr lang="en-US"/>
               <a:t>Second level</a:t>
             </a:r>
           </a:p>
           <a:p>
             <a:pPr lvl="2"/>
             <a:r>
-              <a:rPr lang="en-US" smtClean="0"/>
+              <a:rPr lang="en-US"/>
               <a:t>Third level</a:t>
             </a:r>
           </a:p>
           <a:p>
             <a:pPr lvl="3"/>
             <a:r>
-              <a:rPr lang="en-US" smtClean="0"/>
+              <a:rPr lang="en-US"/>
               <a:t>Fourth level</a:t>
             </a:r>
           </a:p>
           <a:p>
             <a:pPr lvl="4"/>
             <a:r>
-              <a:rPr lang="en-US" smtClean="0"/>
+              <a:rPr lang="en-US"/>
               <a:t>Fifth level</a:t>
             </a:r>
-            <a:endParaRPr lang="en-US"/>
           </a:p>
         </p:txBody>
       </p:sp>
@@ -13563,10 +13559,9 @@
           <a:lstStyle/>
           <a:p>
             <a:r>
-              <a:rPr lang="en-US" smtClean="0"/>
+              <a:rPr lang="en-US"/>
               <a:t>Click to edit Master title style</a:t>
             </a:r>
-            <a:endParaRPr lang="en-US"/>
           </a:p>
         </p:txBody>
       </p:sp>
@@ -13628,10 +13623,9 @@
           </a:lstStyle>
           <a:p>
             <a:r>
-              <a:rPr lang="en-US" smtClean="0"/>
+              <a:rPr lang="en-US"/>
               <a:t>Click to edit Master subtitle style</a:t>
             </a:r>
-            <a:endParaRPr lang="en-US"/>
           </a:p>
         </p:txBody>
       </p:sp>
@@ -13770,10 +13764,9 @@
           <a:lstStyle/>
           <a:p>
             <a:r>
-              <a:rPr lang="en-US" smtClean="0"/>
+              <a:rPr lang="en-US"/>
               <a:t>Click to edit Master title style</a:t>
             </a:r>
-            <a:endParaRPr lang="en-US"/>
           </a:p>
         </p:txBody>
       </p:sp>
@@ -13794,38 +13787,37 @@
           <a:p>
             <a:pPr lvl="0"/>
             <a:r>
-              <a:rPr lang="en-US" smtClean="0"/>
+              <a:rPr lang="en-US"/>
               <a:t>Click to edit Master text styles</a:t>
             </a:r>
           </a:p>
           <a:p>
             <a:pPr lvl="1"/>
             <a:r>
-              <a:rPr lang="en-US" smtClean="0"/>
+              <a:rPr lang="en-US"/>
               <a:t>Second level</a:t>
             </a:r>
           </a:p>
           <a:p>
             <a:pPr lvl="2"/>
             <a:r>
-              <a:rPr lang="en-US" smtClean="0"/>
+              <a:rPr lang="en-US"/>
               <a:t>Third level</a:t>
             </a:r>
           </a:p>
           <a:p>
             <a:pPr lvl="3"/>
             <a:r>
-              <a:rPr lang="en-US" smtClean="0"/>
+              <a:rPr lang="en-US"/>
               <a:t>Fourth level</a:t>
             </a:r>
           </a:p>
           <a:p>
             <a:pPr lvl="4"/>
             <a:r>
-              <a:rPr lang="en-US" smtClean="0"/>
+              <a:rPr lang="en-US"/>
               <a:t>Fifth level</a:t>
             </a:r>
-            <a:endParaRPr lang="en-US"/>
           </a:p>
         </p:txBody>
       </p:sp>
@@ -13973,10 +13965,9 @@
           </a:lstStyle>
           <a:p>
             <a:r>
-              <a:rPr lang="en-US" smtClean="0"/>
+              <a:rPr lang="en-US"/>
               <a:t>Click to edit Master title style</a:t>
             </a:r>
-            <a:endParaRPr lang="en-US"/>
           </a:p>
         </p:txBody>
       </p:sp>
@@ -14039,7 +14030,7 @@
           <a:p>
             <a:pPr lvl="0"/>
             <a:r>
-              <a:rPr lang="en-US" smtClean="0"/>
+              <a:rPr lang="en-US"/>
               <a:t>Click to edit Master text styles</a:t>
             </a:r>
           </a:p>
@@ -14180,10 +14171,9 @@
           <a:lstStyle/>
           <a:p>
             <a:r>
-              <a:rPr lang="en-US" smtClean="0"/>
+              <a:rPr lang="en-US"/>
               <a:t>Click to edit Master title style</a:t>
             </a:r>
-            <a:endParaRPr lang="en-US"/>
           </a:p>
         </p:txBody>
       </p:sp>
@@ -14237,38 +14227,37 @@
           <a:p>
             <a:pPr lvl="0"/>
             <a:r>
-              <a:rPr lang="en-US" smtClean="0"/>
+              <a:rPr lang="en-US"/>
               <a:t>Click to edit Master text styles</a:t>
             </a:r>
           </a:p>
           <a:p>
             <a:pPr lvl="1"/>
             <a:r>
-              <a:rPr lang="en-US" smtClean="0"/>
+              <a:rPr lang="en-US"/>
               <a:t>Second level</a:t>
             </a:r>
           </a:p>
           <a:p>
             <a:pPr lvl="2"/>
             <a:r>
-              <a:rPr lang="en-US" smtClean="0"/>
+              <a:rPr lang="en-US"/>
               <a:t>Third level</a:t>
             </a:r>
           </a:p>
           <a:p>
             <a:pPr lvl="3"/>
             <a:r>
-              <a:rPr lang="en-US" smtClean="0"/>
+              <a:rPr lang="en-US"/>
               <a:t>Fourth level</a:t>
             </a:r>
           </a:p>
           <a:p>
             <a:pPr lvl="4"/>
             <a:r>
-              <a:rPr lang="en-US" smtClean="0"/>
+              <a:rPr lang="en-US"/>
               <a:t>Fifth level</a:t>
             </a:r>
-            <a:endParaRPr lang="en-US"/>
           </a:p>
         </p:txBody>
       </p:sp>
@@ -14322,38 +14311,37 @@
           <a:p>
             <a:pPr lvl="0"/>
             <a:r>
-              <a:rPr lang="en-US" smtClean="0"/>
+              <a:rPr lang="en-US"/>
               <a:t>Click to edit Master text styles</a:t>
             </a:r>
           </a:p>
           <a:p>
             <a:pPr lvl="1"/>
             <a:r>
-              <a:rPr lang="en-US" smtClean="0"/>
+              <a:rPr lang="en-US"/>
               <a:t>Second level</a:t>
             </a:r>
           </a:p>
           <a:p>
             <a:pPr lvl="2"/>
             <a:r>
-              <a:rPr lang="en-US" smtClean="0"/>
+              <a:rPr lang="en-US"/>
               <a:t>Third level</a:t>
             </a:r>
           </a:p>
           <a:p>
             <a:pPr lvl="3"/>
             <a:r>
-              <a:rPr lang="en-US" smtClean="0"/>
+              <a:rPr lang="en-US"/>
               <a:t>Fourth level</a:t>
             </a:r>
           </a:p>
           <a:p>
             <a:pPr lvl="4"/>
             <a:r>
-              <a:rPr lang="en-US" smtClean="0"/>
+              <a:rPr lang="en-US"/>
               <a:t>Fifth level</a:t>
             </a:r>
-            <a:endParaRPr lang="en-US"/>
           </a:p>
         </p:txBody>
       </p:sp>
@@ -14501,10 +14489,9 @@
           </a:lstStyle>
           <a:p>
             <a:r>
-              <a:rPr lang="en-US" smtClean="0"/>
+              <a:rPr lang="en-US"/>
               <a:t>Click to edit Master title style</a:t>
             </a:r>
-            <a:endParaRPr lang="en-US"/>
           </a:p>
         </p:txBody>
       </p:sp>
@@ -14567,7 +14554,7 @@
           <a:p>
             <a:pPr lvl="0"/>
             <a:r>
-              <a:rPr lang="en-US" smtClean="0"/>
+              <a:rPr lang="en-US"/>
               <a:t>Click to edit Master text styles</a:t>
             </a:r>
           </a:p>
@@ -14623,38 +14610,37 @@
           <a:p>
             <a:pPr lvl="0"/>
             <a:r>
-              <a:rPr lang="en-US" smtClean="0"/>
+              <a:rPr lang="en-US"/>
               <a:t>Click to edit Master text styles</a:t>
             </a:r>
           </a:p>
           <a:p>
             <a:pPr lvl="1"/>
             <a:r>
-              <a:rPr lang="en-US" smtClean="0"/>
+              <a:rPr lang="en-US"/>
               <a:t>Second level</a:t>
             </a:r>
           </a:p>
           <a:p>
             <a:pPr lvl="2"/>
             <a:r>
-              <a:rPr lang="en-US" smtClean="0"/>
+              <a:rPr lang="en-US"/>
               <a:t>Third level</a:t>
             </a:r>
           </a:p>
           <a:p>
             <a:pPr lvl="3"/>
             <a:r>
-              <a:rPr lang="en-US" smtClean="0"/>
+              <a:rPr lang="en-US"/>
               <a:t>Fourth level</a:t>
             </a:r>
           </a:p>
           <a:p>
             <a:pPr lvl="4"/>
             <a:r>
-              <a:rPr lang="en-US" smtClean="0"/>
+              <a:rPr lang="en-US"/>
               <a:t>Fifth level</a:t>
             </a:r>
-            <a:endParaRPr lang="en-US"/>
           </a:p>
         </p:txBody>
       </p:sp>
@@ -14717,7 +14703,7 @@
           <a:p>
             <a:pPr lvl="0"/>
             <a:r>
-              <a:rPr lang="en-US" smtClean="0"/>
+              <a:rPr lang="en-US"/>
               <a:t>Click to edit Master text styles</a:t>
             </a:r>
           </a:p>
@@ -14773,38 +14759,37 @@
           <a:p>
             <a:pPr lvl="0"/>
             <a:r>
-              <a:rPr lang="en-US" smtClean="0"/>
+              <a:rPr lang="en-US"/>
               <a:t>Click to edit Master text styles</a:t>
             </a:r>
           </a:p>
           <a:p>
             <a:pPr lvl="1"/>
             <a:r>
-              <a:rPr lang="en-US" smtClean="0"/>
+              <a:rPr lang="en-US"/>
               <a:t>Second level</a:t>
             </a:r>
           </a:p>
           <a:p>
             <a:pPr lvl="2"/>
             <a:r>
-              <a:rPr lang="en-US" smtClean="0"/>
+              <a:rPr lang="en-US"/>
               <a:t>Third level</a:t>
             </a:r>
           </a:p>
           <a:p>
             <a:pPr lvl="3"/>
             <a:r>
-              <a:rPr lang="en-US" smtClean="0"/>
+              <a:rPr lang="en-US"/>
               <a:t>Fourth level</a:t>
             </a:r>
           </a:p>
           <a:p>
             <a:pPr lvl="4"/>
             <a:r>
-              <a:rPr lang="en-US" smtClean="0"/>
+              <a:rPr lang="en-US"/>
               <a:t>Fifth level</a:t>
             </a:r>
-            <a:endParaRPr lang="en-US"/>
           </a:p>
         </p:txBody>
       </p:sp>
@@ -14943,10 +14928,9 @@
           <a:lstStyle/>
           <a:p>
             <a:r>
-              <a:rPr lang="en-US" smtClean="0"/>
+              <a:rPr lang="en-US"/>
               <a:t>Click to edit Master title style</a:t>
             </a:r>
-            <a:endParaRPr lang="en-US"/>
           </a:p>
         </p:txBody>
       </p:sp>
@@ -15213,10 +15197,9 @@
           </a:lstStyle>
           <a:p>
             <a:r>
-              <a:rPr lang="en-US" smtClean="0"/>
+              <a:rPr lang="en-US"/>
               <a:t>Click to edit Master title style</a:t>
             </a:r>
-            <a:endParaRPr lang="en-US"/>
           </a:p>
         </p:txBody>
       </p:sp>
@@ -15270,38 +15253,37 @@
           <a:p>
             <a:pPr lvl="0"/>
             <a:r>
-              <a:rPr lang="en-US" smtClean="0"/>
+              <a:rPr lang="en-US"/>
               <a:t>Click to edit Master text styles</a:t>
             </a:r>
           </a:p>
           <a:p>
             <a:pPr lvl="1"/>
             <a:r>
-              <a:rPr lang="en-US" smtClean="0"/>
+              <a:rPr lang="en-US"/>
               <a:t>Second level</a:t>
             </a:r>
           </a:p>
           <a:p>
             <a:pPr lvl="2"/>
             <a:r>
-              <a:rPr lang="en-US" smtClean="0"/>
+              <a:rPr lang="en-US"/>
               <a:t>Third level</a:t>
             </a:r>
           </a:p>
           <a:p>
             <a:pPr lvl="3"/>
             <a:r>
-              <a:rPr lang="en-US" smtClean="0"/>
+              <a:rPr lang="en-US"/>
               <a:t>Fourth level</a:t>
             </a:r>
           </a:p>
           <a:p>
             <a:pPr lvl="4"/>
             <a:r>
-              <a:rPr lang="en-US" smtClean="0"/>
+              <a:rPr lang="en-US"/>
               <a:t>Fifth level</a:t>
             </a:r>
-            <a:endParaRPr lang="en-US"/>
           </a:p>
         </p:txBody>
       </p:sp>
@@ -15364,7 +15346,7 @@
           <a:p>
             <a:pPr lvl="0"/>
             <a:r>
-              <a:rPr lang="en-US" smtClean="0"/>
+              <a:rPr lang="en-US"/>
               <a:t>Click to edit Master text styles</a:t>
             </a:r>
           </a:p>
@@ -15505,10 +15487,9 @@
           <a:lstStyle/>
           <a:p>
             <a:r>
-              <a:rPr lang="en-US" dirty="0" smtClean="0"/>
+              <a:rPr lang="en-US" dirty="0"/>
               <a:t>Click to edit Master title style</a:t>
             </a:r>
-            <a:endParaRPr lang="en-US" dirty="0"/>
           </a:p>
         </p:txBody>
       </p:sp>
@@ -15529,38 +15510,37 @@
           <a:p>
             <a:pPr lvl="0"/>
             <a:r>
-              <a:rPr lang="en-US" smtClean="0"/>
+              <a:rPr lang="en-US"/>
               <a:t>Click to edit Master text styles</a:t>
             </a:r>
           </a:p>
           <a:p>
             <a:pPr lvl="1"/>
             <a:r>
-              <a:rPr lang="en-US" smtClean="0"/>
+              <a:rPr lang="en-US"/>
               <a:t>Second level</a:t>
             </a:r>
           </a:p>
           <a:p>
             <a:pPr lvl="2"/>
             <a:r>
-              <a:rPr lang="en-US" smtClean="0"/>
+              <a:rPr lang="en-US"/>
               <a:t>Third level</a:t>
             </a:r>
           </a:p>
           <a:p>
             <a:pPr lvl="3"/>
             <a:r>
-              <a:rPr lang="en-US" smtClean="0"/>
+              <a:rPr lang="en-US"/>
               <a:t>Fourth level</a:t>
             </a:r>
           </a:p>
           <a:p>
             <a:pPr lvl="4"/>
             <a:r>
-              <a:rPr lang="en-US" smtClean="0"/>
+              <a:rPr lang="en-US"/>
               <a:t>Fifth level</a:t>
             </a:r>
-            <a:endParaRPr lang="en-US"/>
           </a:p>
         </p:txBody>
       </p:sp>
@@ -15652,10 +15632,9 @@
           </a:lstStyle>
           <a:p>
             <a:r>
-              <a:rPr lang="en-US" smtClean="0"/>
+              <a:rPr lang="en-US"/>
               <a:t>Click to edit Master title style</a:t>
             </a:r>
-            <a:endParaRPr lang="en-US"/>
           </a:p>
         </p:txBody>
       </p:sp>
@@ -15717,7 +15696,7 @@
           </a:lstStyle>
           <a:p>
             <a:pPr lvl="0"/>
-            <a:endParaRPr lang="en-US" noProof="0" dirty="0" smtClean="0"/>
+            <a:endParaRPr lang="en-US" noProof="0" dirty="0"/>
           </a:p>
         </p:txBody>
       </p:sp>
@@ -15780,7 +15759,7 @@
           <a:p>
             <a:pPr lvl="0"/>
             <a:r>
-              <a:rPr lang="en-US" smtClean="0"/>
+              <a:rPr lang="en-US"/>
               <a:t>Click to edit Master text styles</a:t>
             </a:r>
           </a:p>
@@ -15921,10 +15900,9 @@
           <a:lstStyle/>
           <a:p>
             <a:r>
-              <a:rPr lang="en-US" smtClean="0"/>
+              <a:rPr lang="en-US"/>
               <a:t>Click to edit Master title style</a:t>
             </a:r>
-            <a:endParaRPr lang="en-US"/>
           </a:p>
         </p:txBody>
       </p:sp>
@@ -15945,38 +15923,37 @@
           <a:p>
             <a:pPr lvl="0"/>
             <a:r>
-              <a:rPr lang="en-US" smtClean="0"/>
+              <a:rPr lang="en-US"/>
               <a:t>Click to edit Master text styles</a:t>
             </a:r>
           </a:p>
           <a:p>
             <a:pPr lvl="1"/>
             <a:r>
-              <a:rPr lang="en-US" smtClean="0"/>
+              <a:rPr lang="en-US"/>
               <a:t>Second level</a:t>
             </a:r>
           </a:p>
           <a:p>
             <a:pPr lvl="2"/>
             <a:r>
-              <a:rPr lang="en-US" smtClean="0"/>
+              <a:rPr lang="en-US"/>
               <a:t>Third level</a:t>
             </a:r>
           </a:p>
           <a:p>
             <a:pPr lvl="3"/>
             <a:r>
-              <a:rPr lang="en-US" smtClean="0"/>
+              <a:rPr lang="en-US"/>
               <a:t>Fourth level</a:t>
             </a:r>
           </a:p>
           <a:p>
             <a:pPr lvl="4"/>
             <a:r>
-              <a:rPr lang="en-US" smtClean="0"/>
+              <a:rPr lang="en-US"/>
               <a:t>Fifth level</a:t>
             </a:r>
-            <a:endParaRPr lang="en-US"/>
           </a:p>
         </p:txBody>
       </p:sp>
@@ -16120,10 +16097,9 @@
           <a:lstStyle/>
           <a:p>
             <a:r>
-              <a:rPr lang="en-US" smtClean="0"/>
+              <a:rPr lang="en-US"/>
               <a:t>Click to edit Master title style</a:t>
             </a:r>
-            <a:endParaRPr lang="en-US"/>
           </a:p>
         </p:txBody>
       </p:sp>
@@ -16149,38 +16125,37 @@
           <a:p>
             <a:pPr lvl="0"/>
             <a:r>
-              <a:rPr lang="en-US" smtClean="0"/>
+              <a:rPr lang="en-US"/>
               <a:t>Click to edit Master text styles</a:t>
             </a:r>
           </a:p>
           <a:p>
             <a:pPr lvl="1"/>
             <a:r>
-              <a:rPr lang="en-US" smtClean="0"/>
+              <a:rPr lang="en-US"/>
               <a:t>Second level</a:t>
             </a:r>
           </a:p>
           <a:p>
             <a:pPr lvl="2"/>
             <a:r>
-              <a:rPr lang="en-US" smtClean="0"/>
+              <a:rPr lang="en-US"/>
               <a:t>Third level</a:t>
             </a:r>
           </a:p>
           <a:p>
             <a:pPr lvl="3"/>
             <a:r>
-              <a:rPr lang="en-US" smtClean="0"/>
+              <a:rPr lang="en-US"/>
               <a:t>Fourth level</a:t>
             </a:r>
           </a:p>
           <a:p>
             <a:pPr lvl="4"/>
             <a:r>
-              <a:rPr lang="en-US" smtClean="0"/>
+              <a:rPr lang="en-US"/>
               <a:t>Fifth level</a:t>
             </a:r>
-            <a:endParaRPr lang="en-US"/>
           </a:p>
         </p:txBody>
       </p:sp>
@@ -16328,10 +16303,9 @@
           </a:lstStyle>
           <a:p>
             <a:r>
-              <a:rPr lang="en-US" smtClean="0"/>
+              <a:rPr lang="en-US"/>
               <a:t>Click to edit Master title style</a:t>
             </a:r>
-            <a:endParaRPr lang="en-US"/>
           </a:p>
         </p:txBody>
       </p:sp>
@@ -16394,7 +16368,7 @@
           <a:p>
             <a:pPr lvl="0"/>
             <a:r>
-              <a:rPr lang="en-US" smtClean="0"/>
+              <a:rPr lang="en-US"/>
               <a:t>Click to edit Master text styles</a:t>
             </a:r>
           </a:p>
@@ -16476,10 +16450,9 @@
           <a:lstStyle/>
           <a:p>
             <a:r>
-              <a:rPr lang="en-US" smtClean="0"/>
+              <a:rPr lang="en-US"/>
               <a:t>Click to edit Master title style</a:t>
             </a:r>
-            <a:endParaRPr lang="en-US"/>
           </a:p>
         </p:txBody>
       </p:sp>
@@ -16533,38 +16506,37 @@
           <a:p>
             <a:pPr lvl="0"/>
             <a:r>
-              <a:rPr lang="en-US" smtClean="0"/>
+              <a:rPr lang="en-US"/>
               <a:t>Click to edit Master text styles</a:t>
             </a:r>
           </a:p>
           <a:p>
             <a:pPr lvl="1"/>
             <a:r>
-              <a:rPr lang="en-US" smtClean="0"/>
+              <a:rPr lang="en-US"/>
               <a:t>Second level</a:t>
             </a:r>
           </a:p>
           <a:p>
             <a:pPr lvl="2"/>
             <a:r>
-              <a:rPr lang="en-US" smtClean="0"/>
+              <a:rPr lang="en-US"/>
               <a:t>Third level</a:t>
             </a:r>
           </a:p>
           <a:p>
             <a:pPr lvl="3"/>
             <a:r>
-              <a:rPr lang="en-US" smtClean="0"/>
+              <a:rPr lang="en-US"/>
               <a:t>Fourth level</a:t>
             </a:r>
           </a:p>
           <a:p>
             <a:pPr lvl="4"/>
             <a:r>
-              <a:rPr lang="en-US" smtClean="0"/>
+              <a:rPr lang="en-US"/>
               <a:t>Fifth level</a:t>
             </a:r>
-            <a:endParaRPr lang="en-US"/>
           </a:p>
         </p:txBody>
       </p:sp>
@@ -16618,38 +16590,37 @@
           <a:p>
             <a:pPr lvl="0"/>
             <a:r>
-              <a:rPr lang="en-US" smtClean="0"/>
+              <a:rPr lang="en-US"/>
               <a:t>Click to edit Master text styles</a:t>
             </a:r>
           </a:p>
           <a:p>
             <a:pPr lvl="1"/>
             <a:r>
-              <a:rPr lang="en-US" smtClean="0"/>
+              <a:rPr lang="en-US"/>
               <a:t>Second level</a:t>
             </a:r>
           </a:p>
           <a:p>
             <a:pPr lvl="2"/>
             <a:r>
-              <a:rPr lang="en-US" smtClean="0"/>
+              <a:rPr lang="en-US"/>
               <a:t>Third level</a:t>
             </a:r>
           </a:p>
           <a:p>
             <a:pPr lvl="3"/>
             <a:r>
-              <a:rPr lang="en-US" smtClean="0"/>
+              <a:rPr lang="en-US"/>
               <a:t>Fourth level</a:t>
             </a:r>
           </a:p>
           <a:p>
             <a:pPr lvl="4"/>
             <a:r>
-              <a:rPr lang="en-US" smtClean="0"/>
+              <a:rPr lang="en-US"/>
               <a:t>Fifth level</a:t>
             </a:r>
-            <a:endParaRPr lang="en-US"/>
           </a:p>
         </p:txBody>
       </p:sp>
@@ -16738,10 +16709,9 @@
           </a:lstStyle>
           <a:p>
             <a:r>
-              <a:rPr lang="en-US" smtClean="0"/>
+              <a:rPr lang="en-US"/>
               <a:t>Click to edit Master title style</a:t>
             </a:r>
-            <a:endParaRPr lang="en-US"/>
           </a:p>
         </p:txBody>
       </p:sp>
@@ -16804,7 +16774,7 @@
           <a:p>
             <a:pPr lvl="0"/>
             <a:r>
-              <a:rPr lang="en-US" smtClean="0"/>
+              <a:rPr lang="en-US"/>
               <a:t>Click to edit Master text styles</a:t>
             </a:r>
           </a:p>
@@ -16860,38 +16830,37 @@
           <a:p>
             <a:pPr lvl="0"/>
             <a:r>
-              <a:rPr lang="en-US" smtClean="0"/>
+              <a:rPr lang="en-US"/>
               <a:t>Click to edit Master text styles</a:t>
             </a:r>
           </a:p>
           <a:p>
             <a:pPr lvl="1"/>
             <a:r>
-              <a:rPr lang="en-US" smtClean="0"/>
+              <a:rPr lang="en-US"/>
               <a:t>Second level</a:t>
             </a:r>
           </a:p>
           <a:p>
             <a:pPr lvl="2"/>
             <a:r>
-              <a:rPr lang="en-US" smtClean="0"/>
+              <a:rPr lang="en-US"/>
               <a:t>Third level</a:t>
             </a:r>
           </a:p>
           <a:p>
             <a:pPr lvl="3"/>
             <a:r>
-              <a:rPr lang="en-US" smtClean="0"/>
+              <a:rPr lang="en-US"/>
               <a:t>Fourth level</a:t>
             </a:r>
           </a:p>
           <a:p>
             <a:pPr lvl="4"/>
             <a:r>
-              <a:rPr lang="en-US" smtClean="0"/>
+              <a:rPr lang="en-US"/>
               <a:t>Fifth level</a:t>
             </a:r>
-            <a:endParaRPr lang="en-US"/>
           </a:p>
         </p:txBody>
       </p:sp>
@@ -16954,7 +16923,7 @@
           <a:p>
             <a:pPr lvl="0"/>
             <a:r>
-              <a:rPr lang="en-US" smtClean="0"/>
+              <a:rPr lang="en-US"/>
               <a:t>Click to edit Master text styles</a:t>
             </a:r>
           </a:p>
@@ -17010,38 +16979,37 @@
           <a:p>
             <a:pPr lvl="0"/>
             <a:r>
-              <a:rPr lang="en-US" smtClean="0"/>
+              <a:rPr lang="en-US"/>
               <a:t>Click to edit Master text styles</a:t>
             </a:r>
           </a:p>
           <a:p>
             <a:pPr lvl="1"/>
             <a:r>
-              <a:rPr lang="en-US" smtClean="0"/>
+              <a:rPr lang="en-US"/>
               <a:t>Second level</a:t>
             </a:r>
           </a:p>
           <a:p>
             <a:pPr lvl="2"/>
             <a:r>
-              <a:rPr lang="en-US" smtClean="0"/>
+              <a:rPr lang="en-US"/>
               <a:t>Third level</a:t>
             </a:r>
           </a:p>
           <a:p>
             <a:pPr lvl="3"/>
             <a:r>
-              <a:rPr lang="en-US" smtClean="0"/>
+              <a:rPr lang="en-US"/>
               <a:t>Fourth level</a:t>
             </a:r>
           </a:p>
           <a:p>
             <a:pPr lvl="4"/>
             <a:r>
-              <a:rPr lang="en-US" smtClean="0"/>
+              <a:rPr lang="en-US"/>
               <a:t>Fifth level</a:t>
             </a:r>
-            <a:endParaRPr lang="en-US"/>
           </a:p>
         </p:txBody>
       </p:sp>
@@ -17121,10 +17089,9 @@
           <a:lstStyle/>
           <a:p>
             <a:r>
-              <a:rPr lang="en-US" smtClean="0"/>
+              <a:rPr lang="en-US"/>
               <a:t>Click to edit Master title style</a:t>
             </a:r>
-            <a:endParaRPr lang="en-US"/>
           </a:p>
         </p:txBody>
       </p:sp>
@@ -17304,10 +17271,9 @@
           </a:lstStyle>
           <a:p>
             <a:r>
-              <a:rPr lang="en-US" smtClean="0"/>
+              <a:rPr lang="en-US"/>
               <a:t>Click to edit Master title style</a:t>
             </a:r>
-            <a:endParaRPr lang="en-US"/>
           </a:p>
         </p:txBody>
       </p:sp>
@@ -17361,38 +17327,37 @@
           <a:p>
             <a:pPr lvl="0"/>
             <a:r>
-              <a:rPr lang="en-US" smtClean="0"/>
+              <a:rPr lang="en-US"/>
               <a:t>Click to edit Master text styles</a:t>
             </a:r>
           </a:p>
           <a:p>
             <a:pPr lvl="1"/>
             <a:r>
-              <a:rPr lang="en-US" smtClean="0"/>
+              <a:rPr lang="en-US"/>
               <a:t>Second level</a:t>
             </a:r>
           </a:p>
           <a:p>
             <a:pPr lvl="2"/>
             <a:r>
-              <a:rPr lang="en-US" smtClean="0"/>
+              <a:rPr lang="en-US"/>
               <a:t>Third level</a:t>
             </a:r>
           </a:p>
           <a:p>
             <a:pPr lvl="3"/>
             <a:r>
-              <a:rPr lang="en-US" smtClean="0"/>
+              <a:rPr lang="en-US"/>
               <a:t>Fourth level</a:t>
             </a:r>
           </a:p>
           <a:p>
             <a:pPr lvl="4"/>
             <a:r>
-              <a:rPr lang="en-US" smtClean="0"/>
+              <a:rPr lang="en-US"/>
               <a:t>Fifth level</a:t>
             </a:r>
-            <a:endParaRPr lang="en-US"/>
           </a:p>
         </p:txBody>
       </p:sp>
@@ -17455,7 +17420,7 @@
           <a:p>
             <a:pPr lvl="0"/>
             <a:r>
-              <a:rPr lang="en-US" smtClean="0"/>
+              <a:rPr lang="en-US"/>
               <a:t>Click to edit Master text styles</a:t>
             </a:r>
           </a:p>
@@ -17577,10 +17542,9 @@
           </a:lstStyle>
           <a:p>
             <a:r>
-              <a:rPr lang="en-US" smtClean="0"/>
+              <a:rPr lang="en-US"/>
               <a:t>Click to edit Master title style</a:t>
             </a:r>
-            <a:endParaRPr lang="en-US"/>
           </a:p>
         </p:txBody>
       </p:sp>
@@ -17642,7 +17606,7 @@
           </a:lstStyle>
           <a:p>
             <a:pPr lvl="0"/>
-            <a:endParaRPr lang="en-US" noProof="0" dirty="0" smtClean="0"/>
+            <a:endParaRPr lang="en-US" noProof="0" dirty="0"/>
           </a:p>
         </p:txBody>
       </p:sp>
@@ -17705,7 +17669,7 @@
           <a:p>
             <a:pPr lvl="0"/>
             <a:r>
-              <a:rPr lang="en-US" smtClean="0"/>
+              <a:rPr lang="en-US"/>
               <a:t>Click to edit Master text styles</a:t>
             </a:r>
           </a:p>
@@ -17862,7 +17826,7 @@
           <a:p>
             <a:pPr lvl="0"/>
             <a:r>
-              <a:rPr lang="en-US" altLang="en-US" smtClean="0"/>
+              <a:rPr lang="en-US" altLang="en-US"/>
               <a:t>Click to edit Master title style</a:t>
             </a:r>
           </a:p>
@@ -17920,28 +17884,28 @@
           <a:p>
             <a:pPr lvl="0"/>
             <a:r>
-              <a:rPr lang="en-US" altLang="en-US" smtClean="0"/>
+              <a:rPr lang="en-US" altLang="en-US"/>
               <a:t>Click to edit Master text styles</a:t>
             </a:r>
           </a:p>
           <a:p>
             <a:pPr lvl="1"/>
             <a:r>
-              <a:rPr lang="en-US" altLang="en-US" smtClean="0"/>
+              <a:rPr lang="en-US" altLang="en-US"/>
               <a:t>Second level</a:t>
             </a:r>
           </a:p>
           <a:p>
             <a:pPr lvl="2"/>
             <a:r>
-              <a:rPr lang="en-US" altLang="en-US" smtClean="0"/>
+              <a:rPr lang="en-US" altLang="en-US"/>
               <a:t>Third level</a:t>
             </a:r>
           </a:p>
           <a:p>
             <a:pPr lvl="3"/>
             <a:r>
-              <a:rPr lang="en-US" altLang="en-US" smtClean="0"/>
+              <a:rPr lang="en-US" altLang="en-US"/>
               <a:t>Fourth level</a:t>
             </a:r>
           </a:p>
@@ -18539,7 +18503,7 @@
           <a:p>
             <a:pPr lvl="0"/>
             <a:r>
-              <a:rPr lang="en-US" altLang="en-US" smtClean="0"/>
+              <a:rPr lang="en-US" altLang="en-US"/>
               <a:t>Click to edit Master title style</a:t>
             </a:r>
           </a:p>
@@ -18597,28 +18561,28 @@
           <a:p>
             <a:pPr lvl="0"/>
             <a:r>
-              <a:rPr lang="en-US" altLang="en-US" smtClean="0"/>
+              <a:rPr lang="en-US" altLang="en-US"/>
               <a:t>Click to edit Master text styles</a:t>
             </a:r>
           </a:p>
           <a:p>
             <a:pPr lvl="1"/>
             <a:r>
-              <a:rPr lang="en-US" altLang="en-US" smtClean="0"/>
+              <a:rPr lang="en-US" altLang="en-US"/>
               <a:t>Second level</a:t>
             </a:r>
           </a:p>
           <a:p>
             <a:pPr lvl="2"/>
             <a:r>
-              <a:rPr lang="en-US" altLang="en-US" smtClean="0"/>
+              <a:rPr lang="en-US" altLang="en-US"/>
               <a:t>Third level</a:t>
             </a:r>
           </a:p>
           <a:p>
             <a:pPr lvl="3"/>
             <a:r>
-              <a:rPr lang="en-US" altLang="en-US" smtClean="0"/>
+              <a:rPr lang="en-US" altLang="en-US"/>
               <a:t>Fourth level</a:t>
             </a:r>
           </a:p>
@@ -19211,7 +19175,7 @@
           <a:lstStyle/>
           <a:p>
             <a:r>
-              <a:rPr lang="en-US" altLang="en-US" smtClean="0"/>
+              <a:rPr lang="en-US" altLang="en-US"/>
               <a:t>Attacks Using Malware</a:t>
             </a:r>
           </a:p>
@@ -19233,39 +19197,39 @@
           <a:lstStyle/>
           <a:p>
             <a:r>
-              <a:rPr lang="en-US" altLang="en-US" smtClean="0"/>
+              <a:rPr lang="en-US" altLang="en-US"/>
               <a:t>Enters a computer system:</a:t>
             </a:r>
           </a:p>
           <a:p>
             <a:pPr lvl="1"/>
             <a:r>
-              <a:rPr lang="en-US" altLang="en-US" smtClean="0"/>
+              <a:rPr lang="en-US" altLang="en-US"/>
               <a:t>Without the owner’s knowledge or consent</a:t>
             </a:r>
           </a:p>
           <a:p>
-            <a:endParaRPr lang="en-US" altLang="en-US" smtClean="0"/>
-          </a:p>
-          <a:p>
-            <a:r>
-              <a:rPr lang="en-US" altLang="en-US" smtClean="0"/>
+            <a:endParaRPr lang="en-US" altLang="en-US"/>
+          </a:p>
+          <a:p>
+            <a:r>
+              <a:rPr lang="en-US" altLang="en-US"/>
               <a:t>Uses a threat vector to deliver “payload” </a:t>
             </a:r>
           </a:p>
           <a:p>
             <a:pPr lvl="1"/>
             <a:r>
-              <a:rPr lang="en-US" altLang="en-US" smtClean="0"/>
+              <a:rPr lang="en-US" altLang="en-US"/>
               <a:t>performs a harmful function once it is invoked</a:t>
             </a:r>
           </a:p>
           <a:p>
-            <a:endParaRPr lang="en-US" altLang="en-US" smtClean="0"/>
-          </a:p>
-          <a:p>
-            <a:r>
-              <a:rPr lang="en-US" altLang="en-US" smtClean="0"/>
+            <a:endParaRPr lang="en-US" altLang="en-US"/>
+          </a:p>
+          <a:p>
+            <a:r>
+              <a:rPr lang="en-US" altLang="en-US"/>
               <a:t>Malware is a general term that refers to a wide variety of damaging or annoying software</a:t>
             </a:r>
           </a:p>
@@ -19749,7 +19713,7 @@
           <a:lstStyle/>
           <a:p>
             <a:r>
-              <a:rPr lang="en-US" altLang="en-US" smtClean="0"/>
+              <a:rPr lang="en-US" altLang="en-US"/>
               <a:t>Worms</a:t>
             </a:r>
           </a:p>
@@ -19771,67 +19735,67 @@
           <a:lstStyle/>
           <a:p>
             <a:r>
-              <a:rPr lang="en-US" altLang="en-US" b="1" smtClean="0"/>
+              <a:rPr lang="en-US" altLang="en-US" b="1"/>
               <a:t>Worm</a:t>
             </a:r>
             <a:r>
-              <a:rPr lang="en-US" altLang="en-US" smtClean="0"/>
+              <a:rPr lang="en-US" altLang="en-US"/>
               <a:t> - Uses a computer network to replicate</a:t>
             </a:r>
           </a:p>
           <a:p>
             <a:pPr lvl="1"/>
             <a:r>
-              <a:rPr lang="en-US" altLang="en-US" smtClean="0"/>
+              <a:rPr lang="en-US" altLang="en-US"/>
               <a:t>Sends copies of itself to other network devices</a:t>
             </a:r>
           </a:p>
           <a:p>
             <a:pPr lvl="1"/>
-            <a:endParaRPr lang="en-US" altLang="en-US" smtClean="0"/>
-          </a:p>
-          <a:p>
-            <a:r>
-              <a:rPr lang="en-US" altLang="en-US" smtClean="0"/>
+            <a:endParaRPr lang="en-US" altLang="en-US"/>
+          </a:p>
+          <a:p>
+            <a:r>
+              <a:rPr lang="en-US" altLang="en-US"/>
               <a:t>Worms may:</a:t>
             </a:r>
           </a:p>
           <a:p>
             <a:pPr lvl="1"/>
             <a:r>
-              <a:rPr lang="en-US" altLang="en-US" smtClean="0"/>
+              <a:rPr lang="en-US" altLang="en-US"/>
               <a:t>Consume resources</a:t>
             </a:r>
-            <a:endParaRPr lang="en-US" altLang="en-US" i="1" smtClean="0"/>
+            <a:endParaRPr lang="en-US" altLang="en-US" i="1"/>
           </a:p>
           <a:p>
             <a:pPr lvl="1"/>
             <a:r>
-              <a:rPr lang="en-US" altLang="en-US" smtClean="0"/>
+              <a:rPr lang="en-US" altLang="en-US"/>
               <a:t>Leave behind a payload to harm infected systems</a:t>
             </a:r>
           </a:p>
           <a:p>
             <a:pPr lvl="1"/>
-            <a:endParaRPr lang="en-US" altLang="en-US" smtClean="0"/>
-          </a:p>
-          <a:p>
-            <a:r>
-              <a:rPr lang="en-US" altLang="en-US" smtClean="0"/>
+            <a:endParaRPr lang="en-US" altLang="en-US"/>
+          </a:p>
+          <a:p>
+            <a:r>
+              <a:rPr lang="en-US" altLang="en-US"/>
               <a:t>Examples of worm actions</a:t>
             </a:r>
           </a:p>
           <a:p>
             <a:pPr lvl="1"/>
             <a:r>
-              <a:rPr lang="en-US" altLang="en-US" smtClean="0"/>
+              <a:rPr lang="en-US" altLang="en-US"/>
               <a:t>Deleting computer files</a:t>
             </a:r>
           </a:p>
           <a:p>
             <a:pPr lvl="1"/>
             <a:r>
-              <a:rPr lang="en-US" altLang="en-US" smtClean="0"/>
+              <a:rPr lang="en-US" altLang="en-US"/>
               <a:t>Allowing remote control of a computer by an attacker</a:t>
             </a:r>
           </a:p>
@@ -20462,7 +20426,7 @@
           <a:lstStyle/>
           <a:p>
             <a:r>
-              <a:rPr lang="en-US" altLang="en-US" smtClean="0"/>
+              <a:rPr lang="en-US" altLang="en-US"/>
               <a:t>Trojans</a:t>
             </a:r>
           </a:p>
@@ -20484,28 +20448,28 @@
           <a:lstStyle/>
           <a:p>
             <a:r>
-              <a:rPr lang="en-US" altLang="en-US" b="1" smtClean="0"/>
+              <a:rPr lang="en-US" altLang="en-US" b="1"/>
               <a:t>Trojan </a:t>
             </a:r>
           </a:p>
           <a:p>
             <a:pPr lvl="1"/>
             <a:r>
-              <a:rPr lang="en-US" altLang="en-US" smtClean="0"/>
+              <a:rPr lang="en-US" altLang="en-US"/>
               <a:t>executable program that does something other than advertised</a:t>
             </a:r>
           </a:p>
           <a:p>
             <a:pPr lvl="1"/>
             <a:r>
-              <a:rPr lang="en-US" altLang="en-US" smtClean="0"/>
+              <a:rPr lang="en-US" altLang="en-US"/>
               <a:t>Contain hidden code that launches an attack</a:t>
             </a:r>
           </a:p>
           <a:p>
             <a:pPr lvl="1"/>
             <a:r>
-              <a:rPr lang="en-US" altLang="en-US" smtClean="0"/>
+              <a:rPr lang="en-US" altLang="en-US"/>
               <a:t>Sometimes made to appear as data file</a:t>
             </a:r>
           </a:p>
@@ -20514,32 +20478,32 @@
               <a:buFontTx/>
               <a:buNone/>
             </a:pPr>
-            <a:endParaRPr lang="en-US" altLang="en-US" smtClean="0"/>
-          </a:p>
-          <a:p>
-            <a:r>
-              <a:rPr lang="en-US" altLang="en-US" smtClean="0"/>
+            <a:endParaRPr lang="en-US" altLang="en-US"/>
+          </a:p>
+          <a:p>
+            <a:r>
+              <a:rPr lang="en-US" altLang="en-US"/>
               <a:t>Example</a:t>
             </a:r>
           </a:p>
           <a:p>
             <a:pPr lvl="1"/>
             <a:r>
-              <a:rPr lang="en-US" altLang="en-US" smtClean="0"/>
+              <a:rPr lang="en-US" altLang="en-US"/>
               <a:t>User downloads “free calendar program”</a:t>
             </a:r>
           </a:p>
           <a:p>
             <a:pPr lvl="2"/>
             <a:r>
-              <a:rPr lang="en-US" altLang="en-US" smtClean="0"/>
+              <a:rPr lang="en-US" altLang="en-US"/>
               <a:t>Scans system for credit card numbers and passwords</a:t>
             </a:r>
           </a:p>
           <a:p>
             <a:pPr lvl="2"/>
             <a:r>
-              <a:rPr lang="en-US" altLang="en-US" smtClean="0"/>
+              <a:rPr lang="en-US" altLang="en-US"/>
               <a:t>Transmits information to attacker through network</a:t>
             </a:r>
           </a:p>
@@ -21170,7 +21134,7 @@
           <a:lstStyle/>
           <a:p>
             <a:r>
-              <a:rPr lang="en-US" altLang="en-US" smtClean="0"/>
+              <a:rPr lang="en-US" altLang="en-US"/>
               <a:t>Trojans</a:t>
             </a:r>
           </a:p>
@@ -21373,13 +21337,6 @@
   <p:clrMapOvr>
     <a:masterClrMapping/>
   </p:clrMapOvr>
-  <p:timing>
-    <p:tnLst>
-      <p:par>
-        <p:cTn id="1" dur="indefinite" restart="never" nodeType="tmRoot"/>
-      </p:par>
-    </p:tnLst>
-  </p:timing>
 </p:sld>
 </file>
 
@@ -21416,7 +21373,7 @@
           <a:lstStyle/>
           <a:p>
             <a:r>
-              <a:rPr lang="en-US" altLang="en-US" smtClean="0"/>
+              <a:rPr lang="en-US" altLang="en-US"/>
               <a:t>Concealment</a:t>
             </a:r>
           </a:p>
@@ -21443,63 +21400,63 @@
           <a:lstStyle/>
           <a:p>
             <a:r>
-              <a:rPr lang="en-US" altLang="en-US" b="1" smtClean="0"/>
+              <a:rPr lang="en-US" altLang="en-US" b="1"/>
               <a:t>Rootkits</a:t>
             </a:r>
             <a:r>
-              <a:rPr lang="en-US" altLang="en-US" smtClean="0"/>
+              <a:rPr lang="en-US" altLang="en-US"/>
               <a:t> – </a:t>
             </a:r>
           </a:p>
           <a:p>
             <a:pPr lvl="1"/>
             <a:r>
-              <a:rPr lang="en-US" altLang="en-US" smtClean="0"/>
+              <a:rPr lang="en-US" altLang="en-US"/>
               <a:t>software tools used by an attacker to hide actions or presence of other types of malicious software</a:t>
             </a:r>
           </a:p>
           <a:p>
             <a:pPr lvl="1"/>
             <a:r>
-              <a:rPr lang="en-US" altLang="en-US" smtClean="0"/>
+              <a:rPr lang="en-US" altLang="en-US"/>
               <a:t>Hide or remove traces of log-in records, log entries</a:t>
             </a:r>
           </a:p>
           <a:p>
-            <a:endParaRPr lang="en-US" altLang="en-US" smtClean="0"/>
-          </a:p>
-          <a:p>
-            <a:r>
-              <a:rPr lang="en-US" altLang="en-US" smtClean="0"/>
+            <a:endParaRPr lang="en-US" altLang="en-US"/>
+          </a:p>
+          <a:p>
+            <a:r>
+              <a:rPr lang="en-US" altLang="en-US"/>
               <a:t>May alter or replace OS files </a:t>
             </a:r>
           </a:p>
           <a:p>
             <a:pPr lvl="1"/>
             <a:r>
-              <a:rPr lang="en-US" altLang="en-US" smtClean="0"/>
+              <a:rPr lang="en-US" altLang="en-US"/>
               <a:t>with modified versions which ignore malicious activity</a:t>
             </a:r>
           </a:p>
           <a:p>
-            <a:endParaRPr lang="en-US" altLang="en-US" smtClean="0"/>
-          </a:p>
-          <a:p>
-            <a:r>
-              <a:rPr lang="en-US" altLang="en-US" smtClean="0"/>
+            <a:endParaRPr lang="en-US" altLang="en-US"/>
+          </a:p>
+          <a:p>
+            <a:r>
+              <a:rPr lang="en-US" altLang="en-US"/>
               <a:t>Users can’t trust computer that contains a rootkit</a:t>
             </a:r>
           </a:p>
           <a:p>
             <a:pPr lvl="1"/>
             <a:r>
-              <a:rPr lang="en-US" altLang="en-US" smtClean="0"/>
+              <a:rPr lang="en-US" altLang="en-US"/>
               <a:t>Rootkit is in charge/ hides what’s occurring oncomputer</a:t>
             </a:r>
           </a:p>
           <a:p>
             <a:pPr lvl="2"/>
-            <a:endParaRPr lang="en-US" altLang="en-US" smtClean="0"/>
+            <a:endParaRPr lang="en-US" altLang="en-US"/>
           </a:p>
         </p:txBody>
       </p:sp>
@@ -22079,7 +22036,7 @@
           <a:lstStyle/>
           <a:p>
             <a:r>
-              <a:rPr lang="en-US" altLang="en-US" smtClean="0"/>
+              <a:rPr lang="en-US" altLang="en-US"/>
               <a:t>Payload Capabilities</a:t>
             </a:r>
           </a:p>
@@ -22101,44 +22058,44 @@
           <a:lstStyle/>
           <a:p>
             <a:r>
-              <a:rPr lang="en-US" altLang="en-US" smtClean="0"/>
+              <a:rPr lang="en-US" altLang="en-US"/>
               <a:t>The destructive power of malware can be found in its payload capabilities</a:t>
             </a:r>
           </a:p>
           <a:p>
-            <a:endParaRPr lang="en-US" altLang="en-US" smtClean="0"/>
-          </a:p>
-          <a:p>
-            <a:r>
-              <a:rPr lang="en-US" altLang="en-US" smtClean="0"/>
+            <a:endParaRPr lang="en-US" altLang="en-US"/>
+          </a:p>
+          <a:p>
+            <a:r>
+              <a:rPr lang="en-US" altLang="en-US"/>
               <a:t>Primary payload capabilities include:</a:t>
             </a:r>
           </a:p>
           <a:p>
             <a:pPr lvl="1"/>
             <a:r>
-              <a:rPr lang="en-US" altLang="en-US" smtClean="0"/>
+              <a:rPr lang="en-US" altLang="en-US"/>
               <a:t>Collect data</a:t>
             </a:r>
           </a:p>
           <a:p>
             <a:pPr lvl="1"/>
             <a:r>
-              <a:rPr lang="en-US" altLang="en-US" smtClean="0"/>
+              <a:rPr lang="en-US" altLang="en-US"/>
               <a:t>Delete data</a:t>
             </a:r>
           </a:p>
           <a:p>
             <a:pPr lvl="1"/>
             <a:r>
-              <a:rPr lang="en-US" altLang="en-US" smtClean="0"/>
+              <a:rPr lang="en-US" altLang="en-US"/>
               <a:t>Modify system security settings</a:t>
             </a:r>
           </a:p>
           <a:p>
             <a:pPr lvl="1"/>
             <a:r>
-              <a:rPr lang="en-US" altLang="en-US" smtClean="0"/>
+              <a:rPr lang="en-US" altLang="en-US"/>
               <a:t>Launch attacks</a:t>
             </a:r>
           </a:p>
@@ -22671,7 +22628,7 @@
           <a:lstStyle/>
           <a:p>
             <a:r>
-              <a:rPr lang="en-US" altLang="en-US" smtClean="0"/>
+              <a:rPr lang="en-US" altLang="en-US"/>
               <a:t>Collect Data</a:t>
             </a:r>
           </a:p>
@@ -22693,51 +22650,51 @@
           <a:lstStyle/>
           <a:p>
             <a:r>
-              <a:rPr lang="en-US" altLang="en-US" smtClean="0"/>
+              <a:rPr lang="en-US" altLang="en-US"/>
               <a:t>Different types of malware designed to </a:t>
             </a:r>
           </a:p>
           <a:p>
             <a:pPr lvl="1"/>
             <a:r>
-              <a:rPr lang="en-US" altLang="en-US" smtClean="0"/>
+              <a:rPr lang="en-US" altLang="en-US"/>
               <a:t>collect important data from the user’s computer and </a:t>
             </a:r>
           </a:p>
           <a:p>
             <a:pPr lvl="1"/>
             <a:r>
-              <a:rPr lang="en-US" altLang="en-US" smtClean="0"/>
+              <a:rPr lang="en-US" altLang="en-US"/>
               <a:t>make it available to the attacker</a:t>
             </a:r>
           </a:p>
           <a:p>
-            <a:endParaRPr lang="en-US" altLang="en-US" smtClean="0"/>
-          </a:p>
-          <a:p>
-            <a:r>
-              <a:rPr lang="en-US" altLang="en-US" smtClean="0"/>
+            <a:endParaRPr lang="en-US" altLang="en-US"/>
+          </a:p>
+          <a:p>
+            <a:r>
+              <a:rPr lang="en-US" altLang="en-US"/>
               <a:t>This type of malware includes:</a:t>
             </a:r>
           </a:p>
           <a:p>
             <a:pPr lvl="1"/>
             <a:r>
-              <a:rPr lang="en-US" altLang="en-US" smtClean="0"/>
+              <a:rPr lang="en-US" altLang="en-US"/>
               <a:t>Spyware</a:t>
             </a:r>
           </a:p>
           <a:p>
             <a:pPr lvl="1"/>
             <a:r>
-              <a:rPr lang="en-US" altLang="en-US" smtClean="0"/>
+              <a:rPr lang="en-US" altLang="en-US"/>
               <a:t>Adware</a:t>
             </a:r>
           </a:p>
           <a:p>
             <a:pPr lvl="1"/>
             <a:r>
-              <a:rPr lang="en-US" altLang="en-US" smtClean="0"/>
+              <a:rPr lang="en-US" altLang="en-US"/>
               <a:t>Ransomware</a:t>
             </a:r>
           </a:p>
@@ -23324,7 +23281,7 @@
           <a:lstStyle/>
           <a:p>
             <a:r>
-              <a:rPr lang="en-US" altLang="en-US" smtClean="0"/>
+              <a:rPr lang="en-US" altLang="en-US"/>
               <a:t>Collect Data</a:t>
             </a:r>
           </a:p>
@@ -23351,60 +23308,60 @@
           <a:lstStyle/>
           <a:p>
             <a:r>
-              <a:rPr lang="en-US" altLang="en-US" b="1" smtClean="0"/>
+              <a:rPr lang="en-US" altLang="en-US" b="1"/>
               <a:t>Spyware</a:t>
             </a:r>
             <a:r>
-              <a:rPr lang="en-US" altLang="en-US" smtClean="0"/>
+              <a:rPr lang="en-US" altLang="en-US"/>
               <a:t> – </a:t>
             </a:r>
           </a:p>
           <a:p>
             <a:pPr lvl="1"/>
             <a:r>
-              <a:rPr lang="en-US" altLang="en-US" smtClean="0"/>
+              <a:rPr lang="en-US" altLang="en-US"/>
               <a:t>gathers information without user consent</a:t>
             </a:r>
           </a:p>
           <a:p>
             <a:pPr lvl="1"/>
             <a:r>
-              <a:rPr lang="en-US" altLang="en-US" smtClean="0"/>
+              <a:rPr lang="en-US" altLang="en-US"/>
               <a:t>Uses the computer’s resources to collect/distribute personal or sensitive information</a:t>
             </a:r>
           </a:p>
           <a:p>
             <a:pPr lvl="1"/>
-            <a:endParaRPr lang="en-US" altLang="en-US" smtClean="0"/>
-          </a:p>
-          <a:p>
-            <a:r>
-              <a:rPr lang="en-US" altLang="en-US" b="1" smtClean="0"/>
+            <a:endParaRPr lang="en-US" altLang="en-US"/>
+          </a:p>
+          <a:p>
+            <a:r>
+              <a:rPr lang="en-US" altLang="en-US" b="1"/>
               <a:t>Keylogger </a:t>
             </a:r>
             <a:r>
-              <a:rPr lang="en-US" altLang="en-US" smtClean="0"/>
+              <a:rPr lang="en-US" altLang="en-US"/>
               <a:t>– </a:t>
             </a:r>
           </a:p>
           <a:p>
             <a:pPr lvl="1"/>
             <a:r>
-              <a:rPr lang="en-US" altLang="en-US" smtClean="0"/>
+              <a:rPr lang="en-US" altLang="en-US"/>
               <a:t>captures and stores keystrokes</a:t>
             </a:r>
           </a:p>
           <a:p>
             <a:pPr lvl="1"/>
             <a:r>
-              <a:rPr lang="en-US" altLang="en-US" smtClean="0"/>
+              <a:rPr lang="en-US" altLang="en-US"/>
               <a:t>Attacker searches for useful information </a:t>
             </a:r>
           </a:p>
           <a:p>
             <a:pPr lvl="2"/>
             <a:r>
-              <a:rPr lang="en-US" altLang="en-US" smtClean="0"/>
+              <a:rPr lang="en-US" altLang="en-US"/>
               <a:t>passwords, credit card numbers, or personal information</a:t>
             </a:r>
           </a:p>
@@ -23991,7 +23948,7 @@
           <a:lstStyle/>
           <a:p>
             <a:r>
-              <a:rPr lang="en-US" altLang="en-US" smtClean="0"/>
+              <a:rPr lang="en-US" altLang="en-US"/>
               <a:t>Collect Data</a:t>
             </a:r>
           </a:p>
@@ -24018,59 +23975,59 @@
           <a:lstStyle/>
           <a:p>
             <a:r>
-              <a:rPr lang="en-US" altLang="en-US" smtClean="0"/>
+              <a:rPr lang="en-US" altLang="en-US"/>
               <a:t>Keylogger can be a small hardware device or a software program</a:t>
             </a:r>
           </a:p>
           <a:p>
             <a:pPr lvl="1"/>
             <a:r>
-              <a:rPr lang="en-US" altLang="en-US" smtClean="0"/>
+              <a:rPr lang="en-US" altLang="en-US"/>
               <a:t>Hardware device</a:t>
             </a:r>
           </a:p>
           <a:p>
             <a:pPr lvl="2"/>
             <a:r>
-              <a:rPr lang="en-US" altLang="en-US" smtClean="0"/>
+              <a:rPr lang="en-US" altLang="en-US"/>
               <a:t>inserted between keyboard connection and USB port</a:t>
             </a:r>
           </a:p>
           <a:p>
             <a:pPr lvl="1"/>
             <a:r>
-              <a:rPr lang="en-US" altLang="en-US" smtClean="0"/>
+              <a:rPr lang="en-US" altLang="en-US"/>
               <a:t>Software keylogger</a:t>
             </a:r>
           </a:p>
           <a:p>
             <a:pPr lvl="2"/>
             <a:r>
-              <a:rPr lang="en-US" altLang="en-US" smtClean="0"/>
+              <a:rPr lang="en-US" altLang="en-US"/>
               <a:t>programs installed on the computer that captures info</a:t>
             </a:r>
           </a:p>
           <a:p>
             <a:pPr lvl="2"/>
-            <a:endParaRPr lang="en-US" altLang="en-US" smtClean="0"/>
-          </a:p>
-          <a:p>
-            <a:r>
-              <a:rPr lang="en-US" altLang="en-US" smtClean="0"/>
+            <a:endParaRPr lang="en-US" altLang="en-US"/>
+          </a:p>
+          <a:p>
+            <a:r>
+              <a:rPr lang="en-US" altLang="en-US"/>
               <a:t>Advantage of software keyloggers - they do not require physical access to the user’s computer</a:t>
             </a:r>
           </a:p>
           <a:p>
             <a:pPr lvl="1"/>
             <a:r>
-              <a:rPr lang="en-US" altLang="en-US" smtClean="0"/>
+              <a:rPr lang="en-US" altLang="en-US"/>
               <a:t>Often installed as a Trojan or virus, </a:t>
             </a:r>
           </a:p>
           <a:p>
             <a:pPr lvl="1"/>
             <a:r>
-              <a:rPr lang="en-US" altLang="en-US" smtClean="0"/>
+              <a:rPr lang="en-US" altLang="en-US"/>
               <a:t>can send captured data to the attacker via Internet</a:t>
             </a:r>
           </a:p>
@@ -24706,7 +24663,7 @@
           <a:lstStyle/>
           <a:p>
             <a:r>
-              <a:rPr lang="en-US" altLang="en-US" smtClean="0"/>
+              <a:rPr lang="en-US" altLang="en-US"/>
               <a:t>Collect Data</a:t>
             </a:r>
           </a:p>
@@ -24909,13 +24866,6 @@
   <p:clrMapOvr>
     <a:masterClrMapping/>
   </p:clrMapOvr>
-  <p:timing>
-    <p:tnLst>
-      <p:par>
-        <p:cTn id="1" dur="indefinite" restart="never" nodeType="tmRoot"/>
-      </p:par>
-    </p:tnLst>
-  </p:timing>
 </p:sld>
 </file>
 
@@ -24957,7 +24907,7 @@
           <a:lstStyle/>
           <a:p>
             <a:r>
-              <a:rPr lang="en-US" altLang="en-US" smtClean="0"/>
+              <a:rPr lang="en-US" altLang="en-US"/>
               <a:t>Collect Data</a:t>
             </a:r>
           </a:p>
@@ -24984,43 +24934,43 @@
           <a:lstStyle/>
           <a:p>
             <a:r>
-              <a:rPr lang="en-US" altLang="en-US" b="1" smtClean="0"/>
+              <a:rPr lang="en-US" altLang="en-US" b="1"/>
               <a:t>Adware </a:t>
             </a:r>
-            <a:endParaRPr lang="en-US" altLang="en-US" smtClean="0"/>
+            <a:endParaRPr lang="en-US" altLang="en-US"/>
           </a:p>
           <a:p>
             <a:pPr lvl="1"/>
             <a:r>
-              <a:rPr lang="en-US" altLang="en-US" smtClean="0"/>
+              <a:rPr lang="en-US" altLang="en-US"/>
               <a:t>Delivers advertising content unexpected and unwanted by the user</a:t>
             </a:r>
           </a:p>
           <a:p>
             <a:pPr lvl="1"/>
             <a:r>
-              <a:rPr lang="en-US" altLang="en-US" smtClean="0"/>
+              <a:rPr lang="en-US" altLang="en-US"/>
               <a:t>Typically displays advertising banners and pop-up ads</a:t>
             </a:r>
           </a:p>
           <a:p>
             <a:pPr lvl="1"/>
             <a:r>
-              <a:rPr lang="en-US" altLang="en-US" smtClean="0"/>
+              <a:rPr lang="en-US" altLang="en-US"/>
               <a:t>May open new browser windows randomly</a:t>
             </a:r>
           </a:p>
           <a:p>
             <a:pPr lvl="1"/>
             <a:r>
-              <a:rPr lang="en-US" altLang="en-US" smtClean="0"/>
+              <a:rPr lang="en-US" altLang="en-US"/>
               <a:t>Can also perform tracking of online activities</a:t>
             </a:r>
           </a:p>
           <a:p>
             <a:pPr lvl="1"/>
             <a:r>
-              <a:rPr lang="en-US" altLang="en-US" smtClean="0"/>
+              <a:rPr lang="en-US" altLang="en-US"/>
               <a:t>Information often sold to advertisers</a:t>
             </a:r>
           </a:p>
@@ -25558,7 +25508,7 @@
           <a:lstStyle/>
           <a:p>
             <a:r>
-              <a:rPr lang="en-US" altLang="en-US" smtClean="0"/>
+              <a:rPr lang="en-US" altLang="en-US"/>
               <a:t>Attacks Using Malware</a:t>
             </a:r>
           </a:p>
@@ -25585,7 +25535,7 @@
           <a:lstStyle/>
           <a:p>
             <a:r>
-              <a:rPr lang="en-US" altLang="en-US" dirty="0" smtClean="0"/>
+              <a:rPr lang="en-US" altLang="en-US" dirty="0"/>
               <a:t>Attackers can mask malware by having it “mutate” or change</a:t>
             </a:r>
           </a:p>
@@ -25594,81 +25544,76 @@
               <a:buFontTx/>
               <a:buNone/>
             </a:pPr>
-            <a:endParaRPr lang="en-US" altLang="en-US" dirty="0" smtClean="0"/>
-          </a:p>
-          <a:p>
-            <a:r>
-              <a:rPr lang="en-US" altLang="en-US" dirty="0" smtClean="0"/>
+            <a:endParaRPr lang="en-US" altLang="en-US" dirty="0"/>
+          </a:p>
+          <a:p>
+            <a:r>
+              <a:rPr lang="en-US" altLang="en-US" dirty="0"/>
               <a:t>Three types of mutating malware:</a:t>
             </a:r>
           </a:p>
           <a:p>
             <a:pPr lvl="1"/>
             <a:r>
-              <a:rPr lang="en-US" altLang="en-US" i="1" dirty="0" err="1" smtClean="0"/>
+              <a:rPr lang="en-US" altLang="en-US" i="1" dirty="0" err="1"/>
               <a:t>Oligomorphic</a:t>
             </a:r>
             <a:r>
-              <a:rPr lang="en-US" altLang="en-US" i="1" dirty="0" smtClean="0"/>
+              <a:rPr lang="en-US" altLang="en-US" i="1" dirty="0"/>
               <a:t> malware </a:t>
             </a:r>
             <a:r>
-              <a:rPr lang="en-US" altLang="en-US" dirty="0" smtClean="0"/>
+              <a:rPr lang="en-US" altLang="en-US" dirty="0"/>
               <a:t>– </a:t>
             </a:r>
           </a:p>
           <a:p>
             <a:pPr lvl="2"/>
             <a:r>
-              <a:rPr lang="en-US" altLang="en-US" dirty="0" smtClean="0"/>
+              <a:rPr lang="en-US" altLang="en-US" dirty="0"/>
               <a:t>changes internal code to predefined mutation when executed</a:t>
             </a:r>
           </a:p>
           <a:p>
             <a:pPr lvl="1"/>
             <a:r>
-              <a:rPr lang="en-US" altLang="en-US" i="1" dirty="0" smtClean="0"/>
+              <a:rPr lang="en-US" altLang="en-US" i="1" dirty="0"/>
               <a:t>Polymorphic malware </a:t>
             </a:r>
             <a:r>
-              <a:rPr lang="en-US" altLang="en-US" dirty="0" smtClean="0"/>
+              <a:rPr lang="en-US" altLang="en-US" dirty="0"/>
               <a:t>–</a:t>
             </a:r>
           </a:p>
           <a:p>
             <a:pPr lvl="2"/>
             <a:r>
-              <a:rPr lang="en-US" altLang="en-US" dirty="0" smtClean="0"/>
-              <a:t> completely changes from original form when </a:t>
-            </a:r>
-            <a:r>
-              <a:rPr lang="en-US" altLang="en-US" dirty="0" smtClean="0"/>
-              <a:t>executed (scrambled while not running)</a:t>
-            </a:r>
-            <a:endParaRPr lang="en-US" altLang="en-US" dirty="0" smtClean="0"/>
+              <a:rPr lang="en-US" altLang="en-US" dirty="0"/>
+              <a:t> completely changes from original form when executed (scrambled while not running)</a:t>
+            </a:r>
           </a:p>
           <a:p>
             <a:pPr lvl="1"/>
             <a:r>
-              <a:rPr lang="en-US" altLang="en-US" i="1" dirty="0" smtClean="0"/>
+              <a:rPr lang="en-US" altLang="en-US" i="1" dirty="0"/>
               <a:t>Metamorphic malware</a:t>
             </a:r>
             <a:r>
-              <a:rPr lang="en-US" altLang="en-US" dirty="0" smtClean="0"/>
+              <a:rPr lang="en-US" altLang="en-US" dirty="0"/>
               <a:t> – </a:t>
             </a:r>
           </a:p>
           <a:p>
             <a:pPr lvl="2"/>
             <a:r>
-              <a:rPr lang="en-US" altLang="en-US" dirty="0" smtClean="0"/>
+              <a:rPr lang="en-US" altLang="en-US" dirty="0"/>
               <a:t>can rewrite its own code </a:t>
             </a:r>
           </a:p>
           <a:p>
             <a:pPr lvl="2"/>
             <a:r>
-              <a:rPr lang="en-US" altLang="en-US" dirty="0" smtClean="0"/>
+              <a:rPr lang="en-US" altLang="en-US" dirty="0"/>
               <a:t>appears different each time it is executed</a:t>
             </a:r>
           </a:p>
@@ -26353,7 +26298,7 @@
           <a:lstStyle/>
           <a:p>
             <a:r>
-              <a:rPr lang="en-US" altLang="en-US" smtClean="0"/>
+              <a:rPr lang="en-US" altLang="en-US"/>
               <a:t>Collect Data</a:t>
             </a:r>
           </a:p>
@@ -26380,65 +26325,65 @@
           <a:lstStyle/>
           <a:p>
             <a:r>
-              <a:rPr lang="en-US" altLang="en-US" b="1" smtClean="0"/>
+              <a:rPr lang="en-US" altLang="en-US" b="1"/>
               <a:t>Ransomware </a:t>
             </a:r>
             <a:r>
-              <a:rPr lang="en-US" altLang="en-US" smtClean="0"/>
+              <a:rPr lang="en-US" altLang="en-US"/>
               <a:t>– </a:t>
             </a:r>
           </a:p>
           <a:p>
             <a:pPr lvl="1"/>
             <a:r>
-              <a:rPr lang="en-US" altLang="en-US" smtClean="0"/>
+              <a:rPr lang="en-US" altLang="en-US"/>
               <a:t>prevents a user device from operating until fee is paid</a:t>
             </a:r>
           </a:p>
           <a:p>
             <a:pPr lvl="1"/>
             <a:r>
-              <a:rPr lang="en-US" altLang="en-US" smtClean="0"/>
+              <a:rPr lang="en-US" altLang="en-US"/>
               <a:t>Is highly profitable</a:t>
             </a:r>
           </a:p>
           <a:p>
             <a:pPr lvl="1"/>
             <a:r>
-              <a:rPr lang="en-US" altLang="en-US" smtClean="0"/>
+              <a:rPr lang="en-US" altLang="en-US"/>
               <a:t>~3 percent of infected users pay ransom </a:t>
             </a:r>
           </a:p>
           <a:p>
             <a:pPr lvl="1"/>
             <a:r>
-              <a:rPr lang="en-US" altLang="en-US" smtClean="0"/>
+              <a:rPr lang="en-US" altLang="en-US"/>
               <a:t>generating almost $5 million annually</a:t>
             </a:r>
           </a:p>
           <a:p>
             <a:r>
-              <a:rPr lang="en-US" altLang="en-US" smtClean="0"/>
+              <a:rPr lang="en-US" altLang="en-US"/>
               <a:t>A variation displays fictitious warning </a:t>
             </a:r>
           </a:p>
           <a:p>
             <a:pPr lvl="1"/>
             <a:r>
-              <a:rPr lang="en-US" altLang="en-US" smtClean="0"/>
+              <a:rPr lang="en-US" altLang="en-US"/>
               <a:t>There is a problem </a:t>
             </a:r>
           </a:p>
           <a:p>
             <a:pPr lvl="1"/>
             <a:r>
-              <a:rPr lang="en-US" altLang="en-US" smtClean="0"/>
+              <a:rPr lang="en-US" altLang="en-US"/>
               <a:t>Users must purchase software online to fix it</a:t>
             </a:r>
           </a:p>
           <a:p>
             <a:pPr lvl="1"/>
-            <a:endParaRPr lang="en-US" altLang="en-US" smtClean="0"/>
+            <a:endParaRPr lang="en-US" altLang="en-US"/>
           </a:p>
         </p:txBody>
       </p:sp>
@@ -27072,7 +27017,7 @@
           <a:lstStyle/>
           <a:p>
             <a:r>
-              <a:rPr lang="en-US" altLang="en-US" smtClean="0"/>
+              <a:rPr lang="en-US" altLang="en-US"/>
               <a:t>Collect Data</a:t>
             </a:r>
           </a:p>
@@ -27603,13 +27548,6 @@
   <p:clrMapOvr>
     <a:masterClrMapping/>
   </p:clrMapOvr>
-  <p:timing>
-    <p:tnLst>
-      <p:par>
-        <p:cTn id="1" dur="indefinite" restart="never" nodeType="tmRoot"/>
-      </p:par>
-    </p:tnLst>
-  </p:timing>
 </p:sld>
 </file>
 
@@ -27646,7 +27584,7 @@
           <a:lstStyle/>
           <a:p>
             <a:r>
-              <a:rPr lang="en-US" altLang="en-US" smtClean="0"/>
+              <a:rPr lang="en-US" altLang="en-US"/>
               <a:t>Delete Data</a:t>
             </a:r>
           </a:p>
@@ -27668,49 +27606,49 @@
           <a:lstStyle/>
           <a:p>
             <a:r>
-              <a:rPr lang="en-US" altLang="en-US" smtClean="0"/>
+              <a:rPr lang="en-US" altLang="en-US"/>
               <a:t>Other malware deletes data on the computer</a:t>
             </a:r>
           </a:p>
           <a:p>
-            <a:endParaRPr lang="en-US" altLang="en-US" smtClean="0"/>
-          </a:p>
-          <a:p>
-            <a:r>
-              <a:rPr lang="en-US" altLang="en-US" smtClean="0"/>
+            <a:endParaRPr lang="en-US" altLang="en-US"/>
+          </a:p>
+          <a:p>
+            <a:r>
+              <a:rPr lang="en-US" altLang="en-US"/>
               <a:t>Logic bomb </a:t>
             </a:r>
           </a:p>
           <a:p>
             <a:pPr lvl="1"/>
             <a:r>
-              <a:rPr lang="en-US" altLang="en-US" smtClean="0"/>
+              <a:rPr lang="en-US" altLang="en-US"/>
               <a:t>Lies dormant until triggered by a logical event</a:t>
             </a:r>
           </a:p>
           <a:p>
             <a:pPr lvl="2"/>
             <a:r>
-              <a:rPr lang="en-US" altLang="en-US" smtClean="0"/>
+              <a:rPr lang="en-US" altLang="en-US"/>
               <a:t>Date, activity</a:t>
             </a:r>
           </a:p>
           <a:p>
             <a:pPr lvl="1"/>
             <a:r>
-              <a:rPr lang="en-US" altLang="en-US" smtClean="0"/>
+              <a:rPr lang="en-US" altLang="en-US"/>
               <a:t>Difficult to detect before it is triggered</a:t>
             </a:r>
           </a:p>
           <a:p>
             <a:pPr lvl="1"/>
             <a:r>
-              <a:rPr lang="en-US" altLang="en-US" smtClean="0"/>
+              <a:rPr lang="en-US" altLang="en-US"/>
               <a:t>Often embedded in large programs that aren’t routinely scanned</a:t>
             </a:r>
           </a:p>
           <a:p>
-            <a:endParaRPr lang="en-US" altLang="en-US" smtClean="0"/>
+            <a:endParaRPr lang="en-US" altLang="en-US"/>
           </a:p>
         </p:txBody>
       </p:sp>
@@ -28192,7 +28130,7 @@
           <a:lstStyle/>
           <a:p>
             <a:r>
-              <a:rPr lang="en-US" altLang="en-US" smtClean="0"/>
+              <a:rPr lang="en-US" altLang="en-US"/>
               <a:t>Modify System Security</a:t>
             </a:r>
           </a:p>
@@ -28214,41 +28152,41 @@
           <a:lstStyle/>
           <a:p>
             <a:r>
-              <a:rPr lang="en-US" altLang="en-US" smtClean="0"/>
+              <a:rPr lang="en-US" altLang="en-US"/>
               <a:t>Backdoor – </a:t>
             </a:r>
           </a:p>
           <a:p>
             <a:pPr lvl="1"/>
             <a:r>
-              <a:rPr lang="en-US" altLang="en-US" smtClean="0"/>
+              <a:rPr lang="en-US" altLang="en-US"/>
               <a:t>gives access to a computer, program, or service </a:t>
             </a:r>
           </a:p>
           <a:p>
             <a:pPr lvl="1"/>
-            <a:endParaRPr lang="en-US" altLang="en-US" smtClean="0"/>
+            <a:endParaRPr lang="en-US" altLang="en-US"/>
           </a:p>
           <a:p>
             <a:pPr lvl="1"/>
             <a:r>
-              <a:rPr lang="en-US" altLang="en-US" smtClean="0"/>
+              <a:rPr lang="en-US" altLang="en-US"/>
               <a:t>circumvents normal security to give access</a:t>
             </a:r>
           </a:p>
           <a:p>
             <a:pPr lvl="1"/>
-            <a:endParaRPr lang="en-US" altLang="en-US" smtClean="0"/>
+            <a:endParaRPr lang="en-US" altLang="en-US"/>
           </a:p>
           <a:p>
             <a:pPr lvl="1"/>
             <a:r>
-              <a:rPr lang="en-US" altLang="en-US" smtClean="0"/>
+              <a:rPr lang="en-US" altLang="en-US"/>
               <a:t>Allows the attacker to return at a later time and bypass security settings</a:t>
             </a:r>
           </a:p>
           <a:p>
-            <a:endParaRPr lang="en-US" altLang="en-US" smtClean="0"/>
+            <a:endParaRPr lang="en-US" altLang="en-US"/>
           </a:p>
         </p:txBody>
       </p:sp>
@@ -28637,7 +28575,7 @@
           <a:lstStyle/>
           <a:p>
             <a:r>
-              <a:rPr lang="en-US" altLang="en-US" smtClean="0"/>
+              <a:rPr lang="en-US" altLang="en-US"/>
               <a:t>Launch Attacks</a:t>
             </a:r>
           </a:p>
@@ -28664,68 +28602,68 @@
           <a:lstStyle/>
           <a:p>
             <a:r>
-              <a:rPr lang="en-US" altLang="en-US" b="1" smtClean="0"/>
+              <a:rPr lang="en-US" altLang="en-US" b="1"/>
               <a:t>Zombie </a:t>
             </a:r>
-            <a:endParaRPr lang="en-US" altLang="en-US" smtClean="0"/>
+            <a:endParaRPr lang="en-US" altLang="en-US"/>
           </a:p>
           <a:p>
             <a:pPr lvl="1"/>
             <a:r>
-              <a:rPr lang="en-US" altLang="en-US" smtClean="0"/>
+              <a:rPr lang="en-US" altLang="en-US"/>
               <a:t>infected computer under remote control of an attacker</a:t>
             </a:r>
           </a:p>
           <a:p>
             <a:pPr lvl="1"/>
             <a:r>
-              <a:rPr lang="en-US" altLang="en-US" smtClean="0"/>
+              <a:rPr lang="en-US" altLang="en-US"/>
               <a:t>Groups of zombie computers gathered into logical computer network called a </a:t>
             </a:r>
             <a:r>
-              <a:rPr lang="en-US" altLang="en-US" b="1" smtClean="0"/>
+              <a:rPr lang="en-US" altLang="en-US" b="1"/>
               <a:t>botnet</a:t>
             </a:r>
             <a:r>
-              <a:rPr lang="en-US" altLang="en-US" smtClean="0"/>
+              <a:rPr lang="en-US" altLang="en-US"/>
               <a:t> under control of the attacker (</a:t>
             </a:r>
             <a:r>
-              <a:rPr lang="en-US" altLang="en-US" b="1" smtClean="0"/>
+              <a:rPr lang="en-US" altLang="en-US" b="1"/>
               <a:t>bot herder</a:t>
             </a:r>
             <a:r>
-              <a:rPr lang="en-US" altLang="en-US" smtClean="0"/>
+              <a:rPr lang="en-US" altLang="en-US"/>
               <a:t>)</a:t>
             </a:r>
           </a:p>
           <a:p>
             <a:pPr lvl="1"/>
-            <a:endParaRPr lang="en-US" altLang="en-US" smtClean="0"/>
+            <a:endParaRPr lang="en-US" altLang="en-US"/>
           </a:p>
           <a:p>
             <a:pPr lvl="1"/>
             <a:r>
-              <a:rPr lang="en-US" altLang="en-US" smtClean="0"/>
+              <a:rPr lang="en-US" altLang="en-US"/>
               <a:t>Zombies wait for instructions through </a:t>
             </a:r>
             <a:r>
-              <a:rPr lang="en-US" altLang="en-US" b="1" smtClean="0"/>
+              <a:rPr lang="en-US" altLang="en-US" b="1"/>
               <a:t>command and control (C&amp;C) </a:t>
             </a:r>
             <a:r>
-              <a:rPr lang="en-US" altLang="en-US" smtClean="0"/>
+              <a:rPr lang="en-US" altLang="en-US"/>
               <a:t>structure from bot herders</a:t>
             </a:r>
           </a:p>
           <a:p>
             <a:pPr lvl="1"/>
-            <a:endParaRPr lang="en-US" altLang="en-US" smtClean="0"/>
+            <a:endParaRPr lang="en-US" altLang="en-US"/>
           </a:p>
           <a:p>
             <a:pPr lvl="1"/>
             <a:r>
-              <a:rPr lang="en-US" altLang="en-US" smtClean="0"/>
+              <a:rPr lang="en-US" altLang="en-US"/>
               <a:t>A common C&amp;C mechanism used today is HTTP, which is more difficult to detect and block</a:t>
             </a:r>
           </a:p>
@@ -29160,7 +29098,7 @@
           <a:lstStyle/>
           <a:p>
             <a:r>
-              <a:rPr lang="en-US" altLang="en-US" smtClean="0"/>
+              <a:rPr lang="en-US" altLang="en-US"/>
               <a:t>Zombie Attacks!</a:t>
             </a:r>
           </a:p>
@@ -29364,13 +29302,6 @@
   <p:clrMapOvr>
     <a:masterClrMapping/>
   </p:clrMapOvr>
-  <p:timing>
-    <p:tnLst>
-      <p:par>
-        <p:cTn id="1" dur="indefinite" restart="never" nodeType="tmRoot"/>
-      </p:par>
-    </p:tnLst>
-  </p:timing>
 </p:sld>
 </file>
 
@@ -29407,7 +29338,7 @@
           <a:lstStyle/>
           <a:p>
             <a:r>
-              <a:rPr lang="en-US" altLang="en-US" smtClean="0"/>
+              <a:rPr lang="en-US" altLang="en-US"/>
               <a:t>Social Engineering Attacks</a:t>
             </a:r>
           </a:p>
@@ -29429,35 +29360,35 @@
           <a:lstStyle/>
           <a:p>
             <a:r>
-              <a:rPr lang="en-US" altLang="en-US" b="1" smtClean="0"/>
+              <a:rPr lang="en-US" altLang="en-US" b="1"/>
               <a:t>Social engineering </a:t>
             </a:r>
             <a:r>
-              <a:rPr lang="en-US" altLang="en-US" smtClean="0"/>
+              <a:rPr lang="en-US" altLang="en-US"/>
               <a:t>– </a:t>
             </a:r>
           </a:p>
           <a:p>
             <a:pPr lvl="1"/>
             <a:r>
-              <a:rPr lang="en-US" altLang="en-US" smtClean="0"/>
+              <a:rPr lang="en-US" altLang="en-US"/>
               <a:t>a means of gathering information for an attack </a:t>
             </a:r>
           </a:p>
           <a:p>
             <a:pPr lvl="1"/>
             <a:r>
-              <a:rPr lang="en-US" altLang="en-US" smtClean="0"/>
+              <a:rPr lang="en-US" altLang="en-US"/>
               <a:t>relies on the weaknesses of individuals</a:t>
             </a:r>
           </a:p>
           <a:p>
-            <a:endParaRPr lang="en-US" altLang="en-US" smtClean="0"/>
+            <a:endParaRPr lang="en-US" altLang="en-US"/>
           </a:p>
           <a:p>
             <a:pPr lvl="1"/>
             <a:r>
-              <a:rPr lang="en-US" altLang="en-US" smtClean="0"/>
+              <a:rPr lang="en-US" altLang="en-US"/>
               <a:t>Attacks can involve psychological approaches as well as physical procedures</a:t>
             </a:r>
           </a:p>
@@ -29843,7 +29774,7 @@
           <a:lstStyle/>
           <a:p>
             <a:r>
-              <a:rPr lang="en-US" altLang="en-US" smtClean="0"/>
+              <a:rPr lang="en-US" altLang="en-US"/>
               <a:t>Psychological Approaches</a:t>
             </a:r>
           </a:p>
@@ -29865,58 +29796,58 @@
           <a:lstStyle/>
           <a:p>
             <a:r>
-              <a:rPr lang="en-US" altLang="en-US" smtClean="0"/>
+              <a:rPr lang="en-US" altLang="en-US"/>
               <a:t>Goal: persuade the victim to provide information or take action</a:t>
             </a:r>
           </a:p>
           <a:p>
             <a:r>
-              <a:rPr lang="en-US" altLang="en-US" smtClean="0"/>
+              <a:rPr lang="en-US" altLang="en-US"/>
               <a:t>Attackers use variety of techniques to gain trust without moving quickly:</a:t>
             </a:r>
           </a:p>
           <a:p>
             <a:pPr lvl="1"/>
             <a:r>
-              <a:rPr lang="en-US" altLang="en-US" smtClean="0"/>
+              <a:rPr lang="en-US" altLang="en-US"/>
               <a:t>Ask for only small amounts of information</a:t>
             </a:r>
           </a:p>
           <a:p>
             <a:pPr lvl="1"/>
             <a:r>
-              <a:rPr lang="en-US" altLang="en-US" smtClean="0"/>
+              <a:rPr lang="en-US" altLang="en-US"/>
               <a:t>Needs to be believable</a:t>
             </a:r>
           </a:p>
           <a:p>
             <a:pPr lvl="1"/>
             <a:r>
-              <a:rPr lang="en-US" altLang="en-US" smtClean="0"/>
+              <a:rPr lang="en-US" altLang="en-US"/>
               <a:t>Use slight flattery or flirtation to “soften up” victim</a:t>
             </a:r>
           </a:p>
           <a:p>
             <a:pPr lvl="1"/>
             <a:r>
-              <a:rPr lang="en-US" altLang="en-US" smtClean="0"/>
+              <a:rPr lang="en-US" altLang="en-US"/>
               <a:t>Attacker “pushes the envelope” to get information</a:t>
             </a:r>
           </a:p>
           <a:p>
             <a:pPr lvl="1"/>
             <a:r>
-              <a:rPr lang="en-US" altLang="en-US" smtClean="0"/>
+              <a:rPr lang="en-US" altLang="en-US"/>
               <a:t>Attacker may smile and ask for help</a:t>
             </a:r>
           </a:p>
           <a:p>
             <a:pPr lvl="1"/>
-            <a:endParaRPr lang="en-US" altLang="en-US" smtClean="0"/>
+            <a:endParaRPr lang="en-US" altLang="en-US"/>
           </a:p>
           <a:p>
             <a:pPr lvl="1"/>
-            <a:endParaRPr lang="en-US" altLang="en-US" smtClean="0"/>
+            <a:endParaRPr lang="en-US" altLang="en-US"/>
           </a:p>
         </p:txBody>
       </p:sp>
@@ -30447,7 +30378,7 @@
           <a:lstStyle/>
           <a:p>
             <a:r>
-              <a:rPr lang="en-US" altLang="en-US" smtClean="0"/>
+              <a:rPr lang="en-US" altLang="en-US"/>
               <a:t>Impersonation</a:t>
             </a:r>
           </a:p>
@@ -30469,11 +30400,11 @@
           <a:lstStyle/>
           <a:p>
             <a:r>
-              <a:rPr lang="en-US" altLang="en-US" b="1" smtClean="0"/>
+              <a:rPr lang="en-US" altLang="en-US" b="1"/>
               <a:t>Impersonation </a:t>
             </a:r>
             <a:r>
-              <a:rPr lang="en-US" altLang="en-US" smtClean="0"/>
+              <a:rPr lang="en-US" altLang="en-US"/>
               <a:t>- pretends to be someone else:</a:t>
             </a:r>
           </a:p>
@@ -30482,53 +30413,53 @@
               <a:buFontTx/>
               <a:buNone/>
             </a:pPr>
-            <a:endParaRPr lang="en-US" altLang="en-US" smtClean="0"/>
+            <a:endParaRPr lang="en-US" altLang="en-US"/>
           </a:p>
           <a:p>
             <a:pPr lvl="1"/>
             <a:r>
-              <a:rPr lang="en-US" altLang="en-US" smtClean="0"/>
+              <a:rPr lang="en-US" altLang="en-US"/>
               <a:t>Help desk support technician</a:t>
             </a:r>
           </a:p>
           <a:p>
             <a:pPr lvl="1"/>
             <a:r>
-              <a:rPr lang="en-US" altLang="en-US" smtClean="0"/>
+              <a:rPr lang="en-US" altLang="en-US"/>
               <a:t>Repairperson</a:t>
             </a:r>
           </a:p>
           <a:p>
             <a:pPr lvl="1"/>
             <a:r>
-              <a:rPr lang="en-US" altLang="en-US" smtClean="0"/>
+              <a:rPr lang="en-US" altLang="en-US"/>
               <a:t>Manager</a:t>
             </a:r>
           </a:p>
           <a:p>
             <a:pPr lvl="1"/>
             <a:r>
-              <a:rPr lang="en-US" altLang="en-US" smtClean="0"/>
+              <a:rPr lang="en-US" altLang="en-US"/>
               <a:t>Trusted third party</a:t>
             </a:r>
           </a:p>
           <a:p>
             <a:pPr lvl="1"/>
             <a:r>
-              <a:rPr lang="en-US" altLang="en-US" smtClean="0"/>
+              <a:rPr lang="en-US" altLang="en-US"/>
               <a:t>Fellow employee</a:t>
             </a:r>
           </a:p>
           <a:p>
             <a:r>
-              <a:rPr lang="en-US" altLang="en-US" smtClean="0"/>
+              <a:rPr lang="en-US" altLang="en-US"/>
               <a:t>Impersonate a person with authority </a:t>
             </a:r>
           </a:p>
           <a:p>
             <a:pPr lvl="1"/>
             <a:r>
-              <a:rPr lang="en-US" altLang="en-US" smtClean="0"/>
+              <a:rPr lang="en-US" altLang="en-US"/>
               <a:t>victims generally resist saying “no” to anyone in power</a:t>
             </a:r>
           </a:p>
@@ -31110,7 +31041,7 @@
           <a:lstStyle/>
           <a:p>
             <a:r>
-              <a:rPr lang="en-US" altLang="en-US" smtClean="0"/>
+              <a:rPr lang="en-US" altLang="en-US"/>
               <a:t>Phishing</a:t>
             </a:r>
           </a:p>
@@ -31132,25 +31063,25 @@
           <a:lstStyle/>
           <a:p>
             <a:r>
-              <a:rPr lang="en-US" altLang="en-US" b="1" smtClean="0"/>
+              <a:rPr lang="en-US" altLang="en-US" b="1"/>
               <a:t>Phishing</a:t>
             </a:r>
             <a:r>
-              <a:rPr lang="en-US" altLang="en-US" smtClean="0"/>
+              <a:rPr lang="en-US" altLang="en-US"/>
               <a:t> – </a:t>
             </a:r>
           </a:p>
           <a:p>
             <a:pPr lvl="1"/>
             <a:r>
-              <a:rPr lang="en-US" altLang="en-US" smtClean="0"/>
+              <a:rPr lang="en-US" altLang="en-US"/>
               <a:t>sending email claiming to be from legitimate source</a:t>
             </a:r>
           </a:p>
           <a:p>
             <a:pPr lvl="1"/>
             <a:r>
-              <a:rPr lang="en-US" altLang="en-US" smtClean="0"/>
+              <a:rPr lang="en-US" altLang="en-US"/>
               <a:t>Try to trick user into giving private information</a:t>
             </a:r>
           </a:p>
@@ -31160,28 +31091,28 @@
               <a:buChar char="•"/>
             </a:pPr>
             <a:r>
-              <a:rPr lang="en-US" altLang="en-US" smtClean="0"/>
+              <a:rPr lang="en-US" altLang="en-US"/>
               <a:t>Many phishing attacks have common features:</a:t>
             </a:r>
           </a:p>
           <a:p>
             <a:pPr marL="742950" lvl="2" indent="-342900"/>
             <a:r>
-              <a:rPr lang="en-US" altLang="en-US" i="1" smtClean="0"/>
+              <a:rPr lang="en-US" altLang="en-US" i="1"/>
               <a:t>Deceptive web links</a:t>
             </a:r>
           </a:p>
           <a:p>
             <a:pPr marL="742950" lvl="2" indent="-342900"/>
             <a:r>
-              <a:rPr lang="en-US" altLang="en-US" i="1" smtClean="0"/>
+              <a:rPr lang="en-US" altLang="en-US" i="1"/>
               <a:t>Logos</a:t>
             </a:r>
           </a:p>
           <a:p>
             <a:pPr marL="742950" lvl="2" indent="-342900"/>
             <a:r>
-              <a:rPr lang="en-US" altLang="en-US" i="1" smtClean="0"/>
+              <a:rPr lang="en-US" altLang="en-US" i="1"/>
               <a:t>Urgent request</a:t>
             </a:r>
           </a:p>
@@ -31714,7 +31645,7 @@
           <a:lstStyle/>
           <a:p>
             <a:r>
-              <a:rPr lang="en-US" altLang="en-US" smtClean="0"/>
+              <a:rPr lang="en-US" altLang="en-US"/>
               <a:t>Attacks Using Malware</a:t>
             </a:r>
           </a:p>
@@ -31736,72 +31667,72 @@
           <a:lstStyle/>
           <a:p>
             <a:r>
-              <a:rPr lang="en-US" altLang="en-US" smtClean="0"/>
+              <a:rPr lang="en-US" altLang="en-US"/>
               <a:t>Malware classified using primary trait</a:t>
             </a:r>
           </a:p>
           <a:p>
             <a:pPr lvl="1"/>
             <a:r>
-              <a:rPr lang="en-US" altLang="en-US" i="1" smtClean="0"/>
+              <a:rPr lang="en-US" altLang="en-US" i="1"/>
               <a:t>Circulation</a:t>
             </a:r>
-            <a:endParaRPr lang="en-US" altLang="en-US" smtClean="0"/>
+            <a:endParaRPr lang="en-US" altLang="en-US"/>
           </a:p>
           <a:p>
             <a:pPr lvl="2"/>
             <a:r>
-              <a:rPr lang="en-US" altLang="en-US" smtClean="0"/>
+              <a:rPr lang="en-US" altLang="en-US"/>
               <a:t>spread rapidly to other systems to impact a large number of users</a:t>
             </a:r>
           </a:p>
           <a:p>
             <a:pPr lvl="1"/>
             <a:r>
-              <a:rPr lang="en-US" altLang="en-US" i="1" smtClean="0"/>
+              <a:rPr lang="en-US" altLang="en-US" i="1"/>
               <a:t>Infection</a:t>
             </a:r>
             <a:r>
-              <a:rPr lang="en-US" altLang="en-US" smtClean="0"/>
+              <a:rPr lang="en-US" altLang="en-US"/>
               <a:t> </a:t>
             </a:r>
           </a:p>
           <a:p>
             <a:pPr lvl="2"/>
             <a:r>
-              <a:rPr lang="en-US" altLang="en-US" smtClean="0"/>
+              <a:rPr lang="en-US" altLang="en-US"/>
               <a:t>how it embeds itself into a system</a:t>
             </a:r>
           </a:p>
           <a:p>
             <a:pPr lvl="1"/>
             <a:r>
-              <a:rPr lang="en-US" altLang="en-US" i="1" smtClean="0"/>
+              <a:rPr lang="en-US" altLang="en-US" i="1"/>
               <a:t>Concealment</a:t>
             </a:r>
             <a:r>
-              <a:rPr lang="en-US" altLang="en-US" smtClean="0"/>
+              <a:rPr lang="en-US" altLang="en-US"/>
               <a:t> </a:t>
             </a:r>
           </a:p>
           <a:p>
             <a:pPr lvl="2"/>
             <a:r>
-              <a:rPr lang="en-US" altLang="en-US" smtClean="0"/>
+              <a:rPr lang="en-US" altLang="en-US"/>
               <a:t>concealing its presence from scanners</a:t>
             </a:r>
           </a:p>
           <a:p>
             <a:pPr lvl="1"/>
             <a:r>
-              <a:rPr lang="en-US" altLang="en-US" i="1" smtClean="0"/>
+              <a:rPr lang="en-US" altLang="en-US" i="1"/>
               <a:t>Payload capabilities </a:t>
             </a:r>
           </a:p>
           <a:p>
             <a:pPr lvl="2"/>
             <a:r>
-              <a:rPr lang="en-US" altLang="en-US" smtClean="0"/>
+              <a:rPr lang="en-US" altLang="en-US"/>
               <a:t>actions the malware performs</a:t>
             </a:r>
           </a:p>
@@ -32481,7 +32412,7 @@
           <a:lstStyle/>
           <a:p>
             <a:r>
-              <a:rPr lang="en-US" altLang="en-US" smtClean="0"/>
+              <a:rPr lang="en-US" altLang="en-US"/>
               <a:t>Phishing</a:t>
             </a:r>
           </a:p>
@@ -32503,69 +32434,69 @@
           <a:lstStyle/>
           <a:p>
             <a:r>
-              <a:rPr lang="en-US" altLang="en-US" smtClean="0"/>
+              <a:rPr lang="en-US" altLang="en-US"/>
               <a:t>Variations of phishing attacks</a:t>
             </a:r>
           </a:p>
           <a:p>
             <a:pPr lvl="1"/>
             <a:r>
-              <a:rPr lang="en-US" altLang="en-US" b="1" i="1" smtClean="0"/>
+              <a:rPr lang="en-US" altLang="en-US" b="1" i="1"/>
               <a:t>Pharming</a:t>
             </a:r>
             <a:r>
-              <a:rPr lang="en-US" altLang="en-US" b="1" smtClean="0"/>
+              <a:rPr lang="en-US" altLang="en-US" b="1"/>
               <a:t> </a:t>
             </a:r>
             <a:r>
-              <a:rPr lang="en-US" altLang="en-US" smtClean="0"/>
+              <a:rPr lang="en-US" altLang="en-US"/>
               <a:t>- automatically redirects user to a fraudulent Web site</a:t>
             </a:r>
           </a:p>
           <a:p>
             <a:pPr lvl="1"/>
             <a:r>
-              <a:rPr lang="en-US" altLang="en-US" b="1" i="1" smtClean="0"/>
+              <a:rPr lang="en-US" altLang="en-US" b="1" i="1"/>
               <a:t>Spear phishing </a:t>
             </a:r>
             <a:r>
-              <a:rPr lang="en-US" altLang="en-US" smtClean="0"/>
+              <a:rPr lang="en-US" altLang="en-US"/>
               <a:t>- target specific users</a:t>
             </a:r>
           </a:p>
           <a:p>
             <a:pPr lvl="1"/>
             <a:r>
-              <a:rPr lang="en-US" altLang="en-US" b="1" i="1" smtClean="0"/>
+              <a:rPr lang="en-US" altLang="en-US" b="1" i="1"/>
               <a:t>Whaling</a:t>
             </a:r>
             <a:r>
-              <a:rPr lang="en-US" altLang="en-US" smtClean="0"/>
+              <a:rPr lang="en-US" altLang="en-US"/>
               <a:t> - going after the “big fish” (wealthy individuals)</a:t>
             </a:r>
           </a:p>
           <a:p>
             <a:pPr lvl="1"/>
             <a:r>
-              <a:rPr lang="en-US" altLang="en-US" b="1" i="1" smtClean="0"/>
+              <a:rPr lang="en-US" altLang="en-US" b="1" i="1"/>
               <a:t>Vishing </a:t>
             </a:r>
             <a:r>
-              <a:rPr lang="en-US" altLang="en-US" smtClean="0"/>
+              <a:rPr lang="en-US" altLang="en-US"/>
               <a:t>(voice phishing)</a:t>
             </a:r>
           </a:p>
           <a:p>
             <a:pPr lvl="2"/>
             <a:r>
-              <a:rPr lang="en-US" altLang="en-US" smtClean="0"/>
+              <a:rPr lang="en-US" altLang="en-US"/>
               <a:t>Call victim with recorded “bank” message with callback number</a:t>
             </a:r>
           </a:p>
           <a:p>
             <a:pPr lvl="2"/>
             <a:r>
-              <a:rPr lang="en-US" altLang="en-US" smtClean="0"/>
+              <a:rPr lang="en-US" altLang="en-US"/>
               <a:t>Victim calls attacker’s number and enters private information</a:t>
             </a:r>
           </a:p>
@@ -33103,7 +33034,7 @@
           <a:lstStyle/>
           <a:p>
             <a:r>
-              <a:rPr lang="en-US" altLang="en-US" smtClean="0"/>
+              <a:rPr lang="en-US" altLang="en-US"/>
               <a:t>Phishing</a:t>
             </a:r>
           </a:p>
@@ -33307,13 +33238,6 @@
   <p:clrMapOvr>
     <a:masterClrMapping/>
   </p:clrMapOvr>
-  <p:timing>
-    <p:tnLst>
-      <p:par>
-        <p:cTn id="1" dur="indefinite" restart="never" nodeType="tmRoot"/>
-      </p:par>
-    </p:tnLst>
-  </p:timing>
 </p:sld>
 </file>
 
@@ -33350,7 +33274,7 @@
           <a:lstStyle/>
           <a:p>
             <a:r>
-              <a:rPr lang="en-US" altLang="en-US" smtClean="0"/>
+              <a:rPr lang="en-US" altLang="en-US"/>
               <a:t>Spam</a:t>
             </a:r>
           </a:p>
@@ -33372,68 +33296,68 @@
           <a:lstStyle/>
           <a:p>
             <a:r>
-              <a:rPr lang="en-US" altLang="en-US" b="1" smtClean="0"/>
+              <a:rPr lang="en-US" altLang="en-US" b="1"/>
               <a:t>Spam</a:t>
             </a:r>
             <a:r>
-              <a:rPr lang="en-US" altLang="en-US" smtClean="0"/>
+              <a:rPr lang="en-US" altLang="en-US"/>
               <a:t> - unsolicited e-mail</a:t>
             </a:r>
           </a:p>
           <a:p>
             <a:pPr lvl="1"/>
             <a:r>
-              <a:rPr lang="en-US" altLang="en-US" smtClean="0"/>
+              <a:rPr lang="en-US" altLang="en-US"/>
               <a:t>Primary vehicle for distribution of malware</a:t>
             </a:r>
           </a:p>
           <a:p>
             <a:pPr lvl="1"/>
             <a:r>
-              <a:rPr lang="en-US" altLang="en-US" smtClean="0"/>
+              <a:rPr lang="en-US" altLang="en-US"/>
               <a:t>A lucrative business</a:t>
             </a:r>
           </a:p>
           <a:p>
             <a:pPr lvl="2"/>
             <a:r>
-              <a:rPr lang="en-US" altLang="en-US" smtClean="0"/>
+              <a:rPr lang="en-US" altLang="en-US"/>
               <a:t>Cost spammers very little to send millions of spam messages</a:t>
             </a:r>
           </a:p>
           <a:p>
             <a:pPr lvl="1"/>
             <a:r>
-              <a:rPr lang="en-US" altLang="en-US" smtClean="0"/>
+              <a:rPr lang="en-US" altLang="en-US"/>
               <a:t>Filters </a:t>
             </a:r>
           </a:p>
           <a:p>
             <a:pPr lvl="2"/>
             <a:r>
-              <a:rPr lang="en-US" altLang="en-US" smtClean="0"/>
+              <a:rPr lang="en-US" altLang="en-US"/>
               <a:t>look for specific words and block the email</a:t>
             </a:r>
           </a:p>
           <a:p>
             <a:pPr lvl="1"/>
             <a:r>
-              <a:rPr lang="en-US" altLang="en-US" i="1" smtClean="0"/>
+              <a:rPr lang="en-US" altLang="en-US" i="1"/>
               <a:t>Image spam </a:t>
             </a:r>
-            <a:endParaRPr lang="en-US" altLang="en-US" smtClean="0"/>
+            <a:endParaRPr lang="en-US" altLang="en-US"/>
           </a:p>
           <a:p>
             <a:pPr lvl="2"/>
             <a:r>
-              <a:rPr lang="en-US" altLang="en-US" smtClean="0"/>
+              <a:rPr lang="en-US" altLang="en-US"/>
               <a:t>uses graphical images to circumvent text-based filters</a:t>
             </a:r>
           </a:p>
           <a:p>
             <a:pPr lvl="2"/>
             <a:r>
-              <a:rPr lang="en-US" altLang="en-US" smtClean="0"/>
+              <a:rPr lang="en-US" altLang="en-US"/>
               <a:t>Often contains nonsense text so it appears legitimate</a:t>
             </a:r>
           </a:p>
@@ -34064,7 +33988,7 @@
           <a:lstStyle/>
           <a:p>
             <a:r>
-              <a:rPr lang="en-US" altLang="en-US" smtClean="0"/>
+              <a:rPr lang="en-US" altLang="en-US"/>
               <a:t>Spam</a:t>
             </a:r>
           </a:p>
@@ -34268,13 +34192,6 @@
   <p:clrMapOvr>
     <a:masterClrMapping/>
   </p:clrMapOvr>
-  <p:timing>
-    <p:tnLst>
-      <p:par>
-        <p:cTn id="1" dur="indefinite" restart="never" nodeType="tmRoot"/>
-      </p:par>
-    </p:tnLst>
-  </p:timing>
 </p:sld>
 </file>
 
@@ -34311,7 +34228,7 @@
           <a:lstStyle/>
           <a:p>
             <a:r>
-              <a:rPr lang="en-US" altLang="en-US" smtClean="0"/>
+              <a:rPr lang="en-US" altLang="en-US"/>
               <a:t>Hoaxes</a:t>
             </a:r>
           </a:p>
@@ -34333,49 +34250,49 @@
           <a:lstStyle/>
           <a:p>
             <a:r>
-              <a:rPr lang="en-US" altLang="en-US" b="1" smtClean="0"/>
+              <a:rPr lang="en-US" altLang="en-US" b="1"/>
               <a:t>Hoaxes</a:t>
             </a:r>
             <a:r>
-              <a:rPr lang="en-US" altLang="en-US" smtClean="0"/>
+              <a:rPr lang="en-US" altLang="en-US"/>
               <a:t> – </a:t>
             </a:r>
           </a:p>
           <a:p>
             <a:pPr lvl="1"/>
             <a:r>
-              <a:rPr lang="en-US" altLang="en-US" smtClean="0"/>
+              <a:rPr lang="en-US" altLang="en-US"/>
               <a:t>a false warning, usually claiming to come from the IT department</a:t>
             </a:r>
           </a:p>
           <a:p>
             <a:pPr lvl="1"/>
-            <a:endParaRPr lang="en-US" altLang="en-US" smtClean="0"/>
+            <a:endParaRPr lang="en-US" altLang="en-US"/>
           </a:p>
           <a:p>
             <a:pPr lvl="1"/>
             <a:r>
-              <a:rPr lang="en-US" altLang="en-US" smtClean="0"/>
+              <a:rPr lang="en-US" altLang="en-US"/>
               <a:t>Try to get victims to change settings on their computers to allow attacker to compromise system</a:t>
             </a:r>
           </a:p>
           <a:p>
             <a:pPr lvl="1"/>
-            <a:endParaRPr lang="en-US" altLang="en-US" smtClean="0"/>
+            <a:endParaRPr lang="en-US" altLang="en-US"/>
           </a:p>
           <a:p>
             <a:pPr lvl="1"/>
             <a:r>
-              <a:rPr lang="en-US" altLang="en-US" smtClean="0"/>
+              <a:rPr lang="en-US" altLang="en-US"/>
               <a:t>May also provide a phone number for the victim to call for help, putting them in direct contact with attacker</a:t>
             </a:r>
           </a:p>
           <a:p>
             <a:pPr lvl="1"/>
-            <a:endParaRPr lang="en-US" altLang="en-US" smtClean="0"/>
-          </a:p>
-          <a:p>
-            <a:endParaRPr lang="en-US" altLang="en-US" smtClean="0"/>
+            <a:endParaRPr lang="en-US" altLang="en-US"/>
+          </a:p>
+          <a:p>
+            <a:endParaRPr lang="en-US" altLang="en-US"/>
           </a:p>
         </p:txBody>
       </p:sp>
@@ -34759,7 +34676,7 @@
           <a:lstStyle/>
           <a:p>
             <a:r>
-              <a:rPr lang="en-US" altLang="en-US" smtClean="0"/>
+              <a:rPr lang="en-US" altLang="en-US"/>
               <a:t>Typo Squatting</a:t>
             </a:r>
           </a:p>
@@ -34781,50 +34698,50 @@
           <a:lstStyle/>
           <a:p>
             <a:r>
-              <a:rPr lang="en-US" altLang="en-US" b="1" smtClean="0"/>
+              <a:rPr lang="en-US" altLang="en-US" b="1"/>
               <a:t>Typo squatting </a:t>
             </a:r>
             <a:r>
-              <a:rPr lang="en-US" altLang="en-US" smtClean="0"/>
+              <a:rPr lang="en-US" altLang="en-US"/>
               <a:t>– </a:t>
             </a:r>
           </a:p>
           <a:p>
             <a:pPr lvl="1"/>
             <a:r>
-              <a:rPr lang="en-US" altLang="en-US" smtClean="0"/>
+              <a:rPr lang="en-US" altLang="en-US"/>
               <a:t>redirecting user to fictitious website based on a misspelling of the URL</a:t>
             </a:r>
           </a:p>
           <a:p>
             <a:pPr lvl="1"/>
             <a:r>
-              <a:rPr lang="en-US" altLang="en-US" smtClean="0"/>
+              <a:rPr lang="en-US" altLang="en-US"/>
               <a:t>Also called </a:t>
             </a:r>
             <a:r>
-              <a:rPr lang="en-US" altLang="en-US" b="1" smtClean="0"/>
+              <a:rPr lang="en-US" altLang="en-US" b="1"/>
               <a:t>URL hijacking</a:t>
             </a:r>
           </a:p>
           <a:p>
             <a:pPr lvl="1"/>
             <a:r>
-              <a:rPr lang="en-US" altLang="en-US" smtClean="0"/>
+              <a:rPr lang="en-US" altLang="en-US"/>
               <a:t>Example: typing goggle.com instead of google.com</a:t>
             </a:r>
           </a:p>
           <a:p>
             <a:pPr lvl="1"/>
             <a:r>
-              <a:rPr lang="en-US" altLang="en-US" smtClean="0"/>
+              <a:rPr lang="en-US" altLang="en-US"/>
               <a:t>Attackers purchase the domain names similar to actual sites</a:t>
             </a:r>
           </a:p>
           <a:p>
             <a:pPr lvl="1"/>
             <a:r>
-              <a:rPr lang="en-US" altLang="en-US" smtClean="0"/>
+              <a:rPr lang="en-US" altLang="en-US"/>
               <a:t>May contain a survey that promises a chance to win prizes or will be filled with ads</a:t>
             </a:r>
           </a:p>
@@ -35308,7 +35225,7 @@
           <a:lstStyle/>
           <a:p>
             <a:r>
-              <a:rPr lang="en-US" altLang="en-US" smtClean="0"/>
+              <a:rPr lang="en-US" altLang="en-US"/>
               <a:t>Watering Hole Attack</a:t>
             </a:r>
           </a:p>
@@ -35330,58 +35247,58 @@
           <a:lstStyle/>
           <a:p>
             <a:r>
-              <a:rPr lang="en-US" altLang="en-US" b="1" smtClean="0"/>
+              <a:rPr lang="en-US" altLang="en-US" b="1"/>
               <a:t>Watering hole attack </a:t>
             </a:r>
           </a:p>
           <a:p>
             <a:pPr lvl="1"/>
             <a:r>
-              <a:rPr lang="en-US" altLang="en-US" smtClean="0"/>
+              <a:rPr lang="en-US" altLang="en-US"/>
               <a:t>Directed toward a small group of specific individuals who visit the same website</a:t>
             </a:r>
           </a:p>
           <a:p>
             <a:pPr lvl="2"/>
             <a:r>
-              <a:rPr lang="en-US" altLang="en-US" smtClean="0"/>
+              <a:rPr lang="en-US" altLang="en-US"/>
               <a:t>Attacker needs access to that system</a:t>
             </a:r>
           </a:p>
           <a:p>
             <a:pPr lvl="2"/>
             <a:r>
-              <a:rPr lang="en-US" altLang="en-US" smtClean="0"/>
+              <a:rPr lang="en-US" altLang="en-US"/>
               <a:t>Identifies and infects THAT system</a:t>
             </a:r>
           </a:p>
           <a:p>
             <a:pPr lvl="2"/>
             <a:r>
-              <a:rPr lang="en-US" altLang="en-US" smtClean="0"/>
+              <a:rPr lang="en-US" altLang="en-US"/>
               <a:t>Eventually, one of the targets is infected</a:t>
             </a:r>
           </a:p>
           <a:p>
             <a:pPr lvl="1"/>
-            <a:endParaRPr lang="en-US" altLang="en-US" smtClean="0"/>
+            <a:endParaRPr lang="en-US" altLang="en-US"/>
           </a:p>
           <a:p>
             <a:pPr lvl="1"/>
             <a:r>
-              <a:rPr lang="en-US" altLang="en-US" smtClean="0"/>
+              <a:rPr lang="en-US" altLang="en-US"/>
               <a:t>Example:</a:t>
             </a:r>
           </a:p>
           <a:p>
             <a:pPr lvl="2"/>
             <a:r>
-              <a:rPr lang="en-US" altLang="en-US" smtClean="0"/>
+              <a:rPr lang="en-US" altLang="en-US"/>
               <a:t>Executives working for a manufacturing company visit a website, such as a parts supplier</a:t>
             </a:r>
           </a:p>
           <a:p>
-            <a:endParaRPr lang="en-US" altLang="en-US" smtClean="0"/>
+            <a:endParaRPr lang="en-US" altLang="en-US"/>
           </a:p>
         </p:txBody>
       </p:sp>
@@ -35912,7 +35829,7 @@
           <a:lstStyle/>
           <a:p>
             <a:r>
-              <a:rPr lang="en-US" altLang="en-US" smtClean="0"/>
+              <a:rPr lang="en-US" altLang="en-US"/>
               <a:t>Physical Procedures</a:t>
             </a:r>
           </a:p>
@@ -35934,57 +35851,57 @@
           <a:lstStyle/>
           <a:p>
             <a:r>
-              <a:rPr lang="en-US" altLang="en-US" b="1" smtClean="0"/>
+              <a:rPr lang="en-US" altLang="en-US" b="1"/>
               <a:t>Dumpster diving </a:t>
             </a:r>
           </a:p>
           <a:p>
             <a:pPr lvl="1"/>
             <a:r>
-              <a:rPr lang="en-US" altLang="en-US" smtClean="0"/>
+              <a:rPr lang="en-US" altLang="en-US"/>
               <a:t>Dig through trash to find info useful in an attack</a:t>
             </a:r>
           </a:p>
           <a:p>
             <a:r>
-              <a:rPr lang="en-US" altLang="en-US" b="1" smtClean="0"/>
+              <a:rPr lang="en-US" altLang="en-US" b="1"/>
               <a:t>Tailgating</a:t>
             </a:r>
           </a:p>
           <a:p>
             <a:pPr lvl="1"/>
             <a:r>
-              <a:rPr lang="en-US" altLang="en-US" smtClean="0"/>
+              <a:rPr lang="en-US" altLang="en-US"/>
               <a:t>Follow authorized individual through an access door</a:t>
             </a:r>
           </a:p>
           <a:p>
             <a:pPr lvl="1"/>
             <a:r>
-              <a:rPr lang="en-US" altLang="en-US" smtClean="0"/>
+              <a:rPr lang="en-US" altLang="en-US"/>
               <a:t>Employee could conspire with an attacker to allow him to walk in with him (called piggybacking)</a:t>
             </a:r>
           </a:p>
           <a:p>
             <a:r>
-              <a:rPr lang="en-US" altLang="en-US" b="1" smtClean="0"/>
+              <a:rPr lang="en-US" altLang="en-US" b="1"/>
               <a:t>Shoulder Surfing</a:t>
             </a:r>
           </a:p>
           <a:p>
             <a:pPr lvl="1"/>
             <a:r>
-              <a:rPr lang="en-US" altLang="en-US" smtClean="0"/>
+              <a:rPr lang="en-US" altLang="en-US"/>
               <a:t>Watching an authorized user enter a security code on a keypad</a:t>
             </a:r>
-            <a:endParaRPr lang="en-US" altLang="en-US" b="1" smtClean="0"/>
+            <a:endParaRPr lang="en-US" altLang="en-US" b="1"/>
           </a:p>
           <a:p>
             <a:pPr lvl="1"/>
-            <a:endParaRPr lang="en-US" altLang="en-US" smtClean="0"/>
-          </a:p>
-          <a:p>
-            <a:endParaRPr lang="en-US" altLang="en-US" smtClean="0"/>
+            <a:endParaRPr lang="en-US" altLang="en-US"/>
+          </a:p>
+          <a:p>
+            <a:endParaRPr lang="en-US" altLang="en-US"/>
           </a:p>
         </p:txBody>
       </p:sp>
@@ -36515,7 +36432,7 @@
           <a:lstStyle/>
           <a:p>
             <a:r>
-              <a:rPr lang="en-US" altLang="en-US" smtClean="0"/>
+              <a:rPr lang="en-US" altLang="en-US"/>
               <a:t>Physical Procedures</a:t>
             </a:r>
           </a:p>
@@ -36537,10 +36454,10 @@
           <a:lstStyle/>
           <a:p>
             <a:pPr lvl="1"/>
-            <a:endParaRPr lang="en-US" altLang="en-US" smtClean="0"/>
-          </a:p>
-          <a:p>
-            <a:endParaRPr lang="en-US" altLang="en-US" smtClean="0"/>
+            <a:endParaRPr lang="en-US" altLang="en-US"/>
+          </a:p>
+          <a:p>
+            <a:endParaRPr lang="en-US" altLang="en-US"/>
           </a:p>
         </p:txBody>
       </p:sp>
@@ -36741,13 +36658,6 @@
   <p:clrMapOvr>
     <a:masterClrMapping/>
   </p:clrMapOvr>
-  <p:timing>
-    <p:tnLst>
-      <p:par>
-        <p:cTn id="1" dur="indefinite" restart="never" nodeType="tmRoot"/>
-      </p:par>
-    </p:tnLst>
-  </p:timing>
 </p:sld>
 </file>
 
@@ -36784,7 +36694,7 @@
           <a:lstStyle/>
           <a:p>
             <a:r>
-              <a:rPr lang="en-US" altLang="en-US" smtClean="0"/>
+              <a:rPr lang="en-US" altLang="en-US"/>
               <a:t>Circulation/Infection</a:t>
             </a:r>
           </a:p>
@@ -36806,28 +36716,28 @@
           <a:lstStyle/>
           <a:p>
             <a:r>
-              <a:rPr lang="en-US" altLang="en-US" smtClean="0"/>
+              <a:rPr lang="en-US" altLang="en-US"/>
               <a:t>Three types of malware have the primary traits of circulation and/or infections:</a:t>
             </a:r>
           </a:p>
           <a:p>
             <a:pPr lvl="1"/>
             <a:r>
-              <a:rPr lang="en-US" altLang="en-US" smtClean="0"/>
+              <a:rPr lang="en-US" altLang="en-US"/>
               <a:t>Viruses</a:t>
             </a:r>
           </a:p>
           <a:p>
             <a:pPr lvl="1"/>
             <a:r>
-              <a:rPr lang="en-US" altLang="en-US" smtClean="0"/>
+              <a:rPr lang="en-US" altLang="en-US"/>
               <a:t>Worms</a:t>
             </a:r>
           </a:p>
           <a:p>
             <a:pPr lvl="1"/>
             <a:r>
-              <a:rPr lang="en-US" altLang="en-US" smtClean="0"/>
+              <a:rPr lang="en-US" altLang="en-US"/>
               <a:t>Trojans</a:t>
             </a:r>
           </a:p>
@@ -37267,7 +37177,7 @@
           <a:lstStyle/>
           <a:p>
             <a:r>
-              <a:rPr lang="en-US" altLang="en-US" smtClean="0"/>
+              <a:rPr lang="en-US" altLang="en-US"/>
               <a:t>Viruses</a:t>
             </a:r>
           </a:p>
@@ -37294,84 +37204,84 @@
           <a:lstStyle/>
           <a:p>
             <a:r>
-              <a:rPr lang="en-US" altLang="en-US" b="1" smtClean="0"/>
+              <a:rPr lang="en-US" altLang="en-US" b="1"/>
               <a:t>Computer virus</a:t>
             </a:r>
           </a:p>
           <a:p>
             <a:pPr lvl="1"/>
             <a:r>
-              <a:rPr lang="en-US" altLang="en-US" smtClean="0"/>
+              <a:rPr lang="en-US" altLang="en-US"/>
               <a:t>reproduces itself on the same computer</a:t>
             </a:r>
           </a:p>
           <a:p>
             <a:r>
-              <a:rPr lang="en-US" altLang="en-US" b="1" smtClean="0"/>
+              <a:rPr lang="en-US" altLang="en-US" b="1"/>
               <a:t>Program virus </a:t>
             </a:r>
-            <a:endParaRPr lang="en-US" altLang="en-US" smtClean="0"/>
+            <a:endParaRPr lang="en-US" altLang="en-US"/>
           </a:p>
           <a:p>
             <a:pPr lvl="1"/>
             <a:r>
-              <a:rPr lang="en-US" altLang="en-US" smtClean="0"/>
+              <a:rPr lang="en-US" altLang="en-US"/>
               <a:t>infects an executable program file</a:t>
             </a:r>
           </a:p>
           <a:p>
             <a:r>
-              <a:rPr lang="en-US" altLang="en-US" b="1" smtClean="0"/>
+              <a:rPr lang="en-US" altLang="en-US" b="1"/>
               <a:t>Macro</a:t>
             </a:r>
             <a:r>
-              <a:rPr lang="en-US" altLang="en-US" smtClean="0"/>
+              <a:rPr lang="en-US" altLang="en-US"/>
               <a:t> </a:t>
             </a:r>
           </a:p>
           <a:p>
             <a:pPr lvl="1"/>
             <a:r>
-              <a:rPr lang="en-US" altLang="en-US" smtClean="0"/>
+              <a:rPr lang="en-US" altLang="en-US"/>
               <a:t>set of instructions grouped together as single command</a:t>
             </a:r>
           </a:p>
           <a:p>
             <a:pPr lvl="1"/>
             <a:r>
-              <a:rPr lang="en-US" altLang="en-US" smtClean="0"/>
+              <a:rPr lang="en-US" altLang="en-US"/>
               <a:t>A data file virus is a </a:t>
             </a:r>
             <a:r>
-              <a:rPr lang="en-US" altLang="en-US" b="1" smtClean="0"/>
+              <a:rPr lang="en-US" altLang="en-US" b="1"/>
               <a:t>macro </a:t>
             </a:r>
             <a:r>
-              <a:rPr lang="en-US" altLang="en-US" smtClean="0"/>
+              <a:rPr lang="en-US" altLang="en-US"/>
               <a:t>that is written in a script</a:t>
             </a:r>
           </a:p>
           <a:p>
             <a:r>
-              <a:rPr lang="en-US" altLang="en-US" smtClean="0"/>
+              <a:rPr lang="en-US" altLang="en-US"/>
               <a:t>Virus infection methods:</a:t>
             </a:r>
           </a:p>
           <a:p>
             <a:pPr lvl="1"/>
             <a:r>
-              <a:rPr lang="en-US" altLang="en-US" i="1" smtClean="0"/>
+              <a:rPr lang="en-US" altLang="en-US" i="1"/>
               <a:t>Appender infection </a:t>
             </a:r>
             <a:r>
-              <a:rPr lang="en-US" altLang="en-US" smtClean="0"/>
+              <a:rPr lang="en-US" altLang="en-US"/>
               <a:t>- appends itself to end of a file</a:t>
             </a:r>
           </a:p>
           <a:p>
             <a:pPr lvl="2"/>
             <a:r>
-              <a:rPr lang="en-US" altLang="en-US" smtClean="0"/>
+              <a:rPr lang="en-US" altLang="en-US"/>
               <a:t>Easily detected by virus scanners</a:t>
             </a:r>
           </a:p>
@@ -38100,7 +38010,7 @@
           <a:lstStyle/>
           <a:p>
             <a:r>
-              <a:rPr lang="en-US" altLang="en-US" smtClean="0"/>
+              <a:rPr lang="en-US" altLang="en-US"/>
               <a:t>Viruses</a:t>
             </a:r>
           </a:p>
@@ -38122,7 +38032,7 @@
           <a:lstStyle/>
           <a:p>
             <a:r>
-              <a:rPr lang="en-US" altLang="en-US" smtClean="0"/>
+              <a:rPr lang="en-US" altLang="en-US"/>
               <a:t>Virus infection methods (cont’d.)</a:t>
             </a:r>
           </a:p>
@@ -38131,23 +38041,23 @@
               <a:buFontTx/>
               <a:buNone/>
             </a:pPr>
-            <a:endParaRPr lang="en-US" altLang="en-US" smtClean="0"/>
+            <a:endParaRPr lang="en-US" altLang="en-US"/>
           </a:p>
           <a:p>
             <a:pPr lvl="1"/>
             <a:r>
-              <a:rPr lang="en-US" altLang="en-US" i="1" smtClean="0"/>
+              <a:rPr lang="en-US" altLang="en-US" i="1"/>
               <a:t>Swiss cheese infection </a:t>
             </a:r>
             <a:r>
-              <a:rPr lang="en-US" altLang="en-US" smtClean="0"/>
+              <a:rPr lang="en-US" altLang="en-US"/>
               <a:t>- inject themselves into executable code</a:t>
             </a:r>
           </a:p>
           <a:p>
             <a:pPr lvl="2"/>
             <a:r>
-              <a:rPr lang="en-US" altLang="en-US" smtClean="0"/>
+              <a:rPr lang="en-US" altLang="en-US"/>
               <a:t>Virus code “scrambled”  = more difficult to detect</a:t>
             </a:r>
           </a:p>
@@ -38156,34 +38066,34 @@
               <a:buFontTx/>
               <a:buNone/>
             </a:pPr>
-            <a:endParaRPr lang="en-US" altLang="en-US" smtClean="0"/>
+            <a:endParaRPr lang="en-US" altLang="en-US"/>
           </a:p>
           <a:p>
             <a:pPr lvl="1"/>
             <a:r>
-              <a:rPr lang="en-US" altLang="en-US" i="1" smtClean="0"/>
+              <a:rPr lang="en-US" altLang="en-US" i="1"/>
               <a:t>Split infection </a:t>
             </a:r>
             <a:r>
-              <a:rPr lang="en-US" altLang="en-US" smtClean="0"/>
+              <a:rPr lang="en-US" altLang="en-US"/>
               <a:t>- splits into several parts</a:t>
             </a:r>
           </a:p>
           <a:p>
             <a:pPr lvl="2"/>
             <a:r>
-              <a:rPr lang="en-US" altLang="en-US" smtClean="0"/>
+              <a:rPr lang="en-US" altLang="en-US"/>
               <a:t>Parts placed at random positions in host program</a:t>
             </a:r>
           </a:p>
           <a:p>
             <a:pPr lvl="2"/>
-            <a:endParaRPr lang="en-US" altLang="en-US" smtClean="0"/>
+            <a:endParaRPr lang="en-US" altLang="en-US"/>
           </a:p>
           <a:p>
             <a:pPr lvl="2"/>
             <a:r>
-              <a:rPr lang="en-US" altLang="en-US" smtClean="0"/>
+              <a:rPr lang="en-US" altLang="en-US"/>
               <a:t>The parts may contain unnecessary “garbage” to mask true purpose</a:t>
             </a:r>
           </a:p>
@@ -38716,7 +38626,7 @@
           <a:lstStyle/>
           <a:p>
             <a:r>
-              <a:rPr lang="en-US" altLang="en-US" smtClean="0"/>
+              <a:rPr lang="en-US" altLang="en-US"/>
               <a:t>Viruses</a:t>
             </a:r>
           </a:p>
@@ -38943,13 +38853,6 @@
   <p:clrMapOvr>
     <a:masterClrMapping/>
   </p:clrMapOvr>
-  <p:timing>
-    <p:tnLst>
-      <p:par>
-        <p:cTn id="1" dur="indefinite" restart="never" nodeType="tmRoot"/>
-      </p:par>
-    </p:tnLst>
-  </p:timing>
 </p:sld>
 </file>
 
@@ -38986,7 +38889,7 @@
           <a:lstStyle/>
           <a:p>
             <a:r>
-              <a:rPr lang="en-US" altLang="en-US" smtClean="0"/>
+              <a:rPr lang="en-US" altLang="en-US"/>
               <a:t>Viruses</a:t>
             </a:r>
           </a:p>
@@ -39008,62 +38911,62 @@
           <a:lstStyle/>
           <a:p>
             <a:r>
-              <a:rPr lang="en-US" altLang="en-US" smtClean="0"/>
+              <a:rPr lang="en-US" altLang="en-US"/>
               <a:t>Perform two actions:</a:t>
             </a:r>
           </a:p>
           <a:p>
             <a:pPr lvl="1"/>
             <a:r>
-              <a:rPr lang="en-US" altLang="en-US" smtClean="0"/>
+              <a:rPr lang="en-US" altLang="en-US"/>
               <a:t>Unload a payload to perform a malicious action</a:t>
             </a:r>
           </a:p>
           <a:p>
             <a:pPr lvl="1"/>
             <a:r>
-              <a:rPr lang="en-US" altLang="en-US" smtClean="0"/>
+              <a:rPr lang="en-US" altLang="en-US"/>
               <a:t>Reproduces itself </a:t>
             </a:r>
           </a:p>
           <a:p>
             <a:pPr lvl="2"/>
             <a:r>
-              <a:rPr lang="en-US" altLang="en-US" smtClean="0"/>
+              <a:rPr lang="en-US" altLang="en-US"/>
               <a:t>inserting its code into another file on the same computer</a:t>
             </a:r>
           </a:p>
           <a:p>
             <a:r>
-              <a:rPr lang="en-US" altLang="en-US" smtClean="0"/>
+              <a:rPr lang="en-US" altLang="en-US"/>
               <a:t>Examples of virus actions</a:t>
             </a:r>
           </a:p>
           <a:p>
             <a:pPr lvl="1"/>
             <a:r>
-              <a:rPr lang="en-US" altLang="en-US" smtClean="0"/>
+              <a:rPr lang="en-US" altLang="en-US"/>
               <a:t>Cause a computer to repeatedly crash</a:t>
             </a:r>
           </a:p>
           <a:p>
             <a:pPr lvl="1"/>
             <a:r>
-              <a:rPr lang="en-US" altLang="en-US" smtClean="0"/>
+              <a:rPr lang="en-US" altLang="en-US"/>
               <a:t>Erase files from or reformat hard drive</a:t>
             </a:r>
           </a:p>
           <a:p>
             <a:pPr lvl="1"/>
             <a:r>
-              <a:rPr lang="en-US" altLang="en-US" smtClean="0"/>
+              <a:rPr lang="en-US" altLang="en-US"/>
               <a:t>Turn off computer’s security settings</a:t>
             </a:r>
           </a:p>
           <a:p>
             <a:pPr lvl="1"/>
             <a:r>
-              <a:rPr lang="en-US" altLang="en-US" smtClean="0"/>
+              <a:rPr lang="en-US" altLang="en-US"/>
               <a:t>Reformat the hard disk drive</a:t>
             </a:r>
           </a:p>
@@ -39743,7 +39646,7 @@
           <a:lstStyle/>
           <a:p>
             <a:r>
-              <a:rPr lang="en-US" altLang="en-US" smtClean="0"/>
+              <a:rPr lang="en-US" altLang="en-US"/>
               <a:t>Viruses</a:t>
             </a:r>
           </a:p>
@@ -39765,32 +39668,32 @@
           <a:lstStyle/>
           <a:p>
             <a:r>
-              <a:rPr lang="en-US" altLang="en-US" smtClean="0"/>
+              <a:rPr lang="en-US" altLang="en-US"/>
               <a:t>Cannot automatically spread to another computer</a:t>
             </a:r>
           </a:p>
           <a:p>
             <a:pPr lvl="1"/>
             <a:r>
-              <a:rPr lang="en-US" altLang="en-US" smtClean="0"/>
+              <a:rPr lang="en-US" altLang="en-US"/>
               <a:t>Relies on user action to spread</a:t>
             </a:r>
           </a:p>
           <a:p>
-            <a:endParaRPr lang="en-US" altLang="en-US" smtClean="0"/>
-          </a:p>
-          <a:p>
-            <a:r>
-              <a:rPr lang="en-US" altLang="en-US" smtClean="0"/>
+            <a:endParaRPr lang="en-US" altLang="en-US"/>
+          </a:p>
+          <a:p>
+            <a:r>
+              <a:rPr lang="en-US" altLang="en-US"/>
               <a:t>Attached to files</a:t>
             </a:r>
           </a:p>
           <a:p>
-            <a:endParaRPr lang="en-US" altLang="en-US" smtClean="0"/>
-          </a:p>
-          <a:p>
-            <a:r>
-              <a:rPr lang="en-US" altLang="en-US" smtClean="0"/>
+            <a:endParaRPr lang="en-US" altLang="en-US"/>
+          </a:p>
+          <a:p>
+            <a:r>
+              <a:rPr lang="en-US" altLang="en-US"/>
               <a:t>Spread by transferring infected files</a:t>
             </a:r>
           </a:p>
